--- a/Simulation of phase gratings_not 2pi.pptx
+++ b/Simulation of phase gratings_not 2pi.pptx
@@ -5,7 +5,7 @@
     <p:sldMasterId id="2147483648" r:id="rId1"/>
   </p:sldMasterIdLst>
   <p:notesMasterIdLst>
-    <p:notesMasterId r:id="rId15"/>
+    <p:notesMasterId r:id="rId11"/>
   </p:notesMasterIdLst>
   <p:sldIdLst>
     <p:sldId id="329" r:id="rId2"/>
@@ -13,14 +13,10 @@
     <p:sldId id="331" r:id="rId4"/>
     <p:sldId id="340" r:id="rId5"/>
     <p:sldId id="336" r:id="rId6"/>
-    <p:sldId id="344" r:id="rId7"/>
-    <p:sldId id="341" r:id="rId8"/>
-    <p:sldId id="345" r:id="rId9"/>
-    <p:sldId id="342" r:id="rId10"/>
-    <p:sldId id="346" r:id="rId11"/>
-    <p:sldId id="343" r:id="rId12"/>
-    <p:sldId id="347" r:id="rId13"/>
-    <p:sldId id="334" r:id="rId14"/>
+    <p:sldId id="341" r:id="rId7"/>
+    <p:sldId id="342" r:id="rId8"/>
+    <p:sldId id="343" r:id="rId9"/>
+    <p:sldId id="344" r:id="rId10"/>
   </p:sldIdLst>
   <p:sldSz cx="12192000" cy="6858000"/>
   <p:notesSz cx="6858000" cy="9144000"/>
@@ -209,7 +205,7 @@
           <a:p>
             <a:fld id="{0795939F-5768-4E70-91A6-8B39B151029F}" type="datetimeFigureOut">
               <a:rPr lang="en-GB" smtClean="0"/>
-              <a:t>26/10/2024</a:t>
+              <a:t>28/10/2024</a:t>
             </a:fld>
             <a:endParaRPr lang="en-GB"/>
           </a:p>
@@ -741,7 +737,7 @@
           <a:p>
             <a:fld id="{67BD139C-2B3E-4A5B-8F8C-55182AF4AE01}" type="datetimeFigureOut">
               <a:rPr lang="en-GB" smtClean="0"/>
-              <a:t>26/10/2024</a:t>
+              <a:t>28/10/2024</a:t>
             </a:fld>
             <a:endParaRPr lang="en-GB"/>
           </a:p>
@@ -941,7 +937,7 @@
           <a:p>
             <a:fld id="{67BD139C-2B3E-4A5B-8F8C-55182AF4AE01}" type="datetimeFigureOut">
               <a:rPr lang="en-GB" smtClean="0"/>
-              <a:t>26/10/2024</a:t>
+              <a:t>28/10/2024</a:t>
             </a:fld>
             <a:endParaRPr lang="en-GB"/>
           </a:p>
@@ -1151,7 +1147,7 @@
           <a:p>
             <a:fld id="{67BD139C-2B3E-4A5B-8F8C-55182AF4AE01}" type="datetimeFigureOut">
               <a:rPr lang="en-GB" smtClean="0"/>
-              <a:t>26/10/2024</a:t>
+              <a:t>28/10/2024</a:t>
             </a:fld>
             <a:endParaRPr lang="en-GB"/>
           </a:p>
@@ -1351,7 +1347,7 @@
           <a:p>
             <a:fld id="{67BD139C-2B3E-4A5B-8F8C-55182AF4AE01}" type="datetimeFigureOut">
               <a:rPr lang="en-GB" smtClean="0"/>
-              <a:t>26/10/2024</a:t>
+              <a:t>28/10/2024</a:t>
             </a:fld>
             <a:endParaRPr lang="en-GB"/>
           </a:p>
@@ -1627,7 +1623,7 @@
           <a:p>
             <a:fld id="{67BD139C-2B3E-4A5B-8F8C-55182AF4AE01}" type="datetimeFigureOut">
               <a:rPr lang="en-GB" smtClean="0"/>
-              <a:t>26/10/2024</a:t>
+              <a:t>28/10/2024</a:t>
             </a:fld>
             <a:endParaRPr lang="en-GB"/>
           </a:p>
@@ -1895,7 +1891,7 @@
           <a:p>
             <a:fld id="{67BD139C-2B3E-4A5B-8F8C-55182AF4AE01}" type="datetimeFigureOut">
               <a:rPr lang="en-GB" smtClean="0"/>
-              <a:t>26/10/2024</a:t>
+              <a:t>28/10/2024</a:t>
             </a:fld>
             <a:endParaRPr lang="en-GB"/>
           </a:p>
@@ -2310,7 +2306,7 @@
           <a:p>
             <a:fld id="{67BD139C-2B3E-4A5B-8F8C-55182AF4AE01}" type="datetimeFigureOut">
               <a:rPr lang="en-GB" smtClean="0"/>
-              <a:t>26/10/2024</a:t>
+              <a:t>28/10/2024</a:t>
             </a:fld>
             <a:endParaRPr lang="en-GB"/>
           </a:p>
@@ -2452,7 +2448,7 @@
           <a:p>
             <a:fld id="{67BD139C-2B3E-4A5B-8F8C-55182AF4AE01}" type="datetimeFigureOut">
               <a:rPr lang="en-GB" smtClean="0"/>
-              <a:t>26/10/2024</a:t>
+              <a:t>28/10/2024</a:t>
             </a:fld>
             <a:endParaRPr lang="en-GB"/>
           </a:p>
@@ -2565,7 +2561,7 @@
           <a:p>
             <a:fld id="{67BD139C-2B3E-4A5B-8F8C-55182AF4AE01}" type="datetimeFigureOut">
               <a:rPr lang="en-GB" smtClean="0"/>
-              <a:t>26/10/2024</a:t>
+              <a:t>28/10/2024</a:t>
             </a:fld>
             <a:endParaRPr lang="en-GB"/>
           </a:p>
@@ -2878,7 +2874,7 @@
           <a:p>
             <a:fld id="{67BD139C-2B3E-4A5B-8F8C-55182AF4AE01}" type="datetimeFigureOut">
               <a:rPr lang="en-GB" smtClean="0"/>
-              <a:t>26/10/2024</a:t>
+              <a:t>28/10/2024</a:t>
             </a:fld>
             <a:endParaRPr lang="en-GB"/>
           </a:p>
@@ -3167,7 +3163,7 @@
           <a:p>
             <a:fld id="{67BD139C-2B3E-4A5B-8F8C-55182AF4AE01}" type="datetimeFigureOut">
               <a:rPr lang="en-GB" smtClean="0"/>
-              <a:t>26/10/2024</a:t>
+              <a:t>28/10/2024</a:t>
             </a:fld>
             <a:endParaRPr lang="en-GB"/>
           </a:p>
@@ -3410,7 +3406,7 @@
           <a:p>
             <a:fld id="{67BD139C-2B3E-4A5B-8F8C-55182AF4AE01}" type="datetimeFigureOut">
               <a:rPr lang="en-GB" smtClean="0"/>
-              <a:t>26/10/2024</a:t>
+              <a:t>28/10/2024</a:t>
             </a:fld>
             <a:endParaRPr lang="en-GB"/>
           </a:p>
@@ -4669,3485 +4665,6 @@
 </p:sld>
 </file>
 
-<file path=ppt/slides/slide10.xml><?xml version="1.0" encoding="utf-8"?>
-<p:sld xmlns:a="http://schemas.openxmlformats.org/drawingml/2006/main" xmlns:r="http://schemas.openxmlformats.org/officeDocument/2006/relationships" xmlns:p="http://schemas.openxmlformats.org/presentationml/2006/main">
-  <p:cSld>
-    <p:spTree>
-      <p:nvGrpSpPr>
-        <p:cNvPr id="1" name="">
-          <a:extLst>
-            <a:ext uri="{FF2B5EF4-FFF2-40B4-BE49-F238E27FC236}">
-              <a16:creationId xmlns:a16="http://schemas.microsoft.com/office/drawing/2014/main" id="{55744749-796C-6794-B2E5-BB49C37ADA91}"/>
-            </a:ext>
-          </a:extLst>
-        </p:cNvPr>
-        <p:cNvGrpSpPr/>
-        <p:nvPr/>
-      </p:nvGrpSpPr>
-      <p:grpSpPr>
-        <a:xfrm>
-          <a:off x="0" y="0"/>
-          <a:ext cx="0" cy="0"/>
-          <a:chOff x="0" y="0"/>
-          <a:chExt cx="0" cy="0"/>
-        </a:xfrm>
-      </p:grpSpPr>
-      <p:pic>
-        <p:nvPicPr>
-          <p:cNvPr id="4" name="Picture 22">
-            <a:extLst>
-              <a:ext uri="{FF2B5EF4-FFF2-40B4-BE49-F238E27FC236}">
-                <a16:creationId xmlns:a16="http://schemas.microsoft.com/office/drawing/2014/main" id="{0C9A8E68-EF36-2379-E1CD-BC06975B1280}"/>
-              </a:ext>
-            </a:extLst>
-          </p:cNvPr>
-          <p:cNvPicPr>
-            <a:picLocks noChangeAspect="1"/>
-          </p:cNvPicPr>
-          <p:nvPr/>
-        </p:nvPicPr>
-        <p:blipFill>
-          <a:blip r:embed="rId2">
-            <a:extLst>
-              <a:ext uri="{28A0092B-C50C-407E-A947-70E740481C1C}">
-                <a14:useLocalDpi xmlns:a14="http://schemas.microsoft.com/office/drawing/2010/main" val="0"/>
-              </a:ext>
-            </a:extLst>
-          </a:blip>
-          <a:srcRect/>
-          <a:stretch/>
-        </p:blipFill>
-        <p:spPr>
-          <a:xfrm>
-            <a:off x="1626923" y="1278559"/>
-            <a:ext cx="1677173" cy="947967"/>
-          </a:xfrm>
-          <a:prstGeom prst="rect">
-            <a:avLst/>
-          </a:prstGeom>
-        </p:spPr>
-      </p:pic>
-      <mc:AlternateContent xmlns:mc="http://schemas.openxmlformats.org/markup-compatibility/2006">
-        <mc:Choice xmlns:a14="http://schemas.microsoft.com/office/drawing/2010/main" Requires="a14">
-          <p:sp>
-            <p:nvSpPr>
-              <p:cNvPr id="5" name="TextBox 71">
-                <a:extLst>
-                  <a:ext uri="{FF2B5EF4-FFF2-40B4-BE49-F238E27FC236}">
-                    <a16:creationId xmlns:a16="http://schemas.microsoft.com/office/drawing/2014/main" id="{6BAADA33-1BE7-9FFB-27F7-74737235BB3E}"/>
-                  </a:ext>
-                </a:extLst>
-              </p:cNvPr>
-              <p:cNvSpPr txBox="1"/>
-              <p:nvPr/>
-            </p:nvSpPr>
-            <p:spPr>
-              <a:xfrm>
-                <a:off x="1626923" y="729086"/>
-                <a:ext cx="1813615" cy="369332"/>
-              </a:xfrm>
-              <a:prstGeom prst="rect">
-                <a:avLst/>
-              </a:prstGeom>
-              <a:solidFill>
-                <a:schemeClr val="bg1"/>
-              </a:solidFill>
-            </p:spPr>
-            <p:txBody>
-              <a:bodyPr wrap="square">
-                <a:spAutoFit/>
-              </a:bodyPr>
-              <a:lstStyle/>
-              <a:p>
-                <a:pPr marL="285750" indent="-285750">
-                  <a:buFont typeface="Arial" panose="020B0604020202020204" pitchFamily="34" charset="0"/>
-                  <a:buChar char="•"/>
-                </a:pPr>
-                <a14:m>
-                  <m:oMath xmlns:m="http://schemas.openxmlformats.org/officeDocument/2006/math">
-                    <m:r>
-                      <a:rPr lang="en-US" b="0" i="1" smtClean="0">
-                        <a:solidFill>
-                          <a:schemeClr val="tx1"/>
-                        </a:solidFill>
-                        <a:latin typeface="Cambria Math" panose="02040503050406030204" pitchFamily="18" charset="0"/>
-                      </a:rPr>
-                      <m:t>𝑤</m:t>
-                    </m:r>
-                    <m:r>
-                      <a:rPr lang="es-ES" b="0" i="1" smtClean="0">
-                        <a:solidFill>
-                          <a:schemeClr val="tx1"/>
-                        </a:solidFill>
-                        <a:latin typeface="Cambria Math" panose="02040503050406030204" pitchFamily="18" charset="0"/>
-                      </a:rPr>
-                      <m:t>=</m:t>
-                    </m:r>
-                  </m:oMath>
-                </a14:m>
-                <a:r>
-                  <a:rPr lang="en-GB" dirty="0">
-                    <a:solidFill>
-                      <a:schemeClr val="tx1"/>
-                    </a:solidFill>
-                  </a:rPr>
-                  <a:t> </a:t>
-                </a:r>
-                <a14:m>
-                  <m:oMath xmlns:m="http://schemas.openxmlformats.org/officeDocument/2006/math">
-                    <m:r>
-                      <a:rPr lang="en-US" i="1">
-                        <a:latin typeface="Cambria Math" panose="02040503050406030204" pitchFamily="18" charset="0"/>
-                      </a:rPr>
-                      <m:t>1</m:t>
-                    </m:r>
-                    <m:r>
-                      <a:rPr lang="en-US" b="0" i="1" smtClean="0">
-                        <a:latin typeface="Cambria Math" panose="02040503050406030204" pitchFamily="18" charset="0"/>
-                      </a:rPr>
-                      <m:t>50</m:t>
-                    </m:r>
-                    <m:r>
-                      <a:rPr lang="es-ES" b="0" i="1" smtClean="0">
-                        <a:solidFill>
-                          <a:schemeClr val="tx1"/>
-                        </a:solidFill>
-                        <a:latin typeface="Cambria Math" panose="02040503050406030204" pitchFamily="18" charset="0"/>
-                      </a:rPr>
-                      <m:t>𝑝𝑥</m:t>
-                    </m:r>
-                  </m:oMath>
-                </a14:m>
-                <a:r>
-                  <a:rPr lang="es-ES" dirty="0">
-                    <a:solidFill>
-                      <a:schemeClr val="tx1"/>
-                    </a:solidFill>
-                  </a:rPr>
-                  <a:t> </a:t>
-                </a:r>
-              </a:p>
-            </p:txBody>
-          </p:sp>
-        </mc:Choice>
-        <mc:Fallback>
-          <p:sp>
-            <p:nvSpPr>
-              <p:cNvPr id="5" name="TextBox 71">
-                <a:extLst>
-                  <a:ext uri="{FF2B5EF4-FFF2-40B4-BE49-F238E27FC236}">
-                    <a16:creationId xmlns:a16="http://schemas.microsoft.com/office/drawing/2014/main" id="{6BAADA33-1BE7-9FFB-27F7-74737235BB3E}"/>
-                  </a:ext>
-                </a:extLst>
-              </p:cNvPr>
-              <p:cNvSpPr txBox="1">
-                <a:spLocks noRot="1" noChangeAspect="1" noMove="1" noResize="1" noEditPoints="1" noAdjustHandles="1" noChangeArrowheads="1" noChangeShapeType="1" noTextEdit="1"/>
-              </p:cNvSpPr>
-              <p:nvPr/>
-            </p:nvSpPr>
-            <p:spPr>
-              <a:xfrm>
-                <a:off x="1626923" y="729086"/>
-                <a:ext cx="1813615" cy="369332"/>
-              </a:xfrm>
-              <a:prstGeom prst="rect">
-                <a:avLst/>
-              </a:prstGeom>
-              <a:blipFill>
-                <a:blip r:embed="rId3"/>
-                <a:stretch>
-                  <a:fillRect l="-2357" t="-5000" b="-20000"/>
-                </a:stretch>
-              </a:blipFill>
-            </p:spPr>
-            <p:txBody>
-              <a:bodyPr/>
-              <a:lstStyle/>
-              <a:p>
-                <a:r>
-                  <a:rPr lang="en-US">
-                    <a:noFill/>
-                  </a:rPr>
-                  <a:t> </a:t>
-                </a:r>
-              </a:p>
-            </p:txBody>
-          </p:sp>
-        </mc:Fallback>
-      </mc:AlternateContent>
-      <p:sp>
-        <p:nvSpPr>
-          <p:cNvPr id="10" name="TextBox 24">
-            <a:extLst>
-              <a:ext uri="{FF2B5EF4-FFF2-40B4-BE49-F238E27FC236}">
-                <a16:creationId xmlns:a16="http://schemas.microsoft.com/office/drawing/2014/main" id="{7FBA8DEA-51BB-9D6B-010F-BC3AAAB83A99}"/>
-              </a:ext>
-            </a:extLst>
-          </p:cNvPr>
-          <p:cNvSpPr txBox="1"/>
-          <p:nvPr/>
-        </p:nvSpPr>
-        <p:spPr>
-          <a:xfrm>
-            <a:off x="3928649" y="1567877"/>
-            <a:ext cx="354330" cy="369332"/>
-          </a:xfrm>
-          <a:prstGeom prst="rect">
-            <a:avLst/>
-          </a:prstGeom>
-          <a:noFill/>
-        </p:spPr>
-        <p:txBody>
-          <a:bodyPr wrap="square">
-            <a:spAutoFit/>
-          </a:bodyPr>
-          <a:lstStyle/>
-          <a:p>
-            <a:r>
-              <a:rPr lang="en-GB" dirty="0"/>
-              <a:t>×</a:t>
-            </a:r>
-            <a:endParaRPr lang="es-ES" dirty="0"/>
-          </a:p>
-        </p:txBody>
-      </p:sp>
-      <p:pic>
-        <p:nvPicPr>
-          <p:cNvPr id="14" name="图片 13">
-            <a:extLst>
-              <a:ext uri="{FF2B5EF4-FFF2-40B4-BE49-F238E27FC236}">
-                <a16:creationId xmlns:a16="http://schemas.microsoft.com/office/drawing/2014/main" id="{8C80148D-F63E-ADCE-4522-95CBC67DD1DC}"/>
-              </a:ext>
-            </a:extLst>
-          </p:cNvPr>
-          <p:cNvPicPr>
-            <a:picLocks noChangeAspect="1"/>
-          </p:cNvPicPr>
-          <p:nvPr/>
-        </p:nvPicPr>
-        <p:blipFill>
-          <a:blip r:embed="rId4">
-            <a:extLst>
-              <a:ext uri="{28A0092B-C50C-407E-A947-70E740481C1C}">
-                <a14:useLocalDpi xmlns:a14="http://schemas.microsoft.com/office/drawing/2010/main" val="0"/>
-              </a:ext>
-            </a:extLst>
-          </a:blip>
-          <a:srcRect/>
-          <a:stretch/>
-        </p:blipFill>
-        <p:spPr>
-          <a:xfrm>
-            <a:off x="1626923" y="2954303"/>
-            <a:ext cx="1677172" cy="3354344"/>
-          </a:xfrm>
-          <a:prstGeom prst="rect">
-            <a:avLst/>
-          </a:prstGeom>
-        </p:spPr>
-      </p:pic>
-      <p:pic>
-        <p:nvPicPr>
-          <p:cNvPr id="6" name="图片 5">
-            <a:extLst>
-              <a:ext uri="{FF2B5EF4-FFF2-40B4-BE49-F238E27FC236}">
-                <a16:creationId xmlns:a16="http://schemas.microsoft.com/office/drawing/2014/main" id="{AE4FAD2A-6B5E-4412-D500-60C51B6A2877}"/>
-              </a:ext>
-            </a:extLst>
-          </p:cNvPr>
-          <p:cNvPicPr>
-            <a:picLocks noChangeAspect="1"/>
-          </p:cNvPicPr>
-          <p:nvPr/>
-        </p:nvPicPr>
-        <p:blipFill>
-          <a:blip r:embed="rId5">
-            <a:extLst>
-              <a:ext uri="{28A0092B-C50C-407E-A947-70E740481C1C}">
-                <a14:useLocalDpi xmlns:a14="http://schemas.microsoft.com/office/drawing/2010/main" val="0"/>
-              </a:ext>
-            </a:extLst>
-          </a:blip>
-          <a:srcRect/>
-          <a:stretch/>
-        </p:blipFill>
-        <p:spPr>
-          <a:xfrm>
-            <a:off x="4527715" y="1278560"/>
-            <a:ext cx="1677173" cy="947966"/>
-          </a:xfrm>
-          <a:prstGeom prst="rect">
-            <a:avLst/>
-          </a:prstGeom>
-        </p:spPr>
-      </p:pic>
-      <p:pic>
-        <p:nvPicPr>
-          <p:cNvPr id="7" name="图片 6">
-            <a:extLst>
-              <a:ext uri="{FF2B5EF4-FFF2-40B4-BE49-F238E27FC236}">
-                <a16:creationId xmlns:a16="http://schemas.microsoft.com/office/drawing/2014/main" id="{6DE0683C-1E39-3837-2CF5-9199489F8540}"/>
-              </a:ext>
-            </a:extLst>
-          </p:cNvPr>
-          <p:cNvPicPr>
-            <a:picLocks noChangeAspect="1"/>
-          </p:cNvPicPr>
-          <p:nvPr/>
-        </p:nvPicPr>
-        <p:blipFill>
-          <a:blip r:embed="rId6">
-            <a:extLst>
-              <a:ext uri="{28A0092B-C50C-407E-A947-70E740481C1C}">
-                <a14:useLocalDpi xmlns:a14="http://schemas.microsoft.com/office/drawing/2010/main" val="0"/>
-              </a:ext>
-            </a:extLst>
-          </a:blip>
-          <a:srcRect/>
-          <a:stretch/>
-        </p:blipFill>
-        <p:spPr>
-          <a:xfrm>
-            <a:off x="7594265" y="1278560"/>
-            <a:ext cx="1677173" cy="947966"/>
-          </a:xfrm>
-          <a:prstGeom prst="rect">
-            <a:avLst/>
-          </a:prstGeom>
-        </p:spPr>
-      </p:pic>
-      <p:sp>
-        <p:nvSpPr>
-          <p:cNvPr id="9" name="TextBox 24">
-            <a:extLst>
-              <a:ext uri="{FF2B5EF4-FFF2-40B4-BE49-F238E27FC236}">
-                <a16:creationId xmlns:a16="http://schemas.microsoft.com/office/drawing/2014/main" id="{E23C84A0-F4DE-2CFF-A119-CCCD1F97C283}"/>
-              </a:ext>
-            </a:extLst>
-          </p:cNvPr>
-          <p:cNvSpPr txBox="1"/>
-          <p:nvPr/>
-        </p:nvSpPr>
-        <p:spPr>
-          <a:xfrm>
-            <a:off x="6781693" y="1567877"/>
-            <a:ext cx="354330" cy="369332"/>
-          </a:xfrm>
-          <a:prstGeom prst="rect">
-            <a:avLst/>
-          </a:prstGeom>
-          <a:noFill/>
-        </p:spPr>
-        <p:txBody>
-          <a:bodyPr wrap="square">
-            <a:spAutoFit/>
-          </a:bodyPr>
-          <a:lstStyle/>
-          <a:p>
-            <a:r>
-              <a:rPr lang="en-GB" dirty="0"/>
-              <a:t>×</a:t>
-            </a:r>
-            <a:endParaRPr lang="es-ES" dirty="0"/>
-          </a:p>
-        </p:txBody>
-      </p:sp>
-      <mc:AlternateContent xmlns:mc="http://schemas.openxmlformats.org/markup-compatibility/2006">
-        <mc:Choice xmlns:a14="http://schemas.microsoft.com/office/drawing/2010/main" Requires="a14">
-          <p:sp>
-            <p:nvSpPr>
-              <p:cNvPr id="11" name="TextBox 71">
-                <a:extLst>
-                  <a:ext uri="{FF2B5EF4-FFF2-40B4-BE49-F238E27FC236}">
-                    <a16:creationId xmlns:a16="http://schemas.microsoft.com/office/drawing/2014/main" id="{6DDBC2EB-C622-EC48-F465-4E370EAABD8F}"/>
-                  </a:ext>
-                </a:extLst>
-              </p:cNvPr>
-              <p:cNvSpPr txBox="1"/>
-              <p:nvPr/>
-            </p:nvSpPr>
-            <p:spPr>
-              <a:xfrm>
-                <a:off x="4447264" y="763721"/>
-                <a:ext cx="1813615" cy="369332"/>
-              </a:xfrm>
-              <a:prstGeom prst="rect">
-                <a:avLst/>
-              </a:prstGeom>
-              <a:solidFill>
-                <a:schemeClr val="bg1"/>
-              </a:solidFill>
-            </p:spPr>
-            <p:txBody>
-              <a:bodyPr wrap="square">
-                <a:spAutoFit/>
-              </a:bodyPr>
-              <a:lstStyle/>
-              <a:p>
-                <a:pPr marL="285750" indent="-285750">
-                  <a:buFont typeface="Arial" panose="020B0604020202020204" pitchFamily="34" charset="0"/>
-                  <a:buChar char="•"/>
-                </a:pPr>
-                <a14:m>
-                  <m:oMath xmlns:m="http://schemas.openxmlformats.org/officeDocument/2006/math">
-                    <m:r>
-                      <a:rPr lang="es-ES" i="1" smtClean="0">
-                        <a:solidFill>
-                          <a:schemeClr val="tx1"/>
-                        </a:solidFill>
-                        <a:latin typeface="Cambria Math" panose="02040503050406030204" pitchFamily="18" charset="0"/>
-                      </a:rPr>
-                      <m:t>𝑝</m:t>
-                    </m:r>
-                    <m:r>
-                      <a:rPr lang="es-ES" b="0" i="1" smtClean="0">
-                        <a:solidFill>
-                          <a:schemeClr val="tx1"/>
-                        </a:solidFill>
-                        <a:latin typeface="Cambria Math" panose="02040503050406030204" pitchFamily="18" charset="0"/>
-                      </a:rPr>
-                      <m:t>=</m:t>
-                    </m:r>
-                  </m:oMath>
-                </a14:m>
-                <a:r>
-                  <a:rPr lang="en-GB" dirty="0">
-                    <a:solidFill>
-                      <a:schemeClr val="tx1"/>
-                    </a:solidFill>
-                  </a:rPr>
-                  <a:t> </a:t>
-                </a:r>
-                <a14:m>
-                  <m:oMath xmlns:m="http://schemas.openxmlformats.org/officeDocument/2006/math">
-                    <m:r>
-                      <a:rPr lang="es-ES" i="1" dirty="0" smtClean="0">
-                        <a:latin typeface="Cambria Math" panose="02040503050406030204" pitchFamily="18" charset="0"/>
-                      </a:rPr>
-                      <m:t>1</m:t>
-                    </m:r>
-                    <m:r>
-                      <a:rPr lang="en-US" b="0" i="1" dirty="0" smtClean="0">
-                        <a:latin typeface="Cambria Math" panose="02040503050406030204" pitchFamily="18" charset="0"/>
-                      </a:rPr>
-                      <m:t>28</m:t>
-                    </m:r>
-                    <m:r>
-                      <a:rPr lang="es-ES" b="0" i="1" smtClean="0">
-                        <a:solidFill>
-                          <a:schemeClr val="tx1"/>
-                        </a:solidFill>
-                        <a:latin typeface="Cambria Math" panose="02040503050406030204" pitchFamily="18" charset="0"/>
-                      </a:rPr>
-                      <m:t>𝑝𝑥</m:t>
-                    </m:r>
-                  </m:oMath>
-                </a14:m>
-                <a:r>
-                  <a:rPr lang="es-ES" dirty="0">
-                    <a:solidFill>
-                      <a:schemeClr val="tx1"/>
-                    </a:solidFill>
-                  </a:rPr>
-                  <a:t> </a:t>
-                </a:r>
-              </a:p>
-            </p:txBody>
-          </p:sp>
-        </mc:Choice>
-        <mc:Fallback>
-          <p:sp>
-            <p:nvSpPr>
-              <p:cNvPr id="11" name="TextBox 71">
-                <a:extLst>
-                  <a:ext uri="{FF2B5EF4-FFF2-40B4-BE49-F238E27FC236}">
-                    <a16:creationId xmlns:a16="http://schemas.microsoft.com/office/drawing/2014/main" id="{6DDBC2EB-C622-EC48-F465-4E370EAABD8F}"/>
-                  </a:ext>
-                </a:extLst>
-              </p:cNvPr>
-              <p:cNvSpPr txBox="1">
-                <a:spLocks noRot="1" noChangeAspect="1" noMove="1" noResize="1" noEditPoints="1" noAdjustHandles="1" noChangeArrowheads="1" noChangeShapeType="1" noTextEdit="1"/>
-              </p:cNvSpPr>
-              <p:nvPr/>
-            </p:nvSpPr>
-            <p:spPr>
-              <a:xfrm>
-                <a:off x="4447264" y="763721"/>
-                <a:ext cx="1813615" cy="369332"/>
-              </a:xfrm>
-              <a:prstGeom prst="rect">
-                <a:avLst/>
-              </a:prstGeom>
-              <a:blipFill>
-                <a:blip r:embed="rId7"/>
-                <a:stretch>
-                  <a:fillRect l="-2357" t="-3279" b="-18033"/>
-                </a:stretch>
-              </a:blipFill>
-            </p:spPr>
-            <p:txBody>
-              <a:bodyPr/>
-              <a:lstStyle/>
-              <a:p>
-                <a:r>
-                  <a:rPr lang="en-US">
-                    <a:noFill/>
-                  </a:rPr>
-                  <a:t> </a:t>
-                </a:r>
-              </a:p>
-            </p:txBody>
-          </p:sp>
-        </mc:Fallback>
-      </mc:AlternateContent>
-      <mc:AlternateContent xmlns:mc="http://schemas.openxmlformats.org/markup-compatibility/2006">
-        <mc:Choice xmlns:a14="http://schemas.microsoft.com/office/drawing/2010/main" Requires="a14">
-          <p:sp>
-            <p:nvSpPr>
-              <p:cNvPr id="16" name="TextBox 71">
-                <a:extLst>
-                  <a:ext uri="{FF2B5EF4-FFF2-40B4-BE49-F238E27FC236}">
-                    <a16:creationId xmlns:a16="http://schemas.microsoft.com/office/drawing/2014/main" id="{BD556430-2E58-4738-7489-96345471BEDB}"/>
-                  </a:ext>
-                </a:extLst>
-              </p:cNvPr>
-              <p:cNvSpPr txBox="1"/>
-              <p:nvPr/>
-            </p:nvSpPr>
-            <p:spPr>
-              <a:xfrm>
-                <a:off x="7614630" y="763721"/>
-                <a:ext cx="1813615" cy="369332"/>
-              </a:xfrm>
-              <a:prstGeom prst="rect">
-                <a:avLst/>
-              </a:prstGeom>
-              <a:solidFill>
-                <a:schemeClr val="bg1"/>
-              </a:solidFill>
-            </p:spPr>
-            <p:txBody>
-              <a:bodyPr wrap="square">
-                <a:spAutoFit/>
-              </a:bodyPr>
-              <a:lstStyle/>
-              <a:p>
-                <a:pPr marL="285750" indent="-285750">
-                  <a:buFont typeface="Arial" panose="020B0604020202020204" pitchFamily="34" charset="0"/>
-                  <a:buChar char="•"/>
-                </a:pPr>
-                <a14:m>
-                  <m:oMath xmlns:m="http://schemas.openxmlformats.org/officeDocument/2006/math">
-                    <m:r>
-                      <a:rPr lang="es-ES" i="1" smtClean="0">
-                        <a:solidFill>
-                          <a:schemeClr val="tx1"/>
-                        </a:solidFill>
-                        <a:latin typeface="Cambria Math" panose="02040503050406030204" pitchFamily="18" charset="0"/>
-                      </a:rPr>
-                      <m:t>𝑝</m:t>
-                    </m:r>
-                    <m:r>
-                      <a:rPr lang="es-ES" b="0" i="1" smtClean="0">
-                        <a:solidFill>
-                          <a:schemeClr val="tx1"/>
-                        </a:solidFill>
-                        <a:latin typeface="Cambria Math" panose="02040503050406030204" pitchFamily="18" charset="0"/>
-                      </a:rPr>
-                      <m:t>=</m:t>
-                    </m:r>
-                  </m:oMath>
-                </a14:m>
-                <a:r>
-                  <a:rPr lang="en-GB" dirty="0">
-                    <a:solidFill>
-                      <a:schemeClr val="tx1"/>
-                    </a:solidFill>
-                  </a:rPr>
-                  <a:t> </a:t>
-                </a:r>
-                <a14:m>
-                  <m:oMath xmlns:m="http://schemas.openxmlformats.org/officeDocument/2006/math">
-                    <m:r>
-                      <a:rPr lang="en-US" i="1" dirty="0" smtClean="0">
-                        <a:latin typeface="Cambria Math" panose="02040503050406030204" pitchFamily="18" charset="0"/>
-                      </a:rPr>
-                      <m:t>5</m:t>
-                    </m:r>
-                    <m:r>
-                      <a:rPr lang="en-US" b="0" i="1" smtClean="0">
-                        <a:latin typeface="Cambria Math" panose="02040503050406030204" pitchFamily="18" charset="0"/>
-                      </a:rPr>
-                      <m:t>40</m:t>
-                    </m:r>
-                    <m:r>
-                      <a:rPr lang="es-ES" b="0" i="1" smtClean="0">
-                        <a:solidFill>
-                          <a:schemeClr val="tx1"/>
-                        </a:solidFill>
-                        <a:latin typeface="Cambria Math" panose="02040503050406030204" pitchFamily="18" charset="0"/>
-                      </a:rPr>
-                      <m:t>𝑝𝑥</m:t>
-                    </m:r>
-                  </m:oMath>
-                </a14:m>
-                <a:r>
-                  <a:rPr lang="es-ES" dirty="0">
-                    <a:solidFill>
-                      <a:schemeClr val="tx1"/>
-                    </a:solidFill>
-                  </a:rPr>
-                  <a:t> </a:t>
-                </a:r>
-              </a:p>
-            </p:txBody>
-          </p:sp>
-        </mc:Choice>
-        <mc:Fallback>
-          <p:sp>
-            <p:nvSpPr>
-              <p:cNvPr id="16" name="TextBox 71">
-                <a:extLst>
-                  <a:ext uri="{FF2B5EF4-FFF2-40B4-BE49-F238E27FC236}">
-                    <a16:creationId xmlns:a16="http://schemas.microsoft.com/office/drawing/2014/main" id="{BD556430-2E58-4738-7489-96345471BEDB}"/>
-                  </a:ext>
-                </a:extLst>
-              </p:cNvPr>
-              <p:cNvSpPr txBox="1">
-                <a:spLocks noRot="1" noChangeAspect="1" noMove="1" noResize="1" noEditPoints="1" noAdjustHandles="1" noChangeArrowheads="1" noChangeShapeType="1" noTextEdit="1"/>
-              </p:cNvSpPr>
-              <p:nvPr/>
-            </p:nvSpPr>
-            <p:spPr>
-              <a:xfrm>
-                <a:off x="7614630" y="763721"/>
-                <a:ext cx="1813615" cy="369332"/>
-              </a:xfrm>
-              <a:prstGeom prst="rect">
-                <a:avLst/>
-              </a:prstGeom>
-              <a:blipFill>
-                <a:blip r:embed="rId8"/>
-                <a:stretch>
-                  <a:fillRect l="-2013" t="-3279" b="-18033"/>
-                </a:stretch>
-              </a:blipFill>
-            </p:spPr>
-            <p:txBody>
-              <a:bodyPr/>
-              <a:lstStyle/>
-              <a:p>
-                <a:r>
-                  <a:rPr lang="en-US">
-                    <a:noFill/>
-                  </a:rPr>
-                  <a:t> </a:t>
-                </a:r>
-              </a:p>
-            </p:txBody>
-          </p:sp>
-        </mc:Fallback>
-      </mc:AlternateContent>
-    </p:spTree>
-    <p:extLst>
-      <p:ext uri="{BB962C8B-B14F-4D97-AF65-F5344CB8AC3E}">
-        <p14:creationId xmlns:p14="http://schemas.microsoft.com/office/powerpoint/2010/main" val="3447126062"/>
-      </p:ext>
-    </p:extLst>
-  </p:cSld>
-  <p:clrMapOvr>
-    <a:masterClrMapping/>
-  </p:clrMapOvr>
-</p:sld>
-</file>
-
-<file path=ppt/slides/slide11.xml><?xml version="1.0" encoding="utf-8"?>
-<p:sld xmlns:a="http://schemas.openxmlformats.org/drawingml/2006/main" xmlns:r="http://schemas.openxmlformats.org/officeDocument/2006/relationships" xmlns:p="http://schemas.openxmlformats.org/presentationml/2006/main">
-  <p:cSld>
-    <p:spTree>
-      <p:nvGrpSpPr>
-        <p:cNvPr id="1" name="">
-          <a:extLst>
-            <a:ext uri="{FF2B5EF4-FFF2-40B4-BE49-F238E27FC236}">
-              <a16:creationId xmlns:a16="http://schemas.microsoft.com/office/drawing/2014/main" id="{2B91D736-57C5-17D2-4278-0CB6562F1AC4}"/>
-            </a:ext>
-          </a:extLst>
-        </p:cNvPr>
-        <p:cNvGrpSpPr/>
-        <p:nvPr/>
-      </p:nvGrpSpPr>
-      <p:grpSpPr>
-        <a:xfrm>
-          <a:off x="0" y="0"/>
-          <a:ext cx="0" cy="0"/>
-          <a:chOff x="0" y="0"/>
-          <a:chExt cx="0" cy="0"/>
-        </a:xfrm>
-      </p:grpSpPr>
-      <p:pic>
-        <p:nvPicPr>
-          <p:cNvPr id="19" name="Picture 18">
-            <a:extLst>
-              <a:ext uri="{FF2B5EF4-FFF2-40B4-BE49-F238E27FC236}">
-                <a16:creationId xmlns:a16="http://schemas.microsoft.com/office/drawing/2014/main" id="{5CFD0797-95DB-65B5-161C-90D34B8225EB}"/>
-              </a:ext>
-            </a:extLst>
-          </p:cNvPr>
-          <p:cNvPicPr>
-            <a:picLocks noChangeAspect="1"/>
-          </p:cNvPicPr>
-          <p:nvPr/>
-        </p:nvPicPr>
-        <p:blipFill>
-          <a:blip r:embed="rId2">
-            <a:extLst>
-              <a:ext uri="{28A0092B-C50C-407E-A947-70E740481C1C}">
-                <a14:useLocalDpi xmlns:a14="http://schemas.microsoft.com/office/drawing/2010/main" val="0"/>
-              </a:ext>
-            </a:extLst>
-          </a:blip>
-          <a:srcRect/>
-          <a:stretch/>
-        </p:blipFill>
-        <p:spPr>
-          <a:xfrm>
-            <a:off x="583834" y="1279323"/>
-            <a:ext cx="1685274" cy="946440"/>
-          </a:xfrm>
-          <a:prstGeom prst="rect">
-            <a:avLst/>
-          </a:prstGeom>
-        </p:spPr>
-      </p:pic>
-      <p:sp>
-        <p:nvSpPr>
-          <p:cNvPr id="25" name="TextBox 24">
-            <a:extLst>
-              <a:ext uri="{FF2B5EF4-FFF2-40B4-BE49-F238E27FC236}">
-                <a16:creationId xmlns:a16="http://schemas.microsoft.com/office/drawing/2014/main" id="{2D2BB66B-8966-FAB4-969F-CD47D38BD759}"/>
-              </a:ext>
-            </a:extLst>
-          </p:cNvPr>
-          <p:cNvSpPr txBox="1"/>
-          <p:nvPr/>
-        </p:nvSpPr>
-        <p:spPr>
-          <a:xfrm>
-            <a:off x="2681677" y="1567877"/>
-            <a:ext cx="354330" cy="369332"/>
-          </a:xfrm>
-          <a:prstGeom prst="rect">
-            <a:avLst/>
-          </a:prstGeom>
-          <a:noFill/>
-        </p:spPr>
-        <p:txBody>
-          <a:bodyPr wrap="square">
-            <a:spAutoFit/>
-          </a:bodyPr>
-          <a:lstStyle/>
-          <a:p>
-            <a:r>
-              <a:rPr lang="en-GB" dirty="0"/>
-              <a:t>×</a:t>
-            </a:r>
-            <a:endParaRPr lang="es-ES" dirty="0"/>
-          </a:p>
-        </p:txBody>
-      </p:sp>
-      <p:sp>
-        <p:nvSpPr>
-          <p:cNvPr id="2" name="Title 1">
-            <a:extLst>
-              <a:ext uri="{FF2B5EF4-FFF2-40B4-BE49-F238E27FC236}">
-                <a16:creationId xmlns:a16="http://schemas.microsoft.com/office/drawing/2014/main" id="{23F7B019-DE71-B7DF-8A51-E60EEED2FB5B}"/>
-              </a:ext>
-            </a:extLst>
-          </p:cNvPr>
-          <p:cNvSpPr txBox="1">
-            <a:spLocks/>
-          </p:cNvSpPr>
-          <p:nvPr/>
-        </p:nvSpPr>
-        <p:spPr>
-          <a:xfrm>
-            <a:off x="470412" y="0"/>
-            <a:ext cx="9505692" cy="786384"/>
-          </a:xfrm>
-          <a:prstGeom prst="rect">
-            <a:avLst/>
-          </a:prstGeom>
-        </p:spPr>
-        <p:txBody>
-          <a:bodyPr vert="horz" lIns="91440" tIns="45720" rIns="91440" bIns="45720" rtlCol="0" anchor="ctr">
-            <a:normAutofit/>
-          </a:bodyPr>
-          <a:lstStyle>
-            <a:lvl1pPr algn="l" defTabSz="914400" rtl="0" eaLnBrk="1" latinLnBrk="0" hangingPunct="1">
-              <a:lnSpc>
-                <a:spcPct val="90000"/>
-              </a:lnSpc>
-              <a:spcBef>
-                <a:spcPct val="0"/>
-              </a:spcBef>
-              <a:buNone/>
-              <a:defRPr sz="4400" kern="1200">
-                <a:solidFill>
-                  <a:schemeClr val="tx1"/>
-                </a:solidFill>
-                <a:latin typeface="+mj-lt"/>
-                <a:ea typeface="+mj-ea"/>
-                <a:cs typeface="+mj-cs"/>
-              </a:defRPr>
-            </a:lvl1pPr>
-          </a:lstStyle>
-          <a:p>
-            <a:r>
-              <a:rPr lang="es-ES" sz="1800" b="1" dirty="0"/>
-              <a:t>4. Simulation results of binary and blazed phase gratings</a:t>
-            </a:r>
-            <a:endParaRPr lang="en-GB" sz="1800" b="1" dirty="0"/>
-          </a:p>
-        </p:txBody>
-      </p:sp>
-      <p:pic>
-        <p:nvPicPr>
-          <p:cNvPr id="6" name="图片 5">
-            <a:extLst>
-              <a:ext uri="{FF2B5EF4-FFF2-40B4-BE49-F238E27FC236}">
-                <a16:creationId xmlns:a16="http://schemas.microsoft.com/office/drawing/2014/main" id="{087926E6-18B4-9A6C-80D9-CAD9E87B67D6}"/>
-              </a:ext>
-            </a:extLst>
-          </p:cNvPr>
-          <p:cNvPicPr>
-            <a:picLocks noChangeAspect="1"/>
-          </p:cNvPicPr>
-          <p:nvPr/>
-        </p:nvPicPr>
-        <p:blipFill>
-          <a:blip r:embed="rId3">
-            <a:extLst>
-              <a:ext uri="{28A0092B-C50C-407E-A947-70E740481C1C}">
-                <a14:useLocalDpi xmlns:a14="http://schemas.microsoft.com/office/drawing/2010/main" val="0"/>
-              </a:ext>
-            </a:extLst>
-          </a:blip>
-          <a:srcRect t="23958" b="23958"/>
-          <a:stretch/>
-        </p:blipFill>
-        <p:spPr>
-          <a:xfrm>
-            <a:off x="2119776" y="2508255"/>
-            <a:ext cx="1905000" cy="2381250"/>
-          </a:xfrm>
-          <a:prstGeom prst="rect">
-            <a:avLst/>
-          </a:prstGeom>
-        </p:spPr>
-      </p:pic>
-      <mc:AlternateContent xmlns:mc="http://schemas.openxmlformats.org/markup-compatibility/2006" xmlns:a14="http://schemas.microsoft.com/office/drawing/2010/main">
-        <mc:Choice Requires="a14">
-          <p:sp>
-            <p:nvSpPr>
-              <p:cNvPr id="9" name="TextBox 71">
-                <a:extLst>
-                  <a:ext uri="{FF2B5EF4-FFF2-40B4-BE49-F238E27FC236}">
-                    <a16:creationId xmlns:a16="http://schemas.microsoft.com/office/drawing/2014/main" id="{3D90C295-6735-62A6-4A9F-DCA569E7295B}"/>
-                  </a:ext>
-                </a:extLst>
-              </p:cNvPr>
-              <p:cNvSpPr txBox="1"/>
-              <p:nvPr/>
-            </p:nvSpPr>
-            <p:spPr>
-              <a:xfrm>
-                <a:off x="478004" y="763721"/>
-                <a:ext cx="1813615" cy="369332"/>
-              </a:xfrm>
-              <a:prstGeom prst="rect">
-                <a:avLst/>
-              </a:prstGeom>
-              <a:solidFill>
-                <a:schemeClr val="bg1"/>
-              </a:solidFill>
-            </p:spPr>
-            <p:txBody>
-              <a:bodyPr wrap="square">
-                <a:spAutoFit/>
-              </a:bodyPr>
-              <a:lstStyle/>
-              <a:p>
-                <a:pPr marL="285750" indent="-285750">
-                  <a:buFont typeface="Arial" panose="020B0604020202020204" pitchFamily="34" charset="0"/>
-                  <a:buChar char="•"/>
-                </a:pPr>
-                <a14:m>
-                  <m:oMath xmlns:m="http://schemas.openxmlformats.org/officeDocument/2006/math">
-                    <m:r>
-                      <a:rPr lang="es-ES" i="1" smtClean="0">
-                        <a:solidFill>
-                          <a:schemeClr val="tx1"/>
-                        </a:solidFill>
-                        <a:latin typeface="Cambria Math" panose="02040503050406030204" pitchFamily="18" charset="0"/>
-                      </a:rPr>
-                      <m:t>𝑝</m:t>
-                    </m:r>
-                    <m:r>
-                      <a:rPr lang="es-ES" b="0" i="1" smtClean="0">
-                        <a:solidFill>
-                          <a:schemeClr val="tx1"/>
-                        </a:solidFill>
-                        <a:latin typeface="Cambria Math" panose="02040503050406030204" pitchFamily="18" charset="0"/>
-                      </a:rPr>
-                      <m:t>=</m:t>
-                    </m:r>
-                  </m:oMath>
-                </a14:m>
-                <a:r>
-                  <a:rPr lang="en-GB" dirty="0">
-                    <a:solidFill>
-                      <a:schemeClr val="tx1"/>
-                    </a:solidFill>
-                  </a:rPr>
-                  <a:t> </a:t>
-                </a:r>
-                <a14:m>
-                  <m:oMath xmlns:m="http://schemas.openxmlformats.org/officeDocument/2006/math">
-                    <m:r>
-                      <a:rPr lang="es-ES" i="1">
-                        <a:latin typeface="Cambria Math" panose="02040503050406030204" pitchFamily="18" charset="0"/>
-                      </a:rPr>
-                      <m:t>9</m:t>
-                    </m:r>
-                    <m:r>
-                      <a:rPr lang="en-US" b="0" i="1" smtClean="0">
-                        <a:latin typeface="Cambria Math" panose="02040503050406030204" pitchFamily="18" charset="0"/>
-                      </a:rPr>
-                      <m:t>6</m:t>
-                    </m:r>
-                    <m:r>
-                      <a:rPr lang="es-ES" b="0" i="1" smtClean="0">
-                        <a:solidFill>
-                          <a:schemeClr val="tx1"/>
-                        </a:solidFill>
-                        <a:latin typeface="Cambria Math" panose="02040503050406030204" pitchFamily="18" charset="0"/>
-                      </a:rPr>
-                      <m:t>𝑝𝑥</m:t>
-                    </m:r>
-                  </m:oMath>
-                </a14:m>
-                <a:r>
-                  <a:rPr lang="es-ES" dirty="0">
-                    <a:solidFill>
-                      <a:schemeClr val="tx1"/>
-                    </a:solidFill>
-                  </a:rPr>
-                  <a:t> </a:t>
-                </a:r>
-              </a:p>
-            </p:txBody>
-          </p:sp>
-        </mc:Choice>
-        <mc:Fallback xmlns="">
-          <p:sp>
-            <p:nvSpPr>
-              <p:cNvPr id="9" name="TextBox 71">
-                <a:extLst>
-                  <a:ext uri="{FF2B5EF4-FFF2-40B4-BE49-F238E27FC236}">
-                    <a16:creationId xmlns:a16="http://schemas.microsoft.com/office/drawing/2014/main" id="{3D90C295-6735-62A6-4A9F-DCA569E7295B}"/>
-                  </a:ext>
-                </a:extLst>
-              </p:cNvPr>
-              <p:cNvSpPr txBox="1">
-                <a:spLocks noRot="1" noChangeAspect="1" noMove="1" noResize="1" noEditPoints="1" noAdjustHandles="1" noChangeArrowheads="1" noChangeShapeType="1" noTextEdit="1"/>
-              </p:cNvSpPr>
-              <p:nvPr/>
-            </p:nvSpPr>
-            <p:spPr>
-              <a:xfrm>
-                <a:off x="478004" y="763721"/>
-                <a:ext cx="1813615" cy="369332"/>
-              </a:xfrm>
-              <a:prstGeom prst="rect">
-                <a:avLst/>
-              </a:prstGeom>
-              <a:blipFill>
-                <a:blip r:embed="rId5"/>
-                <a:stretch>
-                  <a:fillRect l="-2013" t="-3279" b="-18033"/>
-                </a:stretch>
-              </a:blipFill>
-            </p:spPr>
-            <p:txBody>
-              <a:bodyPr/>
-              <a:lstStyle/>
-              <a:p>
-                <a:r>
-                  <a:rPr lang="en-US">
-                    <a:noFill/>
-                  </a:rPr>
-                  <a:t> </a:t>
-                </a:r>
-              </a:p>
-            </p:txBody>
-          </p:sp>
-        </mc:Fallback>
-      </mc:AlternateContent>
-      <mc:AlternateContent xmlns:mc="http://schemas.openxmlformats.org/markup-compatibility/2006" xmlns:a14="http://schemas.microsoft.com/office/drawing/2010/main">
-        <mc:Choice Requires="a14">
-          <p:sp>
-            <p:nvSpPr>
-              <p:cNvPr id="11" name="TextBox 71">
-                <a:extLst>
-                  <a:ext uri="{FF2B5EF4-FFF2-40B4-BE49-F238E27FC236}">
-                    <a16:creationId xmlns:a16="http://schemas.microsoft.com/office/drawing/2014/main" id="{F60EC742-20FD-E336-3EF4-5547CBD4E7CB}"/>
-                  </a:ext>
-                </a:extLst>
-              </p:cNvPr>
-              <p:cNvSpPr txBox="1"/>
-              <p:nvPr/>
-            </p:nvSpPr>
-            <p:spPr>
-              <a:xfrm>
-                <a:off x="3421089" y="763721"/>
-                <a:ext cx="1813615" cy="369332"/>
-              </a:xfrm>
-              <a:prstGeom prst="rect">
-                <a:avLst/>
-              </a:prstGeom>
-              <a:solidFill>
-                <a:schemeClr val="bg1"/>
-              </a:solidFill>
-            </p:spPr>
-            <p:txBody>
-              <a:bodyPr wrap="square">
-                <a:spAutoFit/>
-              </a:bodyPr>
-              <a:lstStyle/>
-              <a:p>
-                <a:pPr marL="285750" indent="-285750">
-                  <a:buFont typeface="Arial" panose="020B0604020202020204" pitchFamily="34" charset="0"/>
-                  <a:buChar char="•"/>
-                </a:pPr>
-                <a14:m>
-                  <m:oMath xmlns:m="http://schemas.openxmlformats.org/officeDocument/2006/math">
-                    <m:r>
-                      <a:rPr lang="en-US" b="0" i="1" smtClean="0">
-                        <a:solidFill>
-                          <a:schemeClr val="tx1"/>
-                        </a:solidFill>
-                        <a:latin typeface="Cambria Math" panose="02040503050406030204" pitchFamily="18" charset="0"/>
-                      </a:rPr>
-                      <m:t>𝑤</m:t>
-                    </m:r>
-                    <m:r>
-                      <a:rPr lang="es-ES" b="0" i="1" smtClean="0">
-                        <a:solidFill>
-                          <a:schemeClr val="tx1"/>
-                        </a:solidFill>
-                        <a:latin typeface="Cambria Math" panose="02040503050406030204" pitchFamily="18" charset="0"/>
-                      </a:rPr>
-                      <m:t>=</m:t>
-                    </m:r>
-                  </m:oMath>
-                </a14:m>
-                <a:r>
-                  <a:rPr lang="en-GB" dirty="0">
-                    <a:solidFill>
-                      <a:schemeClr val="tx1"/>
-                    </a:solidFill>
-                  </a:rPr>
-                  <a:t> </a:t>
-                </a:r>
-                <a14:m>
-                  <m:oMath xmlns:m="http://schemas.openxmlformats.org/officeDocument/2006/math">
-                    <m:r>
-                      <a:rPr lang="en-US" b="0" i="1" smtClean="0">
-                        <a:latin typeface="Cambria Math" panose="02040503050406030204" pitchFamily="18" charset="0"/>
-                      </a:rPr>
-                      <m:t>350</m:t>
-                    </m:r>
-                    <m:r>
-                      <a:rPr lang="es-ES" b="0" i="1" smtClean="0">
-                        <a:solidFill>
-                          <a:schemeClr val="tx1"/>
-                        </a:solidFill>
-                        <a:latin typeface="Cambria Math" panose="02040503050406030204" pitchFamily="18" charset="0"/>
-                      </a:rPr>
-                      <m:t>𝑝𝑥</m:t>
-                    </m:r>
-                  </m:oMath>
-                </a14:m>
-                <a:r>
-                  <a:rPr lang="es-ES" dirty="0">
-                    <a:solidFill>
-                      <a:schemeClr val="tx1"/>
-                    </a:solidFill>
-                  </a:rPr>
-                  <a:t> </a:t>
-                </a:r>
-              </a:p>
-            </p:txBody>
-          </p:sp>
-        </mc:Choice>
-        <mc:Fallback xmlns="">
-          <p:sp>
-            <p:nvSpPr>
-              <p:cNvPr id="11" name="TextBox 71">
-                <a:extLst>
-                  <a:ext uri="{FF2B5EF4-FFF2-40B4-BE49-F238E27FC236}">
-                    <a16:creationId xmlns:a16="http://schemas.microsoft.com/office/drawing/2014/main" id="{F60EC742-20FD-E336-3EF4-5547CBD4E7CB}"/>
-                  </a:ext>
-                </a:extLst>
-              </p:cNvPr>
-              <p:cNvSpPr txBox="1">
-                <a:spLocks noRot="1" noChangeAspect="1" noMove="1" noResize="1" noEditPoints="1" noAdjustHandles="1" noChangeArrowheads="1" noChangeShapeType="1" noTextEdit="1"/>
-              </p:cNvSpPr>
-              <p:nvPr/>
-            </p:nvSpPr>
-            <p:spPr>
-              <a:xfrm>
-                <a:off x="3421089" y="763721"/>
-                <a:ext cx="1813615" cy="369332"/>
-              </a:xfrm>
-              <a:prstGeom prst="rect">
-                <a:avLst/>
-              </a:prstGeom>
-              <a:blipFill>
-                <a:blip r:embed="rId6"/>
-                <a:stretch>
-                  <a:fillRect l="-2013" t="-3279" b="-18033"/>
-                </a:stretch>
-              </a:blipFill>
-            </p:spPr>
-            <p:txBody>
-              <a:bodyPr/>
-              <a:lstStyle/>
-              <a:p>
-                <a:r>
-                  <a:rPr lang="en-US">
-                    <a:noFill/>
-                  </a:rPr>
-                  <a:t> </a:t>
-                </a:r>
-              </a:p>
-            </p:txBody>
-          </p:sp>
-        </mc:Fallback>
-      </mc:AlternateContent>
-      <p:pic>
-        <p:nvPicPr>
-          <p:cNvPr id="14" name="图片 13">
-            <a:extLst>
-              <a:ext uri="{FF2B5EF4-FFF2-40B4-BE49-F238E27FC236}">
-                <a16:creationId xmlns:a16="http://schemas.microsoft.com/office/drawing/2014/main" id="{7A9638CD-F962-446F-A89E-4E6FE5961BD5}"/>
-              </a:ext>
-            </a:extLst>
-          </p:cNvPr>
-          <p:cNvPicPr>
-            <a:picLocks noChangeAspect="1"/>
-          </p:cNvPicPr>
-          <p:nvPr/>
-        </p:nvPicPr>
-        <p:blipFill>
-          <a:blip r:embed="rId7">
-            <a:extLst>
-              <a:ext uri="{28A0092B-C50C-407E-A947-70E740481C1C}">
-                <a14:useLocalDpi xmlns:a14="http://schemas.microsoft.com/office/drawing/2010/main" val="0"/>
-              </a:ext>
-            </a:extLst>
-          </a:blip>
-          <a:srcRect/>
-          <a:stretch/>
-        </p:blipFill>
-        <p:spPr>
-          <a:xfrm>
-            <a:off x="6280317" y="1278560"/>
-            <a:ext cx="1677171" cy="947966"/>
-          </a:xfrm>
-          <a:prstGeom prst="rect">
-            <a:avLst/>
-          </a:prstGeom>
-        </p:spPr>
-      </p:pic>
-      <p:pic>
-        <p:nvPicPr>
-          <p:cNvPr id="24" name="图片 23">
-            <a:extLst>
-              <a:ext uri="{FF2B5EF4-FFF2-40B4-BE49-F238E27FC236}">
-                <a16:creationId xmlns:a16="http://schemas.microsoft.com/office/drawing/2014/main" id="{66A030E8-4BB6-B53F-7CEA-8A618727C754}"/>
-              </a:ext>
-            </a:extLst>
-          </p:cNvPr>
-          <p:cNvPicPr>
-            <a:picLocks noChangeAspect="1"/>
-          </p:cNvPicPr>
-          <p:nvPr/>
-        </p:nvPicPr>
-        <p:blipFill>
-          <a:blip r:embed="rId8">
-            <a:extLst>
-              <a:ext uri="{28A0092B-C50C-407E-A947-70E740481C1C}">
-                <a14:useLocalDpi xmlns:a14="http://schemas.microsoft.com/office/drawing/2010/main" val="0"/>
-              </a:ext>
-            </a:extLst>
-          </a:blip>
-          <a:srcRect t="23958" b="23958"/>
-          <a:stretch/>
-        </p:blipFill>
-        <p:spPr>
-          <a:xfrm>
-            <a:off x="5645091" y="2494733"/>
-            <a:ext cx="1905000" cy="2381250"/>
-          </a:xfrm>
-          <a:prstGeom prst="rect">
-            <a:avLst/>
-          </a:prstGeom>
-        </p:spPr>
-      </p:pic>
-      <mc:AlternateContent xmlns:mc="http://schemas.openxmlformats.org/markup-compatibility/2006" xmlns:a14="http://schemas.microsoft.com/office/drawing/2010/main">
-        <mc:Choice Requires="a14">
-          <p:sp>
-            <p:nvSpPr>
-              <p:cNvPr id="27" name="TextBox 71">
-                <a:extLst>
-                  <a:ext uri="{FF2B5EF4-FFF2-40B4-BE49-F238E27FC236}">
-                    <a16:creationId xmlns:a16="http://schemas.microsoft.com/office/drawing/2014/main" id="{D7333957-296E-3D57-C2B5-E922266AC1B3}"/>
-                  </a:ext>
-                </a:extLst>
-              </p:cNvPr>
-              <p:cNvSpPr txBox="1"/>
-              <p:nvPr/>
-            </p:nvSpPr>
-            <p:spPr>
-              <a:xfrm>
-                <a:off x="6199865" y="763721"/>
-                <a:ext cx="1813615" cy="369332"/>
-              </a:xfrm>
-              <a:prstGeom prst="rect">
-                <a:avLst/>
-              </a:prstGeom>
-              <a:solidFill>
-                <a:schemeClr val="bg1"/>
-              </a:solidFill>
-            </p:spPr>
-            <p:txBody>
-              <a:bodyPr wrap="square">
-                <a:spAutoFit/>
-              </a:bodyPr>
-              <a:lstStyle/>
-              <a:p>
-                <a:pPr marL="285750" indent="-285750">
-                  <a:buFont typeface="Arial" panose="020B0604020202020204" pitchFamily="34" charset="0"/>
-                  <a:buChar char="•"/>
-                </a:pPr>
-                <a14:m>
-                  <m:oMath xmlns:m="http://schemas.openxmlformats.org/officeDocument/2006/math">
-                    <m:r>
-                      <a:rPr lang="es-ES" i="1" smtClean="0">
-                        <a:solidFill>
-                          <a:schemeClr val="tx1"/>
-                        </a:solidFill>
-                        <a:latin typeface="Cambria Math" panose="02040503050406030204" pitchFamily="18" charset="0"/>
-                      </a:rPr>
-                      <m:t>𝑝</m:t>
-                    </m:r>
-                    <m:r>
-                      <a:rPr lang="es-ES" b="0" i="1" smtClean="0">
-                        <a:solidFill>
-                          <a:schemeClr val="tx1"/>
-                        </a:solidFill>
-                        <a:latin typeface="Cambria Math" panose="02040503050406030204" pitchFamily="18" charset="0"/>
-                      </a:rPr>
-                      <m:t>=</m:t>
-                    </m:r>
-                  </m:oMath>
-                </a14:m>
-                <a:r>
-                  <a:rPr lang="en-GB" dirty="0">
-                    <a:solidFill>
-                      <a:schemeClr val="tx1"/>
-                    </a:solidFill>
-                  </a:rPr>
-                  <a:t> </a:t>
-                </a:r>
-                <a14:m>
-                  <m:oMath xmlns:m="http://schemas.openxmlformats.org/officeDocument/2006/math">
-                    <m:r>
-                      <a:rPr lang="es-ES" i="1" dirty="0">
-                        <a:latin typeface="Cambria Math" panose="02040503050406030204" pitchFamily="18" charset="0"/>
-                      </a:rPr>
-                      <m:t>9</m:t>
-                    </m:r>
-                    <m:r>
-                      <a:rPr lang="en-US" b="0" i="1" dirty="0" smtClean="0">
-                        <a:latin typeface="Cambria Math" panose="02040503050406030204" pitchFamily="18" charset="0"/>
-                      </a:rPr>
-                      <m:t>2</m:t>
-                    </m:r>
-                    <m:r>
-                      <a:rPr lang="es-ES" b="0" i="1" smtClean="0">
-                        <a:solidFill>
-                          <a:schemeClr val="tx1"/>
-                        </a:solidFill>
-                        <a:latin typeface="Cambria Math" panose="02040503050406030204" pitchFamily="18" charset="0"/>
-                      </a:rPr>
-                      <m:t>𝑝𝑥</m:t>
-                    </m:r>
-                  </m:oMath>
-                </a14:m>
-                <a:r>
-                  <a:rPr lang="es-ES" dirty="0">
-                    <a:solidFill>
-                      <a:schemeClr val="tx1"/>
-                    </a:solidFill>
-                  </a:rPr>
-                  <a:t> </a:t>
-                </a:r>
-              </a:p>
-            </p:txBody>
-          </p:sp>
-        </mc:Choice>
-        <mc:Fallback xmlns="">
-          <p:sp>
-            <p:nvSpPr>
-              <p:cNvPr id="27" name="TextBox 71">
-                <a:extLst>
-                  <a:ext uri="{FF2B5EF4-FFF2-40B4-BE49-F238E27FC236}">
-                    <a16:creationId xmlns:a16="http://schemas.microsoft.com/office/drawing/2014/main" id="{D7333957-296E-3D57-C2B5-E922266AC1B3}"/>
-                  </a:ext>
-                </a:extLst>
-              </p:cNvPr>
-              <p:cNvSpPr txBox="1">
-                <a:spLocks noRot="1" noChangeAspect="1" noMove="1" noResize="1" noEditPoints="1" noAdjustHandles="1" noChangeArrowheads="1" noChangeShapeType="1" noTextEdit="1"/>
-              </p:cNvSpPr>
-              <p:nvPr/>
-            </p:nvSpPr>
-            <p:spPr>
-              <a:xfrm>
-                <a:off x="6199865" y="763721"/>
-                <a:ext cx="1813615" cy="369332"/>
-              </a:xfrm>
-              <a:prstGeom prst="rect">
-                <a:avLst/>
-              </a:prstGeom>
-              <a:blipFill>
-                <a:blip r:embed="rId9"/>
-                <a:stretch>
-                  <a:fillRect l="-2013" t="-3279" b="-18033"/>
-                </a:stretch>
-              </a:blipFill>
-            </p:spPr>
-            <p:txBody>
-              <a:bodyPr/>
-              <a:lstStyle/>
-              <a:p>
-                <a:r>
-                  <a:rPr lang="en-US">
-                    <a:noFill/>
-                  </a:rPr>
-                  <a:t> </a:t>
-                </a:r>
-              </a:p>
-            </p:txBody>
-          </p:sp>
-        </mc:Fallback>
-      </mc:AlternateContent>
-      <p:sp>
-        <p:nvSpPr>
-          <p:cNvPr id="4" name="TextBox 55">
-            <a:extLst>
-              <a:ext uri="{FF2B5EF4-FFF2-40B4-BE49-F238E27FC236}">
-                <a16:creationId xmlns:a16="http://schemas.microsoft.com/office/drawing/2014/main" id="{A71584FA-9553-F5C5-DAF6-4A61253849C3}"/>
-              </a:ext>
-            </a:extLst>
-          </p:cNvPr>
-          <p:cNvSpPr txBox="1"/>
-          <p:nvPr/>
-        </p:nvSpPr>
-        <p:spPr>
-          <a:xfrm>
-            <a:off x="4207874" y="2733783"/>
-            <a:ext cx="1404504" cy="1477328"/>
-          </a:xfrm>
-          <a:prstGeom prst="rect">
-            <a:avLst/>
-          </a:prstGeom>
-          <a:noFill/>
-        </p:spPr>
-        <p:txBody>
-          <a:bodyPr wrap="square">
-            <a:spAutoFit/>
-          </a:bodyPr>
-          <a:lstStyle/>
-          <a:p>
-            <a:r>
-              <a:rPr lang="es-ES" altLang="zh-CN" dirty="0"/>
-              <a:t>2</a:t>
-            </a:r>
-            <a:r>
-              <a:rPr lang="en-US" altLang="zh-CN" dirty="0"/>
-              <a:t>pi</a:t>
-            </a:r>
-            <a:endParaRPr lang="es-ES" dirty="0"/>
-          </a:p>
-          <a:p>
-            <a:r>
-              <a:rPr lang="es-ES" dirty="0"/>
-              <a:t>I_-1=0.288</a:t>
-            </a:r>
-          </a:p>
-          <a:p>
-            <a:r>
-              <a:rPr lang="es-ES" dirty="0"/>
-              <a:t>I_0=0.288</a:t>
-            </a:r>
-          </a:p>
-          <a:p>
-            <a:r>
-              <a:rPr lang="es-ES" dirty="0"/>
-              <a:t>I_1=0.288</a:t>
-            </a:r>
-          </a:p>
-          <a:p>
-            <a:endParaRPr lang="es-ES" dirty="0"/>
-          </a:p>
-        </p:txBody>
-      </p:sp>
-      <p:sp>
-        <p:nvSpPr>
-          <p:cNvPr id="7" name="TextBox 24">
-            <a:extLst>
-              <a:ext uri="{FF2B5EF4-FFF2-40B4-BE49-F238E27FC236}">
-                <a16:creationId xmlns:a16="http://schemas.microsoft.com/office/drawing/2014/main" id="{5A1A8397-6C7E-35DE-D69E-7B0EB995F594}"/>
-              </a:ext>
-            </a:extLst>
-          </p:cNvPr>
-          <p:cNvSpPr txBox="1"/>
-          <p:nvPr/>
-        </p:nvSpPr>
-        <p:spPr>
-          <a:xfrm>
-            <a:off x="5722815" y="1567877"/>
-            <a:ext cx="354330" cy="369332"/>
-          </a:xfrm>
-          <a:prstGeom prst="rect">
-            <a:avLst/>
-          </a:prstGeom>
-          <a:noFill/>
-        </p:spPr>
-        <p:txBody>
-          <a:bodyPr wrap="square">
-            <a:spAutoFit/>
-          </a:bodyPr>
-          <a:lstStyle/>
-          <a:p>
-            <a:r>
-              <a:rPr lang="en-GB" dirty="0"/>
-              <a:t>×</a:t>
-            </a:r>
-            <a:endParaRPr lang="es-ES" dirty="0"/>
-          </a:p>
-        </p:txBody>
-      </p:sp>
-      <p:sp>
-        <p:nvSpPr>
-          <p:cNvPr id="10" name="TextBox 55">
-            <a:extLst>
-              <a:ext uri="{FF2B5EF4-FFF2-40B4-BE49-F238E27FC236}">
-                <a16:creationId xmlns:a16="http://schemas.microsoft.com/office/drawing/2014/main" id="{05AD9235-308D-4A5A-624F-A2D76F9D7ED7}"/>
-              </a:ext>
-            </a:extLst>
-          </p:cNvPr>
-          <p:cNvSpPr txBox="1"/>
-          <p:nvPr/>
-        </p:nvSpPr>
-        <p:spPr>
-          <a:xfrm>
-            <a:off x="724219" y="2995423"/>
-            <a:ext cx="1404504" cy="1200329"/>
-          </a:xfrm>
-          <a:prstGeom prst="rect">
-            <a:avLst/>
-          </a:prstGeom>
-          <a:noFill/>
-        </p:spPr>
-        <p:txBody>
-          <a:bodyPr wrap="square">
-            <a:spAutoFit/>
-          </a:bodyPr>
-          <a:lstStyle/>
-          <a:p>
-            <a:r>
-              <a:rPr lang="es-ES" dirty="0"/>
-              <a:t>I_-1=0.237</a:t>
-            </a:r>
-          </a:p>
-          <a:p>
-            <a:r>
-              <a:rPr lang="es-ES" dirty="0"/>
-              <a:t>I_0=0.287</a:t>
-            </a:r>
-          </a:p>
-          <a:p>
-            <a:r>
-              <a:rPr lang="es-ES" dirty="0"/>
-              <a:t>I_1=0.237</a:t>
-            </a:r>
-          </a:p>
-          <a:p>
-            <a:endParaRPr lang="es-ES" dirty="0"/>
-          </a:p>
-        </p:txBody>
-      </p:sp>
-      <p:pic>
-        <p:nvPicPr>
-          <p:cNvPr id="3" name="Picture 22">
-            <a:extLst>
-              <a:ext uri="{FF2B5EF4-FFF2-40B4-BE49-F238E27FC236}">
-                <a16:creationId xmlns:a16="http://schemas.microsoft.com/office/drawing/2014/main" id="{9610BA3E-8D15-DDD9-5A5C-0CF44520499F}"/>
-              </a:ext>
-            </a:extLst>
-          </p:cNvPr>
-          <p:cNvPicPr>
-            <a:picLocks noChangeAspect="1"/>
-          </p:cNvPicPr>
-          <p:nvPr/>
-        </p:nvPicPr>
-        <p:blipFill>
-          <a:blip r:embed="rId10">
-            <a:extLst>
-              <a:ext uri="{28A0092B-C50C-407E-A947-70E740481C1C}">
-                <a14:useLocalDpi xmlns:a14="http://schemas.microsoft.com/office/drawing/2010/main" val="0"/>
-              </a:ext>
-            </a:extLst>
-          </a:blip>
-          <a:srcRect/>
-          <a:stretch/>
-        </p:blipFill>
-        <p:spPr>
-          <a:xfrm>
-            <a:off x="3434931" y="1283584"/>
-            <a:ext cx="1685275" cy="947967"/>
-          </a:xfrm>
-          <a:prstGeom prst="rect">
-            <a:avLst/>
-          </a:prstGeom>
-        </p:spPr>
-      </p:pic>
-    </p:spTree>
-    <p:extLst>
-      <p:ext uri="{BB962C8B-B14F-4D97-AF65-F5344CB8AC3E}">
-        <p14:creationId xmlns:p14="http://schemas.microsoft.com/office/powerpoint/2010/main" val="1548386182"/>
-      </p:ext>
-    </p:extLst>
-  </p:cSld>
-  <p:clrMapOvr>
-    <a:masterClrMapping/>
-  </p:clrMapOvr>
-</p:sld>
-</file>
-
-<file path=ppt/slides/slide12.xml><?xml version="1.0" encoding="utf-8"?>
-<p:sld xmlns:a="http://schemas.openxmlformats.org/drawingml/2006/main" xmlns:r="http://schemas.openxmlformats.org/officeDocument/2006/relationships" xmlns:p="http://schemas.openxmlformats.org/presentationml/2006/main">
-  <p:cSld>
-    <p:spTree>
-      <p:nvGrpSpPr>
-        <p:cNvPr id="1" name="">
-          <a:extLst>
-            <a:ext uri="{FF2B5EF4-FFF2-40B4-BE49-F238E27FC236}">
-              <a16:creationId xmlns:a16="http://schemas.microsoft.com/office/drawing/2014/main" id="{6A901D3D-5E59-F0A6-3174-5F59BF86C857}"/>
-            </a:ext>
-          </a:extLst>
-        </p:cNvPr>
-        <p:cNvGrpSpPr/>
-        <p:nvPr/>
-      </p:nvGrpSpPr>
-      <p:grpSpPr>
-        <a:xfrm>
-          <a:off x="0" y="0"/>
-          <a:ext cx="0" cy="0"/>
-          <a:chOff x="0" y="0"/>
-          <a:chExt cx="0" cy="0"/>
-        </a:xfrm>
-      </p:grpSpPr>
-      <p:pic>
-        <p:nvPicPr>
-          <p:cNvPr id="4" name="Picture 22">
-            <a:extLst>
-              <a:ext uri="{FF2B5EF4-FFF2-40B4-BE49-F238E27FC236}">
-                <a16:creationId xmlns:a16="http://schemas.microsoft.com/office/drawing/2014/main" id="{80AE02F2-91BB-36A3-E786-FAB11FA8650F}"/>
-              </a:ext>
-            </a:extLst>
-          </p:cNvPr>
-          <p:cNvPicPr>
-            <a:picLocks noChangeAspect="1"/>
-          </p:cNvPicPr>
-          <p:nvPr/>
-        </p:nvPicPr>
-        <p:blipFill>
-          <a:blip r:embed="rId2">
-            <a:extLst>
-              <a:ext uri="{28A0092B-C50C-407E-A947-70E740481C1C}">
-                <a14:useLocalDpi xmlns:a14="http://schemas.microsoft.com/office/drawing/2010/main" val="0"/>
-              </a:ext>
-            </a:extLst>
-          </a:blip>
-          <a:srcRect/>
-          <a:stretch/>
-        </p:blipFill>
-        <p:spPr>
-          <a:xfrm>
-            <a:off x="1626923" y="1278559"/>
-            <a:ext cx="1677173" cy="947967"/>
-          </a:xfrm>
-          <a:prstGeom prst="rect">
-            <a:avLst/>
-          </a:prstGeom>
-        </p:spPr>
-      </p:pic>
-      <mc:AlternateContent xmlns:mc="http://schemas.openxmlformats.org/markup-compatibility/2006">
-        <mc:Choice xmlns:a14="http://schemas.microsoft.com/office/drawing/2010/main" Requires="a14">
-          <p:sp>
-            <p:nvSpPr>
-              <p:cNvPr id="5" name="TextBox 71">
-                <a:extLst>
-                  <a:ext uri="{FF2B5EF4-FFF2-40B4-BE49-F238E27FC236}">
-                    <a16:creationId xmlns:a16="http://schemas.microsoft.com/office/drawing/2014/main" id="{3BE4706F-2C5C-6189-F0F3-ACF6AE847B1D}"/>
-                  </a:ext>
-                </a:extLst>
-              </p:cNvPr>
-              <p:cNvSpPr txBox="1"/>
-              <p:nvPr/>
-            </p:nvSpPr>
-            <p:spPr>
-              <a:xfrm>
-                <a:off x="1626923" y="729086"/>
-                <a:ext cx="1813615" cy="369332"/>
-              </a:xfrm>
-              <a:prstGeom prst="rect">
-                <a:avLst/>
-              </a:prstGeom>
-              <a:solidFill>
-                <a:schemeClr val="bg1"/>
-              </a:solidFill>
-            </p:spPr>
-            <p:txBody>
-              <a:bodyPr wrap="square">
-                <a:spAutoFit/>
-              </a:bodyPr>
-              <a:lstStyle/>
-              <a:p>
-                <a:pPr marL="285750" indent="-285750">
-                  <a:buFont typeface="Arial" panose="020B0604020202020204" pitchFamily="34" charset="0"/>
-                  <a:buChar char="•"/>
-                </a:pPr>
-                <a14:m>
-                  <m:oMath xmlns:m="http://schemas.openxmlformats.org/officeDocument/2006/math">
-                    <m:r>
-                      <a:rPr lang="en-US" b="0" i="1" smtClean="0">
-                        <a:solidFill>
-                          <a:schemeClr val="tx1"/>
-                        </a:solidFill>
-                        <a:latin typeface="Cambria Math" panose="02040503050406030204" pitchFamily="18" charset="0"/>
-                      </a:rPr>
-                      <m:t>𝑤</m:t>
-                    </m:r>
-                    <m:r>
-                      <a:rPr lang="es-ES" b="0" i="1" smtClean="0">
-                        <a:solidFill>
-                          <a:schemeClr val="tx1"/>
-                        </a:solidFill>
-                        <a:latin typeface="Cambria Math" panose="02040503050406030204" pitchFamily="18" charset="0"/>
-                      </a:rPr>
-                      <m:t>=</m:t>
-                    </m:r>
-                  </m:oMath>
-                </a14:m>
-                <a:r>
-                  <a:rPr lang="en-GB" dirty="0">
-                    <a:solidFill>
-                      <a:schemeClr val="tx1"/>
-                    </a:solidFill>
-                  </a:rPr>
-                  <a:t> </a:t>
-                </a:r>
-                <a14:m>
-                  <m:oMath xmlns:m="http://schemas.openxmlformats.org/officeDocument/2006/math">
-                    <m:r>
-                      <a:rPr lang="en-US" i="1">
-                        <a:latin typeface="Cambria Math" panose="02040503050406030204" pitchFamily="18" charset="0"/>
-                      </a:rPr>
-                      <m:t>1</m:t>
-                    </m:r>
-                    <m:r>
-                      <a:rPr lang="en-US" b="0" i="1" smtClean="0">
-                        <a:latin typeface="Cambria Math" panose="02040503050406030204" pitchFamily="18" charset="0"/>
-                      </a:rPr>
-                      <m:t>50</m:t>
-                    </m:r>
-                    <m:r>
-                      <a:rPr lang="es-ES" b="0" i="1" smtClean="0">
-                        <a:solidFill>
-                          <a:schemeClr val="tx1"/>
-                        </a:solidFill>
-                        <a:latin typeface="Cambria Math" panose="02040503050406030204" pitchFamily="18" charset="0"/>
-                      </a:rPr>
-                      <m:t>𝑝𝑥</m:t>
-                    </m:r>
-                  </m:oMath>
-                </a14:m>
-                <a:r>
-                  <a:rPr lang="es-ES" dirty="0">
-                    <a:solidFill>
-                      <a:schemeClr val="tx1"/>
-                    </a:solidFill>
-                  </a:rPr>
-                  <a:t> </a:t>
-                </a:r>
-              </a:p>
-            </p:txBody>
-          </p:sp>
-        </mc:Choice>
-        <mc:Fallback>
-          <p:sp>
-            <p:nvSpPr>
-              <p:cNvPr id="5" name="TextBox 71">
-                <a:extLst>
-                  <a:ext uri="{FF2B5EF4-FFF2-40B4-BE49-F238E27FC236}">
-                    <a16:creationId xmlns:a16="http://schemas.microsoft.com/office/drawing/2014/main" id="{3BE4706F-2C5C-6189-F0F3-ACF6AE847B1D}"/>
-                  </a:ext>
-                </a:extLst>
-              </p:cNvPr>
-              <p:cNvSpPr txBox="1">
-                <a:spLocks noRot="1" noChangeAspect="1" noMove="1" noResize="1" noEditPoints="1" noAdjustHandles="1" noChangeArrowheads="1" noChangeShapeType="1" noTextEdit="1"/>
-              </p:cNvSpPr>
-              <p:nvPr/>
-            </p:nvSpPr>
-            <p:spPr>
-              <a:xfrm>
-                <a:off x="1626923" y="729086"/>
-                <a:ext cx="1813615" cy="369332"/>
-              </a:xfrm>
-              <a:prstGeom prst="rect">
-                <a:avLst/>
-              </a:prstGeom>
-              <a:blipFill>
-                <a:blip r:embed="rId3"/>
-                <a:stretch>
-                  <a:fillRect l="-2357" t="-5000" b="-20000"/>
-                </a:stretch>
-              </a:blipFill>
-            </p:spPr>
-            <p:txBody>
-              <a:bodyPr/>
-              <a:lstStyle/>
-              <a:p>
-                <a:r>
-                  <a:rPr lang="en-US">
-                    <a:noFill/>
-                  </a:rPr>
-                  <a:t> </a:t>
-                </a:r>
-              </a:p>
-            </p:txBody>
-          </p:sp>
-        </mc:Fallback>
-      </mc:AlternateContent>
-      <p:sp>
-        <p:nvSpPr>
-          <p:cNvPr id="10" name="TextBox 24">
-            <a:extLst>
-              <a:ext uri="{FF2B5EF4-FFF2-40B4-BE49-F238E27FC236}">
-                <a16:creationId xmlns:a16="http://schemas.microsoft.com/office/drawing/2014/main" id="{78B4BD60-E0FC-0B12-4F9A-B427716042B5}"/>
-              </a:ext>
-            </a:extLst>
-          </p:cNvPr>
-          <p:cNvSpPr txBox="1"/>
-          <p:nvPr/>
-        </p:nvSpPr>
-        <p:spPr>
-          <a:xfrm>
-            <a:off x="3928649" y="1567877"/>
-            <a:ext cx="354330" cy="369332"/>
-          </a:xfrm>
-          <a:prstGeom prst="rect">
-            <a:avLst/>
-          </a:prstGeom>
-          <a:noFill/>
-        </p:spPr>
-        <p:txBody>
-          <a:bodyPr wrap="square">
-            <a:spAutoFit/>
-          </a:bodyPr>
-          <a:lstStyle/>
-          <a:p>
-            <a:r>
-              <a:rPr lang="en-GB" dirty="0"/>
-              <a:t>×</a:t>
-            </a:r>
-            <a:endParaRPr lang="es-ES" dirty="0"/>
-          </a:p>
-        </p:txBody>
-      </p:sp>
-      <p:pic>
-        <p:nvPicPr>
-          <p:cNvPr id="14" name="图片 13">
-            <a:extLst>
-              <a:ext uri="{FF2B5EF4-FFF2-40B4-BE49-F238E27FC236}">
-                <a16:creationId xmlns:a16="http://schemas.microsoft.com/office/drawing/2014/main" id="{8F688201-4E6E-C7A6-504F-0363B8C0B7CF}"/>
-              </a:ext>
-            </a:extLst>
-          </p:cNvPr>
-          <p:cNvPicPr>
-            <a:picLocks noChangeAspect="1"/>
-          </p:cNvPicPr>
-          <p:nvPr/>
-        </p:nvPicPr>
-        <p:blipFill>
-          <a:blip r:embed="rId4">
-            <a:extLst>
-              <a:ext uri="{28A0092B-C50C-407E-A947-70E740481C1C}">
-                <a14:useLocalDpi xmlns:a14="http://schemas.microsoft.com/office/drawing/2010/main" val="0"/>
-              </a:ext>
-            </a:extLst>
-          </a:blip>
-          <a:srcRect l="43118"/>
-          <a:stretch/>
-        </p:blipFill>
-        <p:spPr>
-          <a:xfrm>
-            <a:off x="1626922" y="2708563"/>
-            <a:ext cx="1677174" cy="2948534"/>
-          </a:xfrm>
-          <a:prstGeom prst="rect">
-            <a:avLst/>
-          </a:prstGeom>
-        </p:spPr>
-      </p:pic>
-      <p:pic>
-        <p:nvPicPr>
-          <p:cNvPr id="2" name="图片 1">
-            <a:extLst>
-              <a:ext uri="{FF2B5EF4-FFF2-40B4-BE49-F238E27FC236}">
-                <a16:creationId xmlns:a16="http://schemas.microsoft.com/office/drawing/2014/main" id="{1FF9B1B2-ED2C-2C24-5AD0-2F5761D40328}"/>
-              </a:ext>
-            </a:extLst>
-          </p:cNvPr>
-          <p:cNvPicPr>
-            <a:picLocks noChangeAspect="1"/>
-          </p:cNvPicPr>
-          <p:nvPr/>
-        </p:nvPicPr>
-        <p:blipFill>
-          <a:blip r:embed="rId5">
-            <a:extLst>
-              <a:ext uri="{28A0092B-C50C-407E-A947-70E740481C1C}">
-                <a14:useLocalDpi xmlns:a14="http://schemas.microsoft.com/office/drawing/2010/main" val="0"/>
-              </a:ext>
-            </a:extLst>
-          </a:blip>
-          <a:srcRect/>
-          <a:stretch/>
-        </p:blipFill>
-        <p:spPr>
-          <a:xfrm>
-            <a:off x="4853298" y="1278560"/>
-            <a:ext cx="1677171" cy="947966"/>
-          </a:xfrm>
-          <a:prstGeom prst="rect">
-            <a:avLst/>
-          </a:prstGeom>
-        </p:spPr>
-      </p:pic>
-      <mc:AlternateContent xmlns:mc="http://schemas.openxmlformats.org/markup-compatibility/2006">
-        <mc:Choice xmlns:a14="http://schemas.microsoft.com/office/drawing/2010/main" Requires="a14">
-          <p:sp>
-            <p:nvSpPr>
-              <p:cNvPr id="3" name="TextBox 71">
-                <a:extLst>
-                  <a:ext uri="{FF2B5EF4-FFF2-40B4-BE49-F238E27FC236}">
-                    <a16:creationId xmlns:a16="http://schemas.microsoft.com/office/drawing/2014/main" id="{ADBC71CB-ADBC-1EBA-6B08-AE0EECC9DBC5}"/>
-                  </a:ext>
-                </a:extLst>
-              </p:cNvPr>
-              <p:cNvSpPr txBox="1"/>
-              <p:nvPr/>
-            </p:nvSpPr>
-            <p:spPr>
-              <a:xfrm>
-                <a:off x="4772846" y="763721"/>
-                <a:ext cx="1813615" cy="369332"/>
-              </a:xfrm>
-              <a:prstGeom prst="rect">
-                <a:avLst/>
-              </a:prstGeom>
-              <a:solidFill>
-                <a:schemeClr val="bg1"/>
-              </a:solidFill>
-            </p:spPr>
-            <p:txBody>
-              <a:bodyPr wrap="square">
-                <a:spAutoFit/>
-              </a:bodyPr>
-              <a:lstStyle/>
-              <a:p>
-                <a:pPr marL="285750" indent="-285750">
-                  <a:buFont typeface="Arial" panose="020B0604020202020204" pitchFamily="34" charset="0"/>
-                  <a:buChar char="•"/>
-                </a:pPr>
-                <a14:m>
-                  <m:oMath xmlns:m="http://schemas.openxmlformats.org/officeDocument/2006/math">
-                    <m:r>
-                      <a:rPr lang="es-ES" i="1" smtClean="0">
-                        <a:solidFill>
-                          <a:schemeClr val="tx1"/>
-                        </a:solidFill>
-                        <a:latin typeface="Cambria Math" panose="02040503050406030204" pitchFamily="18" charset="0"/>
-                      </a:rPr>
-                      <m:t>𝑝</m:t>
-                    </m:r>
-                    <m:r>
-                      <a:rPr lang="es-ES" b="0" i="1" smtClean="0">
-                        <a:solidFill>
-                          <a:schemeClr val="tx1"/>
-                        </a:solidFill>
-                        <a:latin typeface="Cambria Math" panose="02040503050406030204" pitchFamily="18" charset="0"/>
-                      </a:rPr>
-                      <m:t>=</m:t>
-                    </m:r>
-                  </m:oMath>
-                </a14:m>
-                <a:r>
-                  <a:rPr lang="en-GB" dirty="0">
-                    <a:solidFill>
-                      <a:schemeClr val="tx1"/>
-                    </a:solidFill>
-                  </a:rPr>
-                  <a:t> </a:t>
-                </a:r>
-                <a14:m>
-                  <m:oMath xmlns:m="http://schemas.openxmlformats.org/officeDocument/2006/math">
-                    <m:r>
-                      <a:rPr lang="es-ES" i="1" dirty="0">
-                        <a:latin typeface="Cambria Math" panose="02040503050406030204" pitchFamily="18" charset="0"/>
-                      </a:rPr>
-                      <m:t>9</m:t>
-                    </m:r>
-                    <m:r>
-                      <a:rPr lang="en-US" b="0" i="1" dirty="0" smtClean="0">
-                        <a:latin typeface="Cambria Math" panose="02040503050406030204" pitchFamily="18" charset="0"/>
-                      </a:rPr>
-                      <m:t>2</m:t>
-                    </m:r>
-                    <m:r>
-                      <a:rPr lang="es-ES" b="0" i="1" smtClean="0">
-                        <a:solidFill>
-                          <a:schemeClr val="tx1"/>
-                        </a:solidFill>
-                        <a:latin typeface="Cambria Math" panose="02040503050406030204" pitchFamily="18" charset="0"/>
-                      </a:rPr>
-                      <m:t>𝑝𝑥</m:t>
-                    </m:r>
-                  </m:oMath>
-                </a14:m>
-                <a:r>
-                  <a:rPr lang="es-ES" dirty="0">
-                    <a:solidFill>
-                      <a:schemeClr val="tx1"/>
-                    </a:solidFill>
-                  </a:rPr>
-                  <a:t> </a:t>
-                </a:r>
-              </a:p>
-            </p:txBody>
-          </p:sp>
-        </mc:Choice>
-        <mc:Fallback>
-          <p:sp>
-            <p:nvSpPr>
-              <p:cNvPr id="3" name="TextBox 71">
-                <a:extLst>
-                  <a:ext uri="{FF2B5EF4-FFF2-40B4-BE49-F238E27FC236}">
-                    <a16:creationId xmlns:a16="http://schemas.microsoft.com/office/drawing/2014/main" id="{ADBC71CB-ADBC-1EBA-6B08-AE0EECC9DBC5}"/>
-                  </a:ext>
-                </a:extLst>
-              </p:cNvPr>
-              <p:cNvSpPr txBox="1">
-                <a:spLocks noRot="1" noChangeAspect="1" noMove="1" noResize="1" noEditPoints="1" noAdjustHandles="1" noChangeArrowheads="1" noChangeShapeType="1" noTextEdit="1"/>
-              </p:cNvSpPr>
-              <p:nvPr/>
-            </p:nvSpPr>
-            <p:spPr>
-              <a:xfrm>
-                <a:off x="4772846" y="763721"/>
-                <a:ext cx="1813615" cy="369332"/>
-              </a:xfrm>
-              <a:prstGeom prst="rect">
-                <a:avLst/>
-              </a:prstGeom>
-              <a:blipFill>
-                <a:blip r:embed="rId6"/>
-                <a:stretch>
-                  <a:fillRect l="-2357" t="-3279" b="-18033"/>
-                </a:stretch>
-              </a:blipFill>
-            </p:spPr>
-            <p:txBody>
-              <a:bodyPr/>
-              <a:lstStyle/>
-              <a:p>
-                <a:r>
-                  <a:rPr lang="en-US">
-                    <a:noFill/>
-                  </a:rPr>
-                  <a:t> </a:t>
-                </a:r>
-              </a:p>
-            </p:txBody>
-          </p:sp>
-        </mc:Fallback>
-      </mc:AlternateContent>
-    </p:spTree>
-    <p:extLst>
-      <p:ext uri="{BB962C8B-B14F-4D97-AF65-F5344CB8AC3E}">
-        <p14:creationId xmlns:p14="http://schemas.microsoft.com/office/powerpoint/2010/main" val="3426689693"/>
-      </p:ext>
-    </p:extLst>
-  </p:cSld>
-  <p:clrMapOvr>
-    <a:masterClrMapping/>
-  </p:clrMapOvr>
-</p:sld>
-</file>
-
-<file path=ppt/slides/slide13.xml><?xml version="1.0" encoding="utf-8"?>
-<p:sld xmlns:a="http://schemas.openxmlformats.org/drawingml/2006/main" xmlns:r="http://schemas.openxmlformats.org/officeDocument/2006/relationships" xmlns:p="http://schemas.openxmlformats.org/presentationml/2006/main">
-  <p:cSld>
-    <p:spTree>
-      <p:nvGrpSpPr>
-        <p:cNvPr id="1" name=""/>
-        <p:cNvGrpSpPr/>
-        <p:nvPr/>
-      </p:nvGrpSpPr>
-      <p:grpSpPr>
-        <a:xfrm>
-          <a:off x="0" y="0"/>
-          <a:ext cx="0" cy="0"/>
-          <a:chOff x="0" y="0"/>
-          <a:chExt cx="0" cy="0"/>
-        </a:xfrm>
-      </p:grpSpPr>
-      <mc:AlternateContent xmlns:mc="http://schemas.openxmlformats.org/markup-compatibility/2006" xmlns:a14="http://schemas.microsoft.com/office/drawing/2010/main">
-        <mc:Choice Requires="a14">
-          <p:sp>
-            <p:nvSpPr>
-              <p:cNvPr id="4" name="TextBox 71">
-                <a:extLst>
-                  <a:ext uri="{FF2B5EF4-FFF2-40B4-BE49-F238E27FC236}">
-                    <a16:creationId xmlns:a16="http://schemas.microsoft.com/office/drawing/2014/main" id="{0CE37D64-70B0-2F14-B852-5A4631C55EF6}"/>
-                  </a:ext>
-                </a:extLst>
-              </p:cNvPr>
-              <p:cNvSpPr txBox="1"/>
-              <p:nvPr/>
-            </p:nvSpPr>
-            <p:spPr>
-              <a:xfrm>
-                <a:off x="736782" y="1191100"/>
-                <a:ext cx="1813615" cy="646331"/>
-              </a:xfrm>
-              <a:prstGeom prst="rect">
-                <a:avLst/>
-              </a:prstGeom>
-              <a:solidFill>
-                <a:schemeClr val="bg1"/>
-              </a:solidFill>
-            </p:spPr>
-            <p:txBody>
-              <a:bodyPr wrap="square">
-                <a:spAutoFit/>
-              </a:bodyPr>
-              <a:lstStyle/>
-              <a:p>
-                <a:pPr marL="285750" indent="-285750">
-                  <a:buFont typeface="Arial" panose="020B0604020202020204" pitchFamily="34" charset="0"/>
-                  <a:buChar char="•"/>
-                </a:pPr>
-                <a14:m>
-                  <m:oMath xmlns:m="http://schemas.openxmlformats.org/officeDocument/2006/math">
-                    <m:r>
-                      <a:rPr lang="es-ES" i="1" smtClean="0">
-                        <a:solidFill>
-                          <a:schemeClr val="tx1"/>
-                        </a:solidFill>
-                        <a:latin typeface="Cambria Math" panose="02040503050406030204" pitchFamily="18" charset="0"/>
-                      </a:rPr>
-                      <m:t>𝑝</m:t>
-                    </m:r>
-                    <m:r>
-                      <a:rPr lang="es-ES" b="0" i="1" smtClean="0">
-                        <a:solidFill>
-                          <a:schemeClr val="tx1"/>
-                        </a:solidFill>
-                        <a:latin typeface="Cambria Math" panose="02040503050406030204" pitchFamily="18" charset="0"/>
-                      </a:rPr>
-                      <m:t>=</m:t>
-                    </m:r>
-                  </m:oMath>
-                </a14:m>
-                <a:r>
-                  <a:rPr lang="en-GB" dirty="0">
-                    <a:solidFill>
-                      <a:schemeClr val="tx1"/>
-                    </a:solidFill>
-                  </a:rPr>
-                  <a:t> </a:t>
-                </a:r>
-                <a14:m>
-                  <m:oMath xmlns:m="http://schemas.openxmlformats.org/officeDocument/2006/math">
-                    <m:r>
-                      <a:rPr lang="es-ES" i="1">
-                        <a:latin typeface="Cambria Math" panose="02040503050406030204" pitchFamily="18" charset="0"/>
-                      </a:rPr>
-                      <m:t>1</m:t>
-                    </m:r>
-                    <m:r>
-                      <a:rPr lang="es-ES" b="0" i="1" smtClean="0">
-                        <a:solidFill>
-                          <a:schemeClr val="tx1"/>
-                        </a:solidFill>
-                        <a:latin typeface="Cambria Math" panose="02040503050406030204" pitchFamily="18" charset="0"/>
-                      </a:rPr>
-                      <m:t>9</m:t>
-                    </m:r>
-                    <m:r>
-                      <a:rPr lang="es-ES" b="0" i="1" smtClean="0">
-                        <a:solidFill>
-                          <a:schemeClr val="tx1"/>
-                        </a:solidFill>
-                        <a:latin typeface="Cambria Math" panose="02040503050406030204" pitchFamily="18" charset="0"/>
-                      </a:rPr>
-                      <m:t>𝑝𝑥</m:t>
-                    </m:r>
-                  </m:oMath>
-                </a14:m>
-                <a:r>
-                  <a:rPr lang="es-ES" dirty="0">
-                    <a:solidFill>
-                      <a:schemeClr val="tx1"/>
-                    </a:solidFill>
-                  </a:rPr>
-                  <a:t> </a:t>
-                </a:r>
-              </a:p>
-              <a:p>
-                <a:pPr marL="285750" indent="-285750">
-                  <a:buFont typeface="Arial" panose="020B0604020202020204" pitchFamily="34" charset="0"/>
-                  <a:buChar char="•"/>
-                </a:pPr>
-                <a:endParaRPr lang="es-ES" dirty="0">
-                  <a:solidFill>
-                    <a:schemeClr val="tx1"/>
-                  </a:solidFill>
-                </a:endParaRPr>
-              </a:p>
-            </p:txBody>
-          </p:sp>
-        </mc:Choice>
-        <mc:Fallback xmlns="">
-          <p:sp>
-            <p:nvSpPr>
-              <p:cNvPr id="4" name="TextBox 71">
-                <a:extLst>
-                  <a:ext uri="{FF2B5EF4-FFF2-40B4-BE49-F238E27FC236}">
-                    <a16:creationId xmlns:a16="http://schemas.microsoft.com/office/drawing/2014/main" id="{0CE37D64-70B0-2F14-B852-5A4631C55EF6}"/>
-                  </a:ext>
-                </a:extLst>
-              </p:cNvPr>
-              <p:cNvSpPr txBox="1">
-                <a:spLocks noRot="1" noChangeAspect="1" noMove="1" noResize="1" noEditPoints="1" noAdjustHandles="1" noChangeArrowheads="1" noChangeShapeType="1" noTextEdit="1"/>
-              </p:cNvSpPr>
-              <p:nvPr/>
-            </p:nvSpPr>
-            <p:spPr>
-              <a:xfrm>
-                <a:off x="736782" y="1191100"/>
-                <a:ext cx="1813615" cy="646331"/>
-              </a:xfrm>
-              <a:prstGeom prst="rect">
-                <a:avLst/>
-              </a:prstGeom>
-              <a:blipFill>
-                <a:blip r:embed="rId2"/>
-                <a:stretch>
-                  <a:fillRect l="-2357" t="-1887"/>
-                </a:stretch>
-              </a:blipFill>
-            </p:spPr>
-            <p:txBody>
-              <a:bodyPr/>
-              <a:lstStyle/>
-              <a:p>
-                <a:r>
-                  <a:rPr lang="en-US">
-                    <a:noFill/>
-                  </a:rPr>
-                  <a:t> </a:t>
-                </a:r>
-              </a:p>
-            </p:txBody>
-          </p:sp>
-        </mc:Fallback>
-      </mc:AlternateContent>
-      <p:sp>
-        <p:nvSpPr>
-          <p:cNvPr id="5" name="TextBox 55">
-            <a:extLst>
-              <a:ext uri="{FF2B5EF4-FFF2-40B4-BE49-F238E27FC236}">
-                <a16:creationId xmlns:a16="http://schemas.microsoft.com/office/drawing/2014/main" id="{215A0C67-2581-C755-BB88-56C44A3C70B7}"/>
-              </a:ext>
-            </a:extLst>
-          </p:cNvPr>
-          <p:cNvSpPr txBox="1"/>
-          <p:nvPr/>
-        </p:nvSpPr>
-        <p:spPr>
-          <a:xfrm>
-            <a:off x="551545" y="1837431"/>
-            <a:ext cx="1404504" cy="1200329"/>
-          </a:xfrm>
-          <a:prstGeom prst="rect">
-            <a:avLst/>
-          </a:prstGeom>
-          <a:noFill/>
-        </p:spPr>
-        <p:txBody>
-          <a:bodyPr wrap="square">
-            <a:spAutoFit/>
-          </a:bodyPr>
-          <a:lstStyle/>
-          <a:p>
-            <a:r>
-              <a:rPr lang="es-ES" dirty="0"/>
-              <a:t>reminder=1</a:t>
-            </a:r>
-          </a:p>
-          <a:p>
-            <a:r>
-              <a:rPr lang="es-ES" dirty="0"/>
-              <a:t>I_0=0</a:t>
-            </a:r>
-          </a:p>
-          <a:p>
-            <a:r>
-              <a:rPr lang="es-ES" dirty="0"/>
-              <a:t>I_1=0.964</a:t>
-            </a:r>
-          </a:p>
-          <a:p>
-            <a:r>
-              <a:rPr lang="es-ES" dirty="0"/>
-              <a:t>I_-2=0</a:t>
-            </a:r>
-          </a:p>
-        </p:txBody>
-      </p:sp>
-      <mc:AlternateContent xmlns:mc="http://schemas.openxmlformats.org/markup-compatibility/2006" xmlns:a14="http://schemas.microsoft.com/office/drawing/2010/main">
-        <mc:Choice Requires="a14">
-          <p:sp>
-            <p:nvSpPr>
-              <p:cNvPr id="7" name="文本框 6">
-                <a:extLst>
-                  <a:ext uri="{FF2B5EF4-FFF2-40B4-BE49-F238E27FC236}">
-                    <a16:creationId xmlns:a16="http://schemas.microsoft.com/office/drawing/2014/main" id="{54ED214E-8727-8B09-8D4E-04C2C7475AAE}"/>
-                  </a:ext>
-                </a:extLst>
-              </p:cNvPr>
-              <p:cNvSpPr txBox="1"/>
-              <p:nvPr/>
-            </p:nvSpPr>
-            <p:spPr>
-              <a:xfrm>
-                <a:off x="2628181" y="1210120"/>
-                <a:ext cx="1892060" cy="369332"/>
-              </a:xfrm>
-              <a:prstGeom prst="rect">
-                <a:avLst/>
-              </a:prstGeom>
-              <a:noFill/>
-            </p:spPr>
-            <p:txBody>
-              <a:bodyPr wrap="square">
-                <a:spAutoFit/>
-              </a:bodyPr>
-              <a:lstStyle/>
-              <a:p>
-                <a:pPr marL="285750" indent="-285750">
-                  <a:buFont typeface="Arial" panose="020B0604020202020204" pitchFamily="34" charset="0"/>
-                  <a:buChar char="•"/>
-                </a:pPr>
-                <a14:m>
-                  <m:oMath xmlns:m="http://schemas.openxmlformats.org/officeDocument/2006/math">
-                    <m:r>
-                      <a:rPr lang="es-ES" i="1" smtClean="0">
-                        <a:solidFill>
-                          <a:schemeClr val="tx1"/>
-                        </a:solidFill>
-                        <a:latin typeface="Cambria Math" panose="02040503050406030204" pitchFamily="18" charset="0"/>
-                      </a:rPr>
-                      <m:t>𝑝</m:t>
-                    </m:r>
-                    <m:r>
-                      <a:rPr lang="es-ES" b="0" i="1" smtClean="0">
-                        <a:solidFill>
-                          <a:schemeClr val="tx1"/>
-                        </a:solidFill>
-                        <a:latin typeface="Cambria Math" panose="02040503050406030204" pitchFamily="18" charset="0"/>
-                      </a:rPr>
-                      <m:t>=</m:t>
-                    </m:r>
-                  </m:oMath>
-                </a14:m>
-                <a:r>
-                  <a:rPr lang="en-GB" dirty="0">
-                    <a:solidFill>
-                      <a:schemeClr val="tx1"/>
-                    </a:solidFill>
-                  </a:rPr>
-                  <a:t> </a:t>
-                </a:r>
-                <a14:m>
-                  <m:oMath xmlns:m="http://schemas.openxmlformats.org/officeDocument/2006/math">
-                    <m:r>
-                      <a:rPr lang="es-ES" i="1">
-                        <a:latin typeface="Cambria Math" panose="02040503050406030204" pitchFamily="18" charset="0"/>
-                      </a:rPr>
-                      <m:t>1</m:t>
-                    </m:r>
-                    <m:r>
-                      <a:rPr lang="en-US" b="0" i="1" smtClean="0">
-                        <a:latin typeface="Cambria Math" panose="02040503050406030204" pitchFamily="18" charset="0"/>
-                      </a:rPr>
-                      <m:t>01</m:t>
-                    </m:r>
-                    <m:r>
-                      <a:rPr lang="es-ES" b="0" i="1" smtClean="0">
-                        <a:solidFill>
-                          <a:schemeClr val="tx1"/>
-                        </a:solidFill>
-                        <a:latin typeface="Cambria Math" panose="02040503050406030204" pitchFamily="18" charset="0"/>
-                      </a:rPr>
-                      <m:t>𝑝𝑥</m:t>
-                    </m:r>
-                  </m:oMath>
-                </a14:m>
-                <a:r>
-                  <a:rPr lang="es-ES" dirty="0">
-                    <a:solidFill>
-                      <a:schemeClr val="tx1"/>
-                    </a:solidFill>
-                  </a:rPr>
-                  <a:t> </a:t>
-                </a:r>
-              </a:p>
-            </p:txBody>
-          </p:sp>
-        </mc:Choice>
-        <mc:Fallback xmlns="">
-          <p:sp>
-            <p:nvSpPr>
-              <p:cNvPr id="7" name="文本框 6">
-                <a:extLst>
-                  <a:ext uri="{FF2B5EF4-FFF2-40B4-BE49-F238E27FC236}">
-                    <a16:creationId xmlns:a16="http://schemas.microsoft.com/office/drawing/2014/main" id="{54ED214E-8727-8B09-8D4E-04C2C7475AAE}"/>
-                  </a:ext>
-                </a:extLst>
-              </p:cNvPr>
-              <p:cNvSpPr txBox="1">
-                <a:spLocks noRot="1" noChangeAspect="1" noMove="1" noResize="1" noEditPoints="1" noAdjustHandles="1" noChangeArrowheads="1" noChangeShapeType="1" noTextEdit="1"/>
-              </p:cNvSpPr>
-              <p:nvPr/>
-            </p:nvSpPr>
-            <p:spPr>
-              <a:xfrm>
-                <a:off x="2628181" y="1210120"/>
-                <a:ext cx="1892060" cy="369332"/>
-              </a:xfrm>
-              <a:prstGeom prst="rect">
-                <a:avLst/>
-              </a:prstGeom>
-              <a:blipFill>
-                <a:blip r:embed="rId3"/>
-                <a:stretch>
-                  <a:fillRect l="-1929" t="-5000" b="-20000"/>
-                </a:stretch>
-              </a:blipFill>
-            </p:spPr>
-            <p:txBody>
-              <a:bodyPr/>
-              <a:lstStyle/>
-              <a:p>
-                <a:r>
-                  <a:rPr lang="en-US">
-                    <a:noFill/>
-                  </a:rPr>
-                  <a:t> </a:t>
-                </a:r>
-              </a:p>
-            </p:txBody>
-          </p:sp>
-        </mc:Fallback>
-      </mc:AlternateContent>
-      <p:sp>
-        <p:nvSpPr>
-          <p:cNvPr id="8" name="TextBox 55">
-            <a:extLst>
-              <a:ext uri="{FF2B5EF4-FFF2-40B4-BE49-F238E27FC236}">
-                <a16:creationId xmlns:a16="http://schemas.microsoft.com/office/drawing/2014/main" id="{4F03A8A8-DF60-342B-55BE-CA3BE7A0BFA6}"/>
-              </a:ext>
-            </a:extLst>
-          </p:cNvPr>
-          <p:cNvSpPr txBox="1"/>
-          <p:nvPr/>
-        </p:nvSpPr>
-        <p:spPr>
-          <a:xfrm>
-            <a:off x="2761181" y="1897816"/>
-            <a:ext cx="1404504" cy="1200329"/>
-          </a:xfrm>
-          <a:prstGeom prst="rect">
-            <a:avLst/>
-          </a:prstGeom>
-          <a:noFill/>
-        </p:spPr>
-        <p:txBody>
-          <a:bodyPr wrap="square">
-            <a:spAutoFit/>
-          </a:bodyPr>
-          <a:lstStyle/>
-          <a:p>
-            <a:r>
-              <a:rPr lang="es-ES" dirty="0"/>
-              <a:t>reminder=1</a:t>
-            </a:r>
-          </a:p>
-          <a:p>
-            <a:r>
-              <a:rPr lang="es-ES" dirty="0"/>
-              <a:t>I_0=0</a:t>
-            </a:r>
-          </a:p>
-          <a:p>
-            <a:r>
-              <a:rPr lang="es-ES" dirty="0"/>
-              <a:t>I_1=0.999</a:t>
-            </a:r>
-          </a:p>
-          <a:p>
-            <a:r>
-              <a:rPr lang="es-ES" dirty="0"/>
-              <a:t>I_-2=0</a:t>
-            </a:r>
-          </a:p>
-        </p:txBody>
-      </p:sp>
-      <mc:AlternateContent xmlns:mc="http://schemas.openxmlformats.org/markup-compatibility/2006" xmlns:a14="http://schemas.microsoft.com/office/drawing/2010/main">
-        <mc:Choice Requires="a14">
-          <p:sp>
-            <p:nvSpPr>
-              <p:cNvPr id="9" name="文本框 8">
-                <a:extLst>
-                  <a:ext uri="{FF2B5EF4-FFF2-40B4-BE49-F238E27FC236}">
-                    <a16:creationId xmlns:a16="http://schemas.microsoft.com/office/drawing/2014/main" id="{B7B933B7-1AFB-3D99-F4FF-8C18B5A2326B}"/>
-                  </a:ext>
-                </a:extLst>
-              </p:cNvPr>
-              <p:cNvSpPr txBox="1"/>
-              <p:nvPr/>
-            </p:nvSpPr>
-            <p:spPr>
-              <a:xfrm>
-                <a:off x="4281585" y="1132480"/>
-                <a:ext cx="1892060" cy="369332"/>
-              </a:xfrm>
-              <a:prstGeom prst="rect">
-                <a:avLst/>
-              </a:prstGeom>
-              <a:noFill/>
-            </p:spPr>
-            <p:txBody>
-              <a:bodyPr wrap="square">
-                <a:spAutoFit/>
-              </a:bodyPr>
-              <a:lstStyle/>
-              <a:p>
-                <a:pPr marL="285750" indent="-285750">
-                  <a:buFont typeface="Arial" panose="020B0604020202020204" pitchFamily="34" charset="0"/>
-                  <a:buChar char="•"/>
-                </a:pPr>
-                <a14:m>
-                  <m:oMath xmlns:m="http://schemas.openxmlformats.org/officeDocument/2006/math">
-                    <m:r>
-                      <a:rPr lang="es-ES" i="1" smtClean="0">
-                        <a:solidFill>
-                          <a:schemeClr val="tx1"/>
-                        </a:solidFill>
-                        <a:latin typeface="Cambria Math" panose="02040503050406030204" pitchFamily="18" charset="0"/>
-                      </a:rPr>
-                      <m:t>𝑝</m:t>
-                    </m:r>
-                    <m:r>
-                      <a:rPr lang="es-ES" b="0" i="1" smtClean="0">
-                        <a:solidFill>
-                          <a:schemeClr val="tx1"/>
-                        </a:solidFill>
-                        <a:latin typeface="Cambria Math" panose="02040503050406030204" pitchFamily="18" charset="0"/>
-                      </a:rPr>
-                      <m:t>=</m:t>
-                    </m:r>
-                  </m:oMath>
-                </a14:m>
-                <a:r>
-                  <a:rPr lang="en-GB" dirty="0">
-                    <a:solidFill>
-                      <a:schemeClr val="tx1"/>
-                    </a:solidFill>
-                  </a:rPr>
-                  <a:t> </a:t>
-                </a:r>
-                <a14:m>
-                  <m:oMath xmlns:m="http://schemas.openxmlformats.org/officeDocument/2006/math">
-                    <m:r>
-                      <a:rPr lang="es-ES" i="1">
-                        <a:latin typeface="Cambria Math" panose="02040503050406030204" pitchFamily="18" charset="0"/>
-                      </a:rPr>
-                      <m:t>7</m:t>
-                    </m:r>
-                    <m:r>
-                      <a:rPr lang="es-ES" b="0" i="1" smtClean="0">
-                        <a:solidFill>
-                          <a:schemeClr val="tx1"/>
-                        </a:solidFill>
-                        <a:latin typeface="Cambria Math" panose="02040503050406030204" pitchFamily="18" charset="0"/>
-                      </a:rPr>
-                      <m:t>𝑝𝑥</m:t>
-                    </m:r>
-                  </m:oMath>
-                </a14:m>
-                <a:r>
-                  <a:rPr lang="es-ES" dirty="0">
-                    <a:solidFill>
-                      <a:schemeClr val="tx1"/>
-                    </a:solidFill>
-                  </a:rPr>
-                  <a:t> </a:t>
-                </a:r>
-              </a:p>
-            </p:txBody>
-          </p:sp>
-        </mc:Choice>
-        <mc:Fallback xmlns="">
-          <p:sp>
-            <p:nvSpPr>
-              <p:cNvPr id="9" name="文本框 8">
-                <a:extLst>
-                  <a:ext uri="{FF2B5EF4-FFF2-40B4-BE49-F238E27FC236}">
-                    <a16:creationId xmlns:a16="http://schemas.microsoft.com/office/drawing/2014/main" id="{B7B933B7-1AFB-3D99-F4FF-8C18B5A2326B}"/>
-                  </a:ext>
-                </a:extLst>
-              </p:cNvPr>
-              <p:cNvSpPr txBox="1">
-                <a:spLocks noRot="1" noChangeAspect="1" noMove="1" noResize="1" noEditPoints="1" noAdjustHandles="1" noChangeArrowheads="1" noChangeShapeType="1" noTextEdit="1"/>
-              </p:cNvSpPr>
-              <p:nvPr/>
-            </p:nvSpPr>
-            <p:spPr>
-              <a:xfrm>
-                <a:off x="4281585" y="1132480"/>
-                <a:ext cx="1892060" cy="369332"/>
-              </a:xfrm>
-              <a:prstGeom prst="rect">
-                <a:avLst/>
-              </a:prstGeom>
-              <a:blipFill>
-                <a:blip r:embed="rId4"/>
-                <a:stretch>
-                  <a:fillRect l="-1929" t="-5000" b="-20000"/>
-                </a:stretch>
-              </a:blipFill>
-            </p:spPr>
-            <p:txBody>
-              <a:bodyPr/>
-              <a:lstStyle/>
-              <a:p>
-                <a:r>
-                  <a:rPr lang="en-US">
-                    <a:noFill/>
-                  </a:rPr>
-                  <a:t> </a:t>
-                </a:r>
-              </a:p>
-            </p:txBody>
-          </p:sp>
-        </mc:Fallback>
-      </mc:AlternateContent>
-      <p:sp>
-        <p:nvSpPr>
-          <p:cNvPr id="10" name="TextBox 55">
-            <a:extLst>
-              <a:ext uri="{FF2B5EF4-FFF2-40B4-BE49-F238E27FC236}">
-                <a16:creationId xmlns:a16="http://schemas.microsoft.com/office/drawing/2014/main" id="{CFC0B6BD-D418-BF29-9505-DE3006B28264}"/>
-              </a:ext>
-            </a:extLst>
-          </p:cNvPr>
-          <p:cNvSpPr txBox="1"/>
-          <p:nvPr/>
-        </p:nvSpPr>
-        <p:spPr>
-          <a:xfrm>
-            <a:off x="4414585" y="1820176"/>
-            <a:ext cx="1404504" cy="1200329"/>
-          </a:xfrm>
-          <a:prstGeom prst="rect">
-            <a:avLst/>
-          </a:prstGeom>
-          <a:noFill/>
-        </p:spPr>
-        <p:txBody>
-          <a:bodyPr wrap="square">
-            <a:spAutoFit/>
-          </a:bodyPr>
-          <a:lstStyle/>
-          <a:p>
-            <a:r>
-              <a:rPr lang="es-ES" dirty="0"/>
-              <a:t>reminder=2</a:t>
-            </a:r>
-          </a:p>
-          <a:p>
-            <a:r>
-              <a:rPr lang="es-ES" dirty="0"/>
-              <a:t>I_0=0</a:t>
-            </a:r>
-          </a:p>
-          <a:p>
-            <a:r>
-              <a:rPr lang="es-ES" dirty="0"/>
-              <a:t>I_1=0.524</a:t>
-            </a:r>
-          </a:p>
-          <a:p>
-            <a:r>
-              <a:rPr lang="es-ES" dirty="0"/>
-              <a:t>I_-2=0</a:t>
-            </a:r>
-          </a:p>
-        </p:txBody>
-      </p:sp>
-      <mc:AlternateContent xmlns:mc="http://schemas.openxmlformats.org/markup-compatibility/2006" xmlns:a14="http://schemas.microsoft.com/office/drawing/2010/main">
-        <mc:Choice Requires="a14">
-          <p:sp>
-            <p:nvSpPr>
-              <p:cNvPr id="11" name="文本框 10">
-                <a:extLst>
-                  <a:ext uri="{FF2B5EF4-FFF2-40B4-BE49-F238E27FC236}">
-                    <a16:creationId xmlns:a16="http://schemas.microsoft.com/office/drawing/2014/main" id="{A12040E5-8172-A884-12F0-BD032F858C27}"/>
-                  </a:ext>
-                </a:extLst>
-              </p:cNvPr>
-              <p:cNvSpPr txBox="1"/>
-              <p:nvPr/>
-            </p:nvSpPr>
-            <p:spPr>
-              <a:xfrm>
-                <a:off x="5624432" y="1118101"/>
-                <a:ext cx="1892060" cy="369332"/>
-              </a:xfrm>
-              <a:prstGeom prst="rect">
-                <a:avLst/>
-              </a:prstGeom>
-              <a:noFill/>
-            </p:spPr>
-            <p:txBody>
-              <a:bodyPr wrap="square">
-                <a:spAutoFit/>
-              </a:bodyPr>
-              <a:lstStyle/>
-              <a:p>
-                <a:pPr marL="285750" indent="-285750">
-                  <a:buFont typeface="Arial" panose="020B0604020202020204" pitchFamily="34" charset="0"/>
-                  <a:buChar char="•"/>
-                </a:pPr>
-                <a14:m>
-                  <m:oMath xmlns:m="http://schemas.openxmlformats.org/officeDocument/2006/math">
-                    <m:r>
-                      <a:rPr lang="es-ES" i="1" smtClean="0">
-                        <a:solidFill>
-                          <a:schemeClr val="tx1"/>
-                        </a:solidFill>
-                        <a:latin typeface="Cambria Math" panose="02040503050406030204" pitchFamily="18" charset="0"/>
-                      </a:rPr>
-                      <m:t>𝑝</m:t>
-                    </m:r>
-                    <m:r>
-                      <a:rPr lang="es-ES" b="0" i="1" smtClean="0">
-                        <a:solidFill>
-                          <a:schemeClr val="tx1"/>
-                        </a:solidFill>
-                        <a:latin typeface="Cambria Math" panose="02040503050406030204" pitchFamily="18" charset="0"/>
-                      </a:rPr>
-                      <m:t>=</m:t>
-                    </m:r>
-                  </m:oMath>
-                </a14:m>
-                <a:r>
-                  <a:rPr lang="en-GB" dirty="0">
-                    <a:solidFill>
-                      <a:schemeClr val="tx1"/>
-                    </a:solidFill>
-                  </a:rPr>
-                  <a:t> </a:t>
-                </a:r>
-                <a14:m>
-                  <m:oMath xmlns:m="http://schemas.openxmlformats.org/officeDocument/2006/math">
-                    <m:r>
-                      <a:rPr lang="es-ES" i="1" dirty="0">
-                        <a:latin typeface="Cambria Math" panose="02040503050406030204" pitchFamily="18" charset="0"/>
-                      </a:rPr>
-                      <m:t>1</m:t>
-                    </m:r>
-                    <m:r>
-                      <a:rPr lang="en-US" b="0" i="1" dirty="0" smtClean="0">
-                        <a:latin typeface="Cambria Math" panose="02040503050406030204" pitchFamily="18" charset="0"/>
-                      </a:rPr>
-                      <m:t>39</m:t>
-                    </m:r>
-                    <m:r>
-                      <a:rPr lang="es-ES" b="0" i="1" smtClean="0">
-                        <a:solidFill>
-                          <a:schemeClr val="tx1"/>
-                        </a:solidFill>
-                        <a:latin typeface="Cambria Math" panose="02040503050406030204" pitchFamily="18" charset="0"/>
-                      </a:rPr>
-                      <m:t>𝑝𝑥</m:t>
-                    </m:r>
-                  </m:oMath>
-                </a14:m>
-                <a:r>
-                  <a:rPr lang="es-ES" dirty="0">
-                    <a:solidFill>
-                      <a:schemeClr val="tx1"/>
-                    </a:solidFill>
-                  </a:rPr>
-                  <a:t> </a:t>
-                </a:r>
-              </a:p>
-            </p:txBody>
-          </p:sp>
-        </mc:Choice>
-        <mc:Fallback xmlns="">
-          <p:sp>
-            <p:nvSpPr>
-              <p:cNvPr id="11" name="文本框 10">
-                <a:extLst>
-                  <a:ext uri="{FF2B5EF4-FFF2-40B4-BE49-F238E27FC236}">
-                    <a16:creationId xmlns:a16="http://schemas.microsoft.com/office/drawing/2014/main" id="{A12040E5-8172-A884-12F0-BD032F858C27}"/>
-                  </a:ext>
-                </a:extLst>
-              </p:cNvPr>
-              <p:cNvSpPr txBox="1">
-                <a:spLocks noRot="1" noChangeAspect="1" noMove="1" noResize="1" noEditPoints="1" noAdjustHandles="1" noChangeArrowheads="1" noChangeShapeType="1" noTextEdit="1"/>
-              </p:cNvSpPr>
-              <p:nvPr/>
-            </p:nvSpPr>
-            <p:spPr>
-              <a:xfrm>
-                <a:off x="5624432" y="1118101"/>
-                <a:ext cx="1892060" cy="369332"/>
-              </a:xfrm>
-              <a:prstGeom prst="rect">
-                <a:avLst/>
-              </a:prstGeom>
-              <a:blipFill>
-                <a:blip r:embed="rId5"/>
-                <a:stretch>
-                  <a:fillRect l="-2258" t="-3279" b="-18033"/>
-                </a:stretch>
-              </a:blipFill>
-            </p:spPr>
-            <p:txBody>
-              <a:bodyPr/>
-              <a:lstStyle/>
-              <a:p>
-                <a:r>
-                  <a:rPr lang="en-US">
-                    <a:noFill/>
-                  </a:rPr>
-                  <a:t> </a:t>
-                </a:r>
-              </a:p>
-            </p:txBody>
-          </p:sp>
-        </mc:Fallback>
-      </mc:AlternateContent>
-      <p:sp>
-        <p:nvSpPr>
-          <p:cNvPr id="12" name="TextBox 55">
-            <a:extLst>
-              <a:ext uri="{FF2B5EF4-FFF2-40B4-BE49-F238E27FC236}">
-                <a16:creationId xmlns:a16="http://schemas.microsoft.com/office/drawing/2014/main" id="{77EAD047-F97B-781F-30C4-34A789AD29D0}"/>
-              </a:ext>
-            </a:extLst>
-          </p:cNvPr>
-          <p:cNvSpPr txBox="1"/>
-          <p:nvPr/>
-        </p:nvSpPr>
-        <p:spPr>
-          <a:xfrm>
-            <a:off x="5757432" y="1805797"/>
-            <a:ext cx="1404504" cy="1200329"/>
-          </a:xfrm>
-          <a:prstGeom prst="rect">
-            <a:avLst/>
-          </a:prstGeom>
-          <a:noFill/>
-        </p:spPr>
-        <p:txBody>
-          <a:bodyPr wrap="square">
-            <a:spAutoFit/>
-          </a:bodyPr>
-          <a:lstStyle/>
-          <a:p>
-            <a:r>
-              <a:rPr lang="es-ES" dirty="0"/>
-              <a:t>reminder=2</a:t>
-            </a:r>
-          </a:p>
-          <a:p>
-            <a:r>
-              <a:rPr lang="es-ES" dirty="0"/>
-              <a:t>I_0=0.0001</a:t>
-            </a:r>
-          </a:p>
-          <a:p>
-            <a:r>
-              <a:rPr lang="es-ES" dirty="0"/>
-              <a:t>I_1=0.898</a:t>
-            </a:r>
-          </a:p>
-          <a:p>
-            <a:r>
-              <a:rPr lang="es-ES" dirty="0"/>
-              <a:t>I_-2=0</a:t>
-            </a:r>
-          </a:p>
-        </p:txBody>
-      </p:sp>
-      <mc:AlternateContent xmlns:mc="http://schemas.openxmlformats.org/markup-compatibility/2006" xmlns:a14="http://schemas.microsoft.com/office/drawing/2010/main">
-        <mc:Choice Requires="a14">
-          <p:sp>
-            <p:nvSpPr>
-              <p:cNvPr id="13" name="文本框 12">
-                <a:extLst>
-                  <a:ext uri="{FF2B5EF4-FFF2-40B4-BE49-F238E27FC236}">
-                    <a16:creationId xmlns:a16="http://schemas.microsoft.com/office/drawing/2014/main" id="{F85B53A1-DA16-DB75-92BD-F84AE9769DAA}"/>
-                  </a:ext>
-                </a:extLst>
-              </p:cNvPr>
-              <p:cNvSpPr txBox="1"/>
-              <p:nvPr/>
-            </p:nvSpPr>
-            <p:spPr>
-              <a:xfrm>
-                <a:off x="7277836" y="1118101"/>
-                <a:ext cx="1892060" cy="369332"/>
-              </a:xfrm>
-              <a:prstGeom prst="rect">
-                <a:avLst/>
-              </a:prstGeom>
-              <a:noFill/>
-            </p:spPr>
-            <p:txBody>
-              <a:bodyPr wrap="square">
-                <a:spAutoFit/>
-              </a:bodyPr>
-              <a:lstStyle/>
-              <a:p>
-                <a:pPr marL="285750" indent="-285750">
-                  <a:buFont typeface="Arial" panose="020B0604020202020204" pitchFamily="34" charset="0"/>
-                  <a:buChar char="•"/>
-                </a:pPr>
-                <a14:m>
-                  <m:oMath xmlns:m="http://schemas.openxmlformats.org/officeDocument/2006/math">
-                    <m:r>
-                      <a:rPr lang="es-ES" i="1" smtClean="0">
-                        <a:solidFill>
-                          <a:schemeClr val="tx1"/>
-                        </a:solidFill>
-                        <a:latin typeface="Cambria Math" panose="02040503050406030204" pitchFamily="18" charset="0"/>
-                      </a:rPr>
-                      <m:t>𝑝</m:t>
-                    </m:r>
-                    <m:r>
-                      <a:rPr lang="es-ES" b="0" i="1" smtClean="0">
-                        <a:solidFill>
-                          <a:schemeClr val="tx1"/>
-                        </a:solidFill>
-                        <a:latin typeface="Cambria Math" panose="02040503050406030204" pitchFamily="18" charset="0"/>
-                      </a:rPr>
-                      <m:t>=</m:t>
-                    </m:r>
-                  </m:oMath>
-                </a14:m>
-                <a:r>
-                  <a:rPr lang="en-GB" dirty="0">
-                    <a:solidFill>
-                      <a:schemeClr val="tx1"/>
-                    </a:solidFill>
-                  </a:rPr>
-                  <a:t> </a:t>
-                </a:r>
-                <a14:m>
-                  <m:oMath xmlns:m="http://schemas.openxmlformats.org/officeDocument/2006/math">
-                    <m:r>
-                      <a:rPr lang="es-ES" i="1" dirty="0">
-                        <a:latin typeface="Cambria Math" panose="02040503050406030204" pitchFamily="18" charset="0"/>
-                      </a:rPr>
-                      <m:t>2</m:t>
-                    </m:r>
-                    <m:r>
-                      <a:rPr lang="en-US" b="0" i="1" dirty="0" smtClean="0">
-                        <a:latin typeface="Cambria Math" panose="02040503050406030204" pitchFamily="18" charset="0"/>
-                      </a:rPr>
-                      <m:t>13</m:t>
-                    </m:r>
-                    <m:r>
-                      <a:rPr lang="es-ES" b="0" i="1" smtClean="0">
-                        <a:solidFill>
-                          <a:schemeClr val="tx1"/>
-                        </a:solidFill>
-                        <a:latin typeface="Cambria Math" panose="02040503050406030204" pitchFamily="18" charset="0"/>
-                      </a:rPr>
-                      <m:t>𝑝𝑥</m:t>
-                    </m:r>
-                  </m:oMath>
-                </a14:m>
-                <a:r>
-                  <a:rPr lang="es-ES" dirty="0">
-                    <a:solidFill>
-                      <a:schemeClr val="tx1"/>
-                    </a:solidFill>
-                  </a:rPr>
-                  <a:t> </a:t>
-                </a:r>
-              </a:p>
-            </p:txBody>
-          </p:sp>
-        </mc:Choice>
-        <mc:Fallback xmlns="">
-          <p:sp>
-            <p:nvSpPr>
-              <p:cNvPr id="13" name="文本框 12">
-                <a:extLst>
-                  <a:ext uri="{FF2B5EF4-FFF2-40B4-BE49-F238E27FC236}">
-                    <a16:creationId xmlns:a16="http://schemas.microsoft.com/office/drawing/2014/main" id="{F85B53A1-DA16-DB75-92BD-F84AE9769DAA}"/>
-                  </a:ext>
-                </a:extLst>
-              </p:cNvPr>
-              <p:cNvSpPr txBox="1">
-                <a:spLocks noRot="1" noChangeAspect="1" noMove="1" noResize="1" noEditPoints="1" noAdjustHandles="1" noChangeArrowheads="1" noChangeShapeType="1" noTextEdit="1"/>
-              </p:cNvSpPr>
-              <p:nvPr/>
-            </p:nvSpPr>
-            <p:spPr>
-              <a:xfrm>
-                <a:off x="7277836" y="1118101"/>
-                <a:ext cx="1892060" cy="369332"/>
-              </a:xfrm>
-              <a:prstGeom prst="rect">
-                <a:avLst/>
-              </a:prstGeom>
-              <a:blipFill>
-                <a:blip r:embed="rId6"/>
-                <a:stretch>
-                  <a:fillRect l="-2258" t="-3279" b="-18033"/>
-                </a:stretch>
-              </a:blipFill>
-            </p:spPr>
-            <p:txBody>
-              <a:bodyPr/>
-              <a:lstStyle/>
-              <a:p>
-                <a:r>
-                  <a:rPr lang="en-US">
-                    <a:noFill/>
-                  </a:rPr>
-                  <a:t> </a:t>
-                </a:r>
-              </a:p>
-            </p:txBody>
-          </p:sp>
-        </mc:Fallback>
-      </mc:AlternateContent>
-      <p:sp>
-        <p:nvSpPr>
-          <p:cNvPr id="14" name="TextBox 55">
-            <a:extLst>
-              <a:ext uri="{FF2B5EF4-FFF2-40B4-BE49-F238E27FC236}">
-                <a16:creationId xmlns:a16="http://schemas.microsoft.com/office/drawing/2014/main" id="{52C78CE5-4FF6-DBD5-CDFE-E953622EA6B4}"/>
-              </a:ext>
-            </a:extLst>
-          </p:cNvPr>
-          <p:cNvSpPr txBox="1"/>
-          <p:nvPr/>
-        </p:nvSpPr>
-        <p:spPr>
-          <a:xfrm>
-            <a:off x="7410836" y="1805797"/>
-            <a:ext cx="1404504" cy="1200329"/>
-          </a:xfrm>
-          <a:prstGeom prst="rect">
-            <a:avLst/>
-          </a:prstGeom>
-          <a:noFill/>
-        </p:spPr>
-        <p:txBody>
-          <a:bodyPr wrap="square">
-            <a:spAutoFit/>
-          </a:bodyPr>
-          <a:lstStyle/>
-          <a:p>
-            <a:r>
-              <a:rPr lang="es-ES" dirty="0"/>
-              <a:t>reminder=3</a:t>
-            </a:r>
-          </a:p>
-          <a:p>
-            <a:r>
-              <a:rPr lang="es-ES" dirty="0"/>
-              <a:t>I_0=0</a:t>
-            </a:r>
-          </a:p>
-          <a:p>
-            <a:r>
-              <a:rPr lang="es-ES" dirty="0"/>
-              <a:t>I_1=0.998</a:t>
-            </a:r>
-          </a:p>
-          <a:p>
-            <a:r>
-              <a:rPr lang="es-ES" dirty="0"/>
-              <a:t>I_-2=0</a:t>
-            </a:r>
-          </a:p>
-        </p:txBody>
-      </p:sp>
-      <mc:AlternateContent xmlns:mc="http://schemas.openxmlformats.org/markup-compatibility/2006" xmlns:a14="http://schemas.microsoft.com/office/drawing/2010/main">
-        <mc:Choice Requires="a14">
-          <p:sp>
-            <p:nvSpPr>
-              <p:cNvPr id="15" name="文本框 14">
-                <a:extLst>
-                  <a:ext uri="{FF2B5EF4-FFF2-40B4-BE49-F238E27FC236}">
-                    <a16:creationId xmlns:a16="http://schemas.microsoft.com/office/drawing/2014/main" id="{4F55DA3C-EEF5-D2F1-D877-C6022EE75154}"/>
-                  </a:ext>
-                </a:extLst>
-              </p:cNvPr>
-              <p:cNvSpPr txBox="1"/>
-              <p:nvPr/>
-            </p:nvSpPr>
-            <p:spPr>
-              <a:xfrm>
-                <a:off x="8859339" y="1118101"/>
-                <a:ext cx="1892060" cy="369332"/>
-              </a:xfrm>
-              <a:prstGeom prst="rect">
-                <a:avLst/>
-              </a:prstGeom>
-              <a:noFill/>
-            </p:spPr>
-            <p:txBody>
-              <a:bodyPr wrap="square">
-                <a:spAutoFit/>
-              </a:bodyPr>
-              <a:lstStyle/>
-              <a:p>
-                <a:pPr marL="285750" indent="-285750">
-                  <a:buFont typeface="Arial" panose="020B0604020202020204" pitchFamily="34" charset="0"/>
-                  <a:buChar char="•"/>
-                </a:pPr>
-                <a14:m>
-                  <m:oMath xmlns:m="http://schemas.openxmlformats.org/officeDocument/2006/math">
-                    <m:r>
-                      <a:rPr lang="es-ES" i="1" smtClean="0">
-                        <a:solidFill>
-                          <a:schemeClr val="tx1"/>
-                        </a:solidFill>
-                        <a:latin typeface="Cambria Math" panose="02040503050406030204" pitchFamily="18" charset="0"/>
-                      </a:rPr>
-                      <m:t>𝑝</m:t>
-                    </m:r>
-                    <m:r>
-                      <a:rPr lang="es-ES" b="0" i="1" smtClean="0">
-                        <a:solidFill>
-                          <a:schemeClr val="tx1"/>
-                        </a:solidFill>
-                        <a:latin typeface="Cambria Math" panose="02040503050406030204" pitchFamily="18" charset="0"/>
-                      </a:rPr>
-                      <m:t>=</m:t>
-                    </m:r>
-                  </m:oMath>
-                </a14:m>
-                <a:r>
-                  <a:rPr lang="en-GB" dirty="0">
-                    <a:solidFill>
-                      <a:schemeClr val="tx1"/>
-                    </a:solidFill>
-                  </a:rPr>
-                  <a:t> </a:t>
-                </a:r>
-                <a14:m>
-                  <m:oMath xmlns:m="http://schemas.openxmlformats.org/officeDocument/2006/math">
-                    <m:r>
-                      <a:rPr lang="es-ES" i="1" dirty="0">
-                        <a:latin typeface="Cambria Math" panose="02040503050406030204" pitchFamily="18" charset="0"/>
-                      </a:rPr>
-                      <m:t>9</m:t>
-                    </m:r>
-                    <m:r>
-                      <a:rPr lang="es-ES" b="0" i="1" smtClean="0">
-                        <a:solidFill>
-                          <a:schemeClr val="tx1"/>
-                        </a:solidFill>
-                        <a:latin typeface="Cambria Math" panose="02040503050406030204" pitchFamily="18" charset="0"/>
-                      </a:rPr>
-                      <m:t>𝑝𝑥</m:t>
-                    </m:r>
-                  </m:oMath>
-                </a14:m>
-                <a:r>
-                  <a:rPr lang="es-ES" dirty="0">
-                    <a:solidFill>
-                      <a:schemeClr val="tx1"/>
-                    </a:solidFill>
-                  </a:rPr>
-                  <a:t> </a:t>
-                </a:r>
-              </a:p>
-            </p:txBody>
-          </p:sp>
-        </mc:Choice>
-        <mc:Fallback xmlns="">
-          <p:sp>
-            <p:nvSpPr>
-              <p:cNvPr id="15" name="文本框 14">
-                <a:extLst>
-                  <a:ext uri="{FF2B5EF4-FFF2-40B4-BE49-F238E27FC236}">
-                    <a16:creationId xmlns:a16="http://schemas.microsoft.com/office/drawing/2014/main" id="{4F55DA3C-EEF5-D2F1-D877-C6022EE75154}"/>
-                  </a:ext>
-                </a:extLst>
-              </p:cNvPr>
-              <p:cNvSpPr txBox="1">
-                <a:spLocks noRot="1" noChangeAspect="1" noMove="1" noResize="1" noEditPoints="1" noAdjustHandles="1" noChangeArrowheads="1" noChangeShapeType="1" noTextEdit="1"/>
-              </p:cNvSpPr>
-              <p:nvPr/>
-            </p:nvSpPr>
-            <p:spPr>
-              <a:xfrm>
-                <a:off x="8859339" y="1118101"/>
-                <a:ext cx="1892060" cy="369332"/>
-              </a:xfrm>
-              <a:prstGeom prst="rect">
-                <a:avLst/>
-              </a:prstGeom>
-              <a:blipFill>
-                <a:blip r:embed="rId7"/>
-                <a:stretch>
-                  <a:fillRect l="-1929" t="-3279" b="-18033"/>
-                </a:stretch>
-              </a:blipFill>
-            </p:spPr>
-            <p:txBody>
-              <a:bodyPr/>
-              <a:lstStyle/>
-              <a:p>
-                <a:r>
-                  <a:rPr lang="en-US">
-                    <a:noFill/>
-                  </a:rPr>
-                  <a:t> </a:t>
-                </a:r>
-              </a:p>
-            </p:txBody>
-          </p:sp>
-        </mc:Fallback>
-      </mc:AlternateContent>
-      <p:sp>
-        <p:nvSpPr>
-          <p:cNvPr id="16" name="TextBox 55">
-            <a:extLst>
-              <a:ext uri="{FF2B5EF4-FFF2-40B4-BE49-F238E27FC236}">
-                <a16:creationId xmlns:a16="http://schemas.microsoft.com/office/drawing/2014/main" id="{0186F1BA-D441-7863-ED31-15F5F06A4D46}"/>
-              </a:ext>
-            </a:extLst>
-          </p:cNvPr>
-          <p:cNvSpPr txBox="1"/>
-          <p:nvPr/>
-        </p:nvSpPr>
-        <p:spPr>
-          <a:xfrm>
-            <a:off x="8992339" y="1805797"/>
-            <a:ext cx="1404504" cy="1200329"/>
-          </a:xfrm>
-          <a:prstGeom prst="rect">
-            <a:avLst/>
-          </a:prstGeom>
-          <a:noFill/>
-        </p:spPr>
-        <p:txBody>
-          <a:bodyPr wrap="square">
-            <a:spAutoFit/>
-          </a:bodyPr>
-          <a:lstStyle/>
-          <a:p>
-            <a:r>
-              <a:rPr lang="es-ES" dirty="0"/>
-              <a:t>reminder=3</a:t>
-            </a:r>
-          </a:p>
-          <a:p>
-            <a:r>
-              <a:rPr lang="es-ES" dirty="0"/>
-              <a:t>I_0=0</a:t>
-            </a:r>
-          </a:p>
-          <a:p>
-            <a:r>
-              <a:rPr lang="es-ES" dirty="0"/>
-              <a:t>I_1=0.497</a:t>
-            </a:r>
-          </a:p>
-          <a:p>
-            <a:r>
-              <a:rPr lang="es-ES" dirty="0"/>
-              <a:t>I_-2=0</a:t>
-            </a:r>
-          </a:p>
-        </p:txBody>
-      </p:sp>
-      <mc:AlternateContent xmlns:mc="http://schemas.openxmlformats.org/markup-compatibility/2006" xmlns:a14="http://schemas.microsoft.com/office/drawing/2010/main">
-        <mc:Choice Requires="a14">
-          <p:sp>
-            <p:nvSpPr>
-              <p:cNvPr id="17" name="文本框 16">
-                <a:extLst>
-                  <a:ext uri="{FF2B5EF4-FFF2-40B4-BE49-F238E27FC236}">
-                    <a16:creationId xmlns:a16="http://schemas.microsoft.com/office/drawing/2014/main" id="{ED5FA2F6-E084-A7E7-7E38-B5E943045FF0}"/>
-                  </a:ext>
-                </a:extLst>
-              </p:cNvPr>
-              <p:cNvSpPr txBox="1"/>
-              <p:nvPr/>
-            </p:nvSpPr>
-            <p:spPr>
-              <a:xfrm>
-                <a:off x="10202186" y="1118101"/>
-                <a:ext cx="1892060" cy="369332"/>
-              </a:xfrm>
-              <a:prstGeom prst="rect">
-                <a:avLst/>
-              </a:prstGeom>
-              <a:noFill/>
-            </p:spPr>
-            <p:txBody>
-              <a:bodyPr wrap="square">
-                <a:spAutoFit/>
-              </a:bodyPr>
-              <a:lstStyle/>
-              <a:p>
-                <a:pPr marL="285750" indent="-285750">
-                  <a:buFont typeface="Arial" panose="020B0604020202020204" pitchFamily="34" charset="0"/>
-                  <a:buChar char="•"/>
-                </a:pPr>
-                <a14:m>
-                  <m:oMath xmlns:m="http://schemas.openxmlformats.org/officeDocument/2006/math">
-                    <m:r>
-                      <a:rPr lang="es-ES" i="1" smtClean="0">
-                        <a:solidFill>
-                          <a:schemeClr val="tx1"/>
-                        </a:solidFill>
-                        <a:latin typeface="Cambria Math" panose="02040503050406030204" pitchFamily="18" charset="0"/>
-                      </a:rPr>
-                      <m:t>𝑝</m:t>
-                    </m:r>
-                    <m:r>
-                      <a:rPr lang="es-ES" b="0" i="1" smtClean="0">
-                        <a:solidFill>
-                          <a:schemeClr val="tx1"/>
-                        </a:solidFill>
-                        <a:latin typeface="Cambria Math" panose="02040503050406030204" pitchFamily="18" charset="0"/>
-                      </a:rPr>
-                      <m:t>=</m:t>
-                    </m:r>
-                  </m:oMath>
-                </a14:m>
-                <a:r>
-                  <a:rPr lang="en-GB" dirty="0">
-                    <a:solidFill>
-                      <a:schemeClr val="tx1"/>
-                    </a:solidFill>
-                  </a:rPr>
-                  <a:t> </a:t>
-                </a:r>
-                <a14:m>
-                  <m:oMath xmlns:m="http://schemas.openxmlformats.org/officeDocument/2006/math">
-                    <m:r>
-                      <a:rPr lang="en-US" b="0" i="0" dirty="0" smtClean="0">
-                        <a:latin typeface="Cambria Math" panose="02040503050406030204" pitchFamily="18" charset="0"/>
-                      </a:rPr>
-                      <m:t>47</m:t>
-                    </m:r>
-                    <m:r>
-                      <a:rPr lang="es-ES" i="1" dirty="0">
-                        <a:latin typeface="Cambria Math" panose="02040503050406030204" pitchFamily="18" charset="0"/>
-                      </a:rPr>
-                      <m:t>9</m:t>
-                    </m:r>
-                    <m:r>
-                      <a:rPr lang="es-ES" b="0" i="1" smtClean="0">
-                        <a:solidFill>
-                          <a:schemeClr val="tx1"/>
-                        </a:solidFill>
-                        <a:latin typeface="Cambria Math" panose="02040503050406030204" pitchFamily="18" charset="0"/>
-                      </a:rPr>
-                      <m:t>𝑝𝑥</m:t>
-                    </m:r>
-                  </m:oMath>
-                </a14:m>
-                <a:r>
-                  <a:rPr lang="es-ES" dirty="0">
-                    <a:solidFill>
-                      <a:schemeClr val="tx1"/>
-                    </a:solidFill>
-                  </a:rPr>
-                  <a:t> </a:t>
-                </a:r>
-              </a:p>
-            </p:txBody>
-          </p:sp>
-        </mc:Choice>
-        <mc:Fallback xmlns="">
-          <p:sp>
-            <p:nvSpPr>
-              <p:cNvPr id="17" name="文本框 16">
-                <a:extLst>
-                  <a:ext uri="{FF2B5EF4-FFF2-40B4-BE49-F238E27FC236}">
-                    <a16:creationId xmlns:a16="http://schemas.microsoft.com/office/drawing/2014/main" id="{ED5FA2F6-E084-A7E7-7E38-B5E943045FF0}"/>
-                  </a:ext>
-                </a:extLst>
-              </p:cNvPr>
-              <p:cNvSpPr txBox="1">
-                <a:spLocks noRot="1" noChangeAspect="1" noMove="1" noResize="1" noEditPoints="1" noAdjustHandles="1" noChangeArrowheads="1" noChangeShapeType="1" noTextEdit="1"/>
-              </p:cNvSpPr>
-              <p:nvPr/>
-            </p:nvSpPr>
-            <p:spPr>
-              <a:xfrm>
-                <a:off x="10202186" y="1118101"/>
-                <a:ext cx="1892060" cy="369332"/>
-              </a:xfrm>
-              <a:prstGeom prst="rect">
-                <a:avLst/>
-              </a:prstGeom>
-              <a:blipFill>
-                <a:blip r:embed="rId8"/>
-                <a:stretch>
-                  <a:fillRect l="-2258" t="-3279" b="-18033"/>
-                </a:stretch>
-              </a:blipFill>
-            </p:spPr>
-            <p:txBody>
-              <a:bodyPr/>
-              <a:lstStyle/>
-              <a:p>
-                <a:r>
-                  <a:rPr lang="en-US">
-                    <a:noFill/>
-                  </a:rPr>
-                  <a:t> </a:t>
-                </a:r>
-              </a:p>
-            </p:txBody>
-          </p:sp>
-        </mc:Fallback>
-      </mc:AlternateContent>
-      <p:sp>
-        <p:nvSpPr>
-          <p:cNvPr id="18" name="TextBox 55">
-            <a:extLst>
-              <a:ext uri="{FF2B5EF4-FFF2-40B4-BE49-F238E27FC236}">
-                <a16:creationId xmlns:a16="http://schemas.microsoft.com/office/drawing/2014/main" id="{B80F5DA9-1D1A-FBED-594D-1BD8056403C8}"/>
-              </a:ext>
-            </a:extLst>
-          </p:cNvPr>
-          <p:cNvSpPr txBox="1"/>
-          <p:nvPr/>
-        </p:nvSpPr>
-        <p:spPr>
-          <a:xfrm>
-            <a:off x="10335186" y="1805797"/>
-            <a:ext cx="1404504" cy="1200329"/>
-          </a:xfrm>
-          <a:prstGeom prst="rect">
-            <a:avLst/>
-          </a:prstGeom>
-          <a:noFill/>
-        </p:spPr>
-        <p:txBody>
-          <a:bodyPr wrap="square">
-            <a:spAutoFit/>
-          </a:bodyPr>
-          <a:lstStyle/>
-          <a:p>
-            <a:r>
-              <a:rPr lang="es-ES" dirty="0"/>
-              <a:t>reminder=4</a:t>
-            </a:r>
-          </a:p>
-          <a:p>
-            <a:r>
-              <a:rPr lang="es-ES" dirty="0"/>
-              <a:t>I_0=0</a:t>
-            </a:r>
-          </a:p>
-          <a:p>
-            <a:r>
-              <a:rPr lang="es-ES" dirty="0"/>
-              <a:t>I_1=1</a:t>
-            </a:r>
-          </a:p>
-          <a:p>
-            <a:r>
-              <a:rPr lang="es-ES" dirty="0"/>
-              <a:t>I_-2=0</a:t>
-            </a:r>
-          </a:p>
-        </p:txBody>
-      </p:sp>
-    </p:spTree>
-    <p:extLst>
-      <p:ext uri="{BB962C8B-B14F-4D97-AF65-F5344CB8AC3E}">
-        <p14:creationId xmlns:p14="http://schemas.microsoft.com/office/powerpoint/2010/main" val="2519701660"/>
-      </p:ext>
-    </p:extLst>
-  </p:cSld>
-  <p:clrMapOvr>
-    <a:masterClrMapping/>
-  </p:clrMapOvr>
-</p:sld>
-</file>
-
 <file path=ppt/slides/slide2.xml><?xml version="1.0" encoding="utf-8"?>
 <p:sld xmlns:a="http://schemas.openxmlformats.org/drawingml/2006/main" xmlns:r="http://schemas.openxmlformats.org/officeDocument/2006/relationships" xmlns:p="http://schemas.openxmlformats.org/presentationml/2006/main">
   <p:cSld>
@@ -8404,8 +4921,8 @@
           </a:p>
         </p:txBody>
       </p:sp>
-      <mc:AlternateContent xmlns:mc="http://schemas.openxmlformats.org/markup-compatibility/2006" xmlns:a14="http://schemas.microsoft.com/office/drawing/2010/main">
-        <mc:Choice Requires="a14">
+      <mc:AlternateContent xmlns:mc="http://schemas.openxmlformats.org/markup-compatibility/2006">
+        <mc:Choice xmlns:a14="http://schemas.microsoft.com/office/drawing/2010/main" Requires="a14">
           <p:sp>
             <p:nvSpPr>
               <p:cNvPr id="72" name="TextBox 71">
@@ -8420,7 +4937,7 @@
             </p:nvSpPr>
             <p:spPr>
               <a:xfrm>
-                <a:off x="374472" y="1189605"/>
+                <a:off x="4748095" y="476331"/>
                 <a:ext cx="1813615" cy="369332"/>
               </a:xfrm>
               <a:prstGeom prst="rect">
@@ -8507,7 +5024,7 @@
             </p:txBody>
           </p:sp>
         </mc:Choice>
-        <mc:Fallback xmlns="">
+        <mc:Fallback>
           <p:sp>
             <p:nvSpPr>
               <p:cNvPr id="72" name="TextBox 71">
@@ -8524,7 +5041,7 @@
             </p:nvSpPr>
             <p:spPr>
               <a:xfrm>
-                <a:off x="374472" y="1189605"/>
+                <a:off x="4748095" y="476331"/>
                 <a:ext cx="1813615" cy="369332"/>
               </a:xfrm>
               <a:prstGeom prst="rect">
@@ -8533,7 +5050,7 @@
               <a:blipFill>
                 <a:blip r:embed="rId4"/>
                 <a:stretch>
-                  <a:fillRect l="-2013" t="-3279" b="-18033"/>
+                  <a:fillRect l="-2357" t="-3279" b="-18033"/>
                 </a:stretch>
               </a:blipFill>
             </p:spPr>
@@ -8542,7 +5059,7 @@
               <a:lstStyle/>
               <a:p>
                 <a:r>
-                  <a:rPr lang="en-US">
+                  <a:rPr lang="es-ES">
                     <a:noFill/>
                   </a:rPr>
                   <a:t> </a:t>
@@ -9390,8 +5907,8 @@
           </a:p>
         </p:txBody>
       </p:sp>
-      <mc:AlternateContent xmlns:mc="http://schemas.openxmlformats.org/markup-compatibility/2006" xmlns:a14="http://schemas.microsoft.com/office/drawing/2010/main">
-        <mc:Choice Requires="a14">
+      <mc:AlternateContent xmlns:mc="http://schemas.openxmlformats.org/markup-compatibility/2006">
+        <mc:Choice xmlns:a14="http://schemas.microsoft.com/office/drawing/2010/main" Requires="a14">
           <p:sp>
             <p:nvSpPr>
               <p:cNvPr id="72" name="TextBox 71">
@@ -9406,7 +5923,7 @@
             </p:nvSpPr>
             <p:spPr>
               <a:xfrm>
-                <a:off x="374472" y="1196851"/>
+                <a:off x="5189192" y="283104"/>
                 <a:ext cx="1813615" cy="369332"/>
               </a:xfrm>
               <a:prstGeom prst="rect">
@@ -9499,7 +6016,7 @@
             </p:txBody>
           </p:sp>
         </mc:Choice>
-        <mc:Fallback xmlns="">
+        <mc:Fallback>
           <p:sp>
             <p:nvSpPr>
               <p:cNvPr id="72" name="TextBox 71">
@@ -9516,7 +6033,7 @@
             </p:nvSpPr>
             <p:spPr>
               <a:xfrm>
-                <a:off x="374472" y="1196851"/>
+                <a:off x="5189192" y="283104"/>
                 <a:ext cx="1813615" cy="369332"/>
               </a:xfrm>
               <a:prstGeom prst="rect">
@@ -9534,7 +6051,7 @@
               <a:lstStyle/>
               <a:p>
                 <a:r>
-                  <a:rPr lang="en-US">
+                  <a:rPr lang="es-ES">
                     <a:noFill/>
                   </a:rPr>
                   <a:t> </a:t>
@@ -10000,6 +6517,137 @@
                 <a:srgbClr val="FF0000"/>
               </a:solidFill>
             </a:endParaRPr>
+          </a:p>
+        </p:txBody>
+      </p:sp>
+      <p:sp>
+        <p:nvSpPr>
+          <p:cNvPr id="2" name="TextBox 1">
+            <a:extLst>
+              <a:ext uri="{FF2B5EF4-FFF2-40B4-BE49-F238E27FC236}">
+                <a16:creationId xmlns:a16="http://schemas.microsoft.com/office/drawing/2014/main" id="{BEDA3279-C135-F841-63EC-F21E9CF0E665}"/>
+              </a:ext>
+            </a:extLst>
+          </p:cNvPr>
+          <p:cNvSpPr txBox="1"/>
+          <p:nvPr/>
+        </p:nvSpPr>
+        <p:spPr>
+          <a:xfrm>
+            <a:off x="1652133" y="6003551"/>
+            <a:ext cx="8211287" cy="369332"/>
+          </a:xfrm>
+          <a:prstGeom prst="rect">
+            <a:avLst/>
+          </a:prstGeom>
+          <a:noFill/>
+        </p:spPr>
+        <p:txBody>
+          <a:bodyPr wrap="none" rtlCol="0">
+            <a:spAutoFit/>
+          </a:bodyPr>
+          <a:lstStyle/>
+          <a:p>
+            <a:pPr marL="285750" indent="-285750">
+              <a:buFont typeface="Arial" panose="020B0604020202020204" pitchFamily="34" charset="0"/>
+              <a:buChar char="•"/>
+            </a:pPr>
+            <a:r>
+              <a:rPr lang="es-ES" dirty="0" err="1"/>
+              <a:t>If</a:t>
+            </a:r>
+            <a:r>
+              <a:rPr lang="es-ES" dirty="0"/>
+              <a:t> </a:t>
+            </a:r>
+            <a:r>
+              <a:rPr lang="es-ES" dirty="0" err="1"/>
+              <a:t>the</a:t>
+            </a:r>
+            <a:r>
+              <a:rPr lang="es-ES" dirty="0"/>
+              <a:t> </a:t>
+            </a:r>
+            <a:r>
+              <a:rPr lang="es-ES" dirty="0" err="1"/>
+              <a:t>period</a:t>
+            </a:r>
+            <a:r>
+              <a:rPr lang="es-ES" dirty="0"/>
+              <a:t> </a:t>
+            </a:r>
+            <a:r>
+              <a:rPr lang="es-ES" dirty="0" err="1"/>
+              <a:t>is</a:t>
+            </a:r>
+            <a:r>
+              <a:rPr lang="es-ES" dirty="0"/>
+              <a:t> </a:t>
+            </a:r>
+            <a:r>
+              <a:rPr lang="es-ES" dirty="0" err="1"/>
+              <a:t>not</a:t>
+            </a:r>
+            <a:r>
+              <a:rPr lang="es-ES" dirty="0"/>
+              <a:t> </a:t>
+            </a:r>
+            <a:r>
+              <a:rPr lang="es-ES" dirty="0" err="1"/>
+              <a:t>the</a:t>
+            </a:r>
+            <a:r>
+              <a:rPr lang="es-ES" dirty="0"/>
+              <a:t> divisor </a:t>
+            </a:r>
+            <a:r>
+              <a:rPr lang="es-ES" dirty="0" err="1"/>
+              <a:t>of</a:t>
+            </a:r>
+            <a:r>
+              <a:rPr lang="es-ES" dirty="0"/>
+              <a:t> </a:t>
+            </a:r>
+            <a:r>
+              <a:rPr lang="es-ES" dirty="0" err="1"/>
+              <a:t>the</a:t>
+            </a:r>
+            <a:r>
+              <a:rPr lang="es-ES" dirty="0"/>
+              <a:t> </a:t>
+            </a:r>
+            <a:r>
+              <a:rPr lang="es-ES" dirty="0" err="1"/>
+              <a:t>width</a:t>
+            </a:r>
+            <a:r>
+              <a:rPr lang="es-ES" dirty="0"/>
+              <a:t>, </a:t>
+            </a:r>
+            <a:r>
+              <a:rPr lang="es-ES" dirty="0" err="1"/>
+              <a:t>much</a:t>
+            </a:r>
+            <a:r>
+              <a:rPr lang="es-ES" dirty="0"/>
+              <a:t> more light </a:t>
+            </a:r>
+            <a:r>
+              <a:rPr lang="es-ES" dirty="0" err="1"/>
+              <a:t>will</a:t>
+            </a:r>
+            <a:r>
+              <a:rPr lang="es-ES" dirty="0"/>
+              <a:t> be </a:t>
+            </a:r>
+            <a:r>
+              <a:rPr lang="es-ES" dirty="0" err="1"/>
+              <a:t>background</a:t>
+            </a:r>
+            <a:r>
+              <a:rPr lang="es-ES" dirty="0"/>
+              <a:t>.</a:t>
+            </a:r>
           </a:p>
         </p:txBody>
       </p:sp>
@@ -11253,6 +7901,423 @@
           </p:sp>
         </mc:Fallback>
       </mc:AlternateContent>
+      <p:pic>
+        <p:nvPicPr>
+          <p:cNvPr id="3" name="Picture 2" descr="Red lights in the dark&#10;&#10;Description automatically generated">
+            <a:extLst>
+              <a:ext uri="{FF2B5EF4-FFF2-40B4-BE49-F238E27FC236}">
+                <a16:creationId xmlns:a16="http://schemas.microsoft.com/office/drawing/2014/main" id="{877AAF10-F4E9-C00A-6E06-6F5F6BF90BA8}"/>
+              </a:ext>
+            </a:extLst>
+          </p:cNvPr>
+          <p:cNvPicPr>
+            <a:picLocks noChangeAspect="1"/>
+          </p:cNvPicPr>
+          <p:nvPr/>
+        </p:nvPicPr>
+        <p:blipFill>
+          <a:blip r:embed="rId12">
+            <a:extLst>
+              <a:ext uri="{28A0092B-C50C-407E-A947-70E740481C1C}">
+                <a14:useLocalDpi xmlns:a14="http://schemas.microsoft.com/office/drawing/2010/main" val="0"/>
+              </a:ext>
+            </a:extLst>
+          </a:blip>
+          <a:stretch>
+            <a:fillRect/>
+          </a:stretch>
+        </p:blipFill>
+        <p:spPr>
+          <a:xfrm>
+            <a:off x="9211393" y="205519"/>
+            <a:ext cx="2297050" cy="1722788"/>
+          </a:xfrm>
+          <a:prstGeom prst="rect">
+            <a:avLst/>
+          </a:prstGeom>
+        </p:spPr>
+      </p:pic>
+      <p:pic>
+        <p:nvPicPr>
+          <p:cNvPr id="4" name="Picture 3">
+            <a:extLst>
+              <a:ext uri="{FF2B5EF4-FFF2-40B4-BE49-F238E27FC236}">
+                <a16:creationId xmlns:a16="http://schemas.microsoft.com/office/drawing/2014/main" id="{CF8952E0-C145-E13B-52A5-4CB84B45EC13}"/>
+              </a:ext>
+            </a:extLst>
+          </p:cNvPr>
+          <p:cNvPicPr>
+            <a:picLocks noChangeAspect="1"/>
+          </p:cNvPicPr>
+          <p:nvPr/>
+        </p:nvPicPr>
+        <p:blipFill>
+          <a:blip r:embed="rId13">
+            <a:extLst>
+              <a:ext uri="{28A0092B-C50C-407E-A947-70E740481C1C}">
+                <a14:useLocalDpi xmlns:a14="http://schemas.microsoft.com/office/drawing/2010/main" val="0"/>
+              </a:ext>
+            </a:extLst>
+          </a:blip>
+          <a:srcRect/>
+          <a:stretch/>
+        </p:blipFill>
+        <p:spPr>
+          <a:xfrm>
+            <a:off x="9211393" y="2310910"/>
+            <a:ext cx="2297050" cy="1722787"/>
+          </a:xfrm>
+          <a:prstGeom prst="rect">
+            <a:avLst/>
+          </a:prstGeom>
+        </p:spPr>
+      </p:pic>
+      <p:pic>
+        <p:nvPicPr>
+          <p:cNvPr id="5" name="Picture 4">
+            <a:extLst>
+              <a:ext uri="{FF2B5EF4-FFF2-40B4-BE49-F238E27FC236}">
+                <a16:creationId xmlns:a16="http://schemas.microsoft.com/office/drawing/2014/main" id="{BB360AB4-83C2-4A0F-B80F-5942FAA5AD6A}"/>
+              </a:ext>
+            </a:extLst>
+          </p:cNvPr>
+          <p:cNvPicPr>
+            <a:picLocks noChangeAspect="1"/>
+          </p:cNvPicPr>
+          <p:nvPr/>
+        </p:nvPicPr>
+        <p:blipFill>
+          <a:blip r:embed="rId14">
+            <a:extLst>
+              <a:ext uri="{28A0092B-C50C-407E-A947-70E740481C1C}">
+                <a14:useLocalDpi xmlns:a14="http://schemas.microsoft.com/office/drawing/2010/main" val="0"/>
+              </a:ext>
+            </a:extLst>
+          </a:blip>
+          <a:srcRect/>
+          <a:stretch/>
+        </p:blipFill>
+        <p:spPr>
+          <a:xfrm>
+            <a:off x="9213042" y="4491921"/>
+            <a:ext cx="2384849" cy="1791111"/>
+          </a:xfrm>
+          <a:prstGeom prst="rect">
+            <a:avLst/>
+          </a:prstGeom>
+        </p:spPr>
+      </p:pic>
+      <p:sp>
+        <p:nvSpPr>
+          <p:cNvPr id="14" name="TextBox 13">
+            <a:extLst>
+              <a:ext uri="{FF2B5EF4-FFF2-40B4-BE49-F238E27FC236}">
+                <a16:creationId xmlns:a16="http://schemas.microsoft.com/office/drawing/2014/main" id="{19D2F67F-453F-9C1B-E448-005DCDC23588}"/>
+              </a:ext>
+            </a:extLst>
+          </p:cNvPr>
+          <p:cNvSpPr txBox="1"/>
+          <p:nvPr/>
+        </p:nvSpPr>
+        <p:spPr>
+          <a:xfrm>
+            <a:off x="9767536" y="1894267"/>
+            <a:ext cx="1275862" cy="369332"/>
+          </a:xfrm>
+          <a:prstGeom prst="rect">
+            <a:avLst/>
+          </a:prstGeom>
+          <a:noFill/>
+        </p:spPr>
+        <p:txBody>
+          <a:bodyPr wrap="none" rtlCol="0">
+            <a:spAutoFit/>
+          </a:bodyPr>
+          <a:lstStyle/>
+          <a:p>
+            <a:r>
+              <a:rPr lang="es-ES" dirty="0"/>
+              <a:t>P4 </a:t>
+            </a:r>
+            <a:r>
+              <a:rPr lang="es-ES" dirty="0" err="1"/>
+              <a:t>is</a:t>
+            </a:r>
+            <a:r>
+              <a:rPr lang="es-ES" dirty="0"/>
+              <a:t> at 50°</a:t>
+            </a:r>
+          </a:p>
+        </p:txBody>
+      </p:sp>
+      <p:sp>
+        <p:nvSpPr>
+          <p:cNvPr id="16" name="TextBox 15">
+            <a:extLst>
+              <a:ext uri="{FF2B5EF4-FFF2-40B4-BE49-F238E27FC236}">
+                <a16:creationId xmlns:a16="http://schemas.microsoft.com/office/drawing/2014/main" id="{25BF5373-8317-7C6E-164C-BEA987659BAC}"/>
+              </a:ext>
+            </a:extLst>
+          </p:cNvPr>
+          <p:cNvSpPr txBox="1"/>
+          <p:nvPr/>
+        </p:nvSpPr>
+        <p:spPr>
+          <a:xfrm>
+            <a:off x="9854591" y="4007463"/>
+            <a:ext cx="1275862" cy="369332"/>
+          </a:xfrm>
+          <a:prstGeom prst="rect">
+            <a:avLst/>
+          </a:prstGeom>
+          <a:noFill/>
+        </p:spPr>
+        <p:txBody>
+          <a:bodyPr wrap="none" rtlCol="0">
+            <a:spAutoFit/>
+          </a:bodyPr>
+          <a:lstStyle/>
+          <a:p>
+            <a:r>
+              <a:rPr lang="es-ES" dirty="0"/>
+              <a:t>P4 </a:t>
+            </a:r>
+            <a:r>
+              <a:rPr lang="es-ES" dirty="0" err="1"/>
+              <a:t>is</a:t>
+            </a:r>
+            <a:r>
+              <a:rPr lang="es-ES" dirty="0"/>
+              <a:t> at 50°</a:t>
+            </a:r>
+          </a:p>
+        </p:txBody>
+      </p:sp>
+      <p:sp>
+        <p:nvSpPr>
+          <p:cNvPr id="17" name="TextBox 16">
+            <a:extLst>
+              <a:ext uri="{FF2B5EF4-FFF2-40B4-BE49-F238E27FC236}">
+                <a16:creationId xmlns:a16="http://schemas.microsoft.com/office/drawing/2014/main" id="{866479B9-CAD3-D5E1-030A-BD7C0A62D489}"/>
+              </a:ext>
+            </a:extLst>
+          </p:cNvPr>
+          <p:cNvSpPr txBox="1"/>
+          <p:nvPr/>
+        </p:nvSpPr>
+        <p:spPr>
+          <a:xfrm>
+            <a:off x="9883346" y="6371173"/>
+            <a:ext cx="1354410" cy="369332"/>
+          </a:xfrm>
+          <a:prstGeom prst="rect">
+            <a:avLst/>
+          </a:prstGeom>
+          <a:noFill/>
+        </p:spPr>
+        <p:txBody>
+          <a:bodyPr wrap="none" rtlCol="0">
+            <a:spAutoFit/>
+          </a:bodyPr>
+          <a:lstStyle/>
+          <a:p>
+            <a:r>
+              <a:rPr lang="es-ES" dirty="0"/>
+              <a:t>P4 </a:t>
+            </a:r>
+            <a:r>
+              <a:rPr lang="es-ES" dirty="0" err="1"/>
+              <a:t>is</a:t>
+            </a:r>
+            <a:r>
+              <a:rPr lang="es-ES" dirty="0"/>
+              <a:t> at -80°</a:t>
+            </a:r>
+          </a:p>
+        </p:txBody>
+      </p:sp>
+      <p:cxnSp>
+        <p:nvCxnSpPr>
+          <p:cNvPr id="24" name="Straight Arrow Connector 23">
+            <a:extLst>
+              <a:ext uri="{FF2B5EF4-FFF2-40B4-BE49-F238E27FC236}">
+                <a16:creationId xmlns:a16="http://schemas.microsoft.com/office/drawing/2014/main" id="{9D9A74A4-472A-449D-04BF-856E44A37817}"/>
+              </a:ext>
+            </a:extLst>
+          </p:cNvPr>
+          <p:cNvCxnSpPr/>
+          <p:nvPr/>
+        </p:nvCxnSpPr>
+        <p:spPr>
+          <a:xfrm>
+            <a:off x="475488" y="1401815"/>
+            <a:ext cx="0" cy="947967"/>
+          </a:xfrm>
+          <a:prstGeom prst="straightConnector1">
+            <a:avLst/>
+          </a:prstGeom>
+          <a:ln>
+            <a:headEnd type="triangle"/>
+            <a:tailEnd type="triangle"/>
+          </a:ln>
+        </p:spPr>
+        <p:style>
+          <a:lnRef idx="2">
+            <a:schemeClr val="dk1"/>
+          </a:lnRef>
+          <a:fillRef idx="0">
+            <a:schemeClr val="dk1"/>
+          </a:fillRef>
+          <a:effectRef idx="1">
+            <a:schemeClr val="dk1"/>
+          </a:effectRef>
+          <a:fontRef idx="minor">
+            <a:schemeClr val="tx1"/>
+          </a:fontRef>
+        </p:style>
+      </p:cxnSp>
+      <p:sp>
+        <p:nvSpPr>
+          <p:cNvPr id="26" name="TextBox 25">
+            <a:extLst>
+              <a:ext uri="{FF2B5EF4-FFF2-40B4-BE49-F238E27FC236}">
+                <a16:creationId xmlns:a16="http://schemas.microsoft.com/office/drawing/2014/main" id="{8A229DD3-0052-DE1F-F840-88EF4C7613D0}"/>
+              </a:ext>
+            </a:extLst>
+          </p:cNvPr>
+          <p:cNvSpPr txBox="1"/>
+          <p:nvPr/>
+        </p:nvSpPr>
+        <p:spPr>
+          <a:xfrm flipV="1">
+            <a:off x="67996" y="1456453"/>
+            <a:ext cx="461665" cy="818494"/>
+          </a:xfrm>
+          <a:prstGeom prst="rect">
+            <a:avLst/>
+          </a:prstGeom>
+          <a:noFill/>
+        </p:spPr>
+        <p:txBody>
+          <a:bodyPr vert="eaVert" wrap="none" rtlCol="0">
+            <a:spAutoFit/>
+          </a:bodyPr>
+          <a:lstStyle/>
+          <a:p>
+            <a:r>
+              <a:rPr lang="es-ES" dirty="0"/>
+              <a:t>1080px</a:t>
+            </a:r>
+          </a:p>
+        </p:txBody>
+      </p:sp>
+      <p:cxnSp>
+        <p:nvCxnSpPr>
+          <p:cNvPr id="27" name="Straight Arrow Connector 26">
+            <a:extLst>
+              <a:ext uri="{FF2B5EF4-FFF2-40B4-BE49-F238E27FC236}">
+                <a16:creationId xmlns:a16="http://schemas.microsoft.com/office/drawing/2014/main" id="{2DD8402B-D646-9595-50E1-DA4065F4C4A1}"/>
+              </a:ext>
+            </a:extLst>
+          </p:cNvPr>
+          <p:cNvCxnSpPr>
+            <a:cxnSpLocks/>
+          </p:cNvCxnSpPr>
+          <p:nvPr/>
+        </p:nvCxnSpPr>
+        <p:spPr>
+          <a:xfrm>
+            <a:off x="4005072" y="1890603"/>
+            <a:ext cx="576072" cy="0"/>
+          </a:xfrm>
+          <a:prstGeom prst="straightConnector1">
+            <a:avLst/>
+          </a:prstGeom>
+          <a:ln>
+            <a:headEnd type="triangle"/>
+            <a:tailEnd type="triangle"/>
+          </a:ln>
+        </p:spPr>
+        <p:style>
+          <a:lnRef idx="2">
+            <a:schemeClr val="accent1"/>
+          </a:lnRef>
+          <a:fillRef idx="0">
+            <a:schemeClr val="accent1"/>
+          </a:fillRef>
+          <a:effectRef idx="1">
+            <a:schemeClr val="accent1"/>
+          </a:effectRef>
+          <a:fontRef idx="minor">
+            <a:schemeClr val="tx1"/>
+          </a:fontRef>
+        </p:style>
+      </p:cxnSp>
+      <p:sp>
+        <p:nvSpPr>
+          <p:cNvPr id="33" name="TextBox 32">
+            <a:extLst>
+              <a:ext uri="{FF2B5EF4-FFF2-40B4-BE49-F238E27FC236}">
+                <a16:creationId xmlns:a16="http://schemas.microsoft.com/office/drawing/2014/main" id="{886D3D1A-C612-153C-B723-0003FAEF759C}"/>
+              </a:ext>
+            </a:extLst>
+          </p:cNvPr>
+          <p:cNvSpPr txBox="1"/>
+          <p:nvPr/>
+        </p:nvSpPr>
+        <p:spPr>
+          <a:xfrm>
+            <a:off x="1533906" y="6025591"/>
+            <a:ext cx="3047238" cy="646331"/>
+          </a:xfrm>
+          <a:prstGeom prst="rect">
+            <a:avLst/>
+          </a:prstGeom>
+          <a:noFill/>
+        </p:spPr>
+        <p:txBody>
+          <a:bodyPr wrap="square">
+            <a:spAutoFit/>
+          </a:bodyPr>
+          <a:lstStyle/>
+          <a:p>
+            <a:pPr marL="285750" indent="-285750">
+              <a:buFont typeface="Arial" panose="020B0604020202020204" pitchFamily="34" charset="0"/>
+              <a:buChar char="•"/>
+            </a:pPr>
+            <a:r>
+              <a:rPr lang="es-ES" dirty="0"/>
+              <a:t>Phase1=</a:t>
+            </a:r>
+            <a:r>
+              <a:rPr lang="es-ES" dirty="0" err="1"/>
+              <a:t>exp</a:t>
+            </a:r>
+            <a:r>
+              <a:rPr lang="es-ES" dirty="0"/>
+              <a:t>(i*0)</a:t>
+            </a:r>
+          </a:p>
+          <a:p>
+            <a:pPr marL="285750" indent="-285750">
+              <a:buFont typeface="Arial" panose="020B0604020202020204" pitchFamily="34" charset="0"/>
+              <a:buChar char="•"/>
+            </a:pPr>
+            <a:r>
+              <a:rPr lang="es-ES" dirty="0"/>
+              <a:t>Phase2=</a:t>
+            </a:r>
+            <a:r>
+              <a:rPr lang="es-ES" dirty="0" err="1"/>
+              <a:t>exp</a:t>
+            </a:r>
+            <a:r>
+              <a:rPr lang="es-ES" dirty="0"/>
+              <a:t>(i*0.64*π)</a:t>
+            </a:r>
+          </a:p>
+        </p:txBody>
+      </p:sp>
     </p:spTree>
     <p:extLst>
       <p:ext uri="{BB962C8B-B14F-4D97-AF65-F5344CB8AC3E}">
@@ -11409,7 +8474,7 @@
         </p:nvSpPr>
         <p:spPr>
           <a:xfrm>
-            <a:off x="120532" y="3065455"/>
+            <a:off x="120532" y="3723179"/>
             <a:ext cx="1404504" cy="1200329"/>
           </a:xfrm>
           <a:prstGeom prst="rect">
@@ -11527,7 +8592,7 @@
         </p:blipFill>
         <p:spPr>
           <a:xfrm>
-            <a:off x="1516089" y="2494733"/>
+            <a:off x="1516089" y="3152457"/>
             <a:ext cx="1905000" cy="2381250"/>
           </a:xfrm>
           <a:prstGeom prst="rect">
@@ -11924,7 +8989,7 @@
         </p:blipFill>
         <p:spPr>
           <a:xfrm>
-            <a:off x="5093728" y="2521761"/>
+            <a:off x="5093728" y="3179485"/>
             <a:ext cx="1905000" cy="2381250"/>
           </a:xfrm>
           <a:prstGeom prst="rect">
@@ -11968,8 +9033,8 @@
           </a:p>
         </p:txBody>
       </p:sp>
-      <mc:AlternateContent xmlns:mc="http://schemas.openxmlformats.org/markup-compatibility/2006" xmlns:a14="http://schemas.microsoft.com/office/drawing/2010/main">
-        <mc:Choice Requires="a14">
+      <mc:AlternateContent xmlns:mc="http://schemas.openxmlformats.org/markup-compatibility/2006">
+        <mc:Choice xmlns:a14="http://schemas.microsoft.com/office/drawing/2010/main" Requires="a14">
           <p:sp>
             <p:nvSpPr>
               <p:cNvPr id="27" name="TextBox 71">
@@ -11984,8 +9049,8 @@
             </p:nvSpPr>
             <p:spPr>
               <a:xfrm>
-                <a:off x="6199865" y="763721"/>
-                <a:ext cx="1813615" cy="369332"/>
+                <a:off x="6199864" y="763721"/>
+                <a:ext cx="2334429" cy="369332"/>
               </a:xfrm>
               <a:prstGeom prst="rect">
                 <a:avLst/>
@@ -12057,6 +9122,25 @@
                       </a:rPr>
                       <m:t>𝑝𝑥</m:t>
                     </m:r>
+                    <m:r>
+                      <a:rPr lang="es-ES" b="0" i="1" smtClean="0">
+                        <a:solidFill>
+                          <a:schemeClr val="tx1"/>
+                        </a:solidFill>
+                        <a:latin typeface="Cambria Math" panose="02040503050406030204" pitchFamily="18" charset="0"/>
+                      </a:rPr>
+                      <m:t>,1.85</m:t>
+                    </m:r>
+                    <m:r>
+                      <a:rPr lang="es-ES" b="0" i="1" smtClean="0">
+                        <a:solidFill>
+                          <a:schemeClr val="tx1"/>
+                        </a:solidFill>
+                        <a:latin typeface="Cambria Math" panose="02040503050406030204" pitchFamily="18" charset="0"/>
+                        <a:ea typeface="Cambria Math" panose="02040503050406030204" pitchFamily="18" charset="0"/>
+                      </a:rPr>
+                      <m:t>𝜋</m:t>
+                    </m:r>
                   </m:oMath>
                 </a14:m>
                 <a:r>
@@ -12071,7 +9155,7 @@
             </p:txBody>
           </p:sp>
         </mc:Choice>
-        <mc:Fallback xmlns="">
+        <mc:Fallback>
           <p:sp>
             <p:nvSpPr>
               <p:cNvPr id="27" name="TextBox 71">
@@ -12088,8 +9172,8 @@
             </p:nvSpPr>
             <p:spPr>
               <a:xfrm>
-                <a:off x="6199865" y="763721"/>
-                <a:ext cx="1813615" cy="369332"/>
+                <a:off x="6199864" y="763721"/>
+                <a:ext cx="2334429" cy="369332"/>
               </a:xfrm>
               <a:prstGeom prst="rect">
                 <a:avLst/>
@@ -12097,7 +9181,7 @@
               <a:blipFill>
                 <a:blip r:embed="rId10"/>
                 <a:stretch>
-                  <a:fillRect l="-2013" t="-3279" b="-18033"/>
+                  <a:fillRect l="-1567" t="-3279" b="-18033"/>
                 </a:stretch>
               </a:blipFill>
             </p:spPr>
@@ -12106,7 +9190,7 @@
               <a:lstStyle/>
               <a:p>
                 <a:r>
-                  <a:rPr lang="en-US">
+                  <a:rPr lang="es-ES">
                     <a:noFill/>
                   </a:rPr>
                   <a:t> </a:t>
@@ -12116,8 +9200,8 @@
           </p:sp>
         </mc:Fallback>
       </mc:AlternateContent>
-      <mc:AlternateContent xmlns:mc="http://schemas.openxmlformats.org/markup-compatibility/2006" xmlns:a14="http://schemas.microsoft.com/office/drawing/2010/main">
-        <mc:Choice Requires="a14">
+      <mc:AlternateContent xmlns:mc="http://schemas.openxmlformats.org/markup-compatibility/2006">
+        <mc:Choice xmlns:a14="http://schemas.microsoft.com/office/drawing/2010/main" Requires="a14">
           <p:sp>
             <p:nvSpPr>
               <p:cNvPr id="40" name="TextBox 71">
@@ -12132,8 +9216,8 @@
             </p:nvSpPr>
             <p:spPr>
               <a:xfrm>
-                <a:off x="9367231" y="763721"/>
-                <a:ext cx="1813615" cy="369332"/>
+                <a:off x="9217153" y="763721"/>
+                <a:ext cx="2232150" cy="369332"/>
               </a:xfrm>
               <a:prstGeom prst="rect">
                 <a:avLst/>
@@ -12199,273 +9283,14 @@
                       </a:rPr>
                       <m:t>𝑝𝑥</m:t>
                     </m:r>
-                  </m:oMath>
-                </a14:m>
-                <a:r>
-                  <a:rPr lang="es-ES" dirty="0">
-                    <a:solidFill>
-                      <a:schemeClr val="tx1"/>
-                    </a:solidFill>
-                  </a:rPr>
-                  <a:t> </a:t>
-                </a:r>
-              </a:p>
-            </p:txBody>
-          </p:sp>
-        </mc:Choice>
-        <mc:Fallback xmlns="">
-          <p:sp>
-            <p:nvSpPr>
-              <p:cNvPr id="40" name="TextBox 71">
-                <a:extLst>
-                  <a:ext uri="{FF2B5EF4-FFF2-40B4-BE49-F238E27FC236}">
-                    <a16:creationId xmlns:a16="http://schemas.microsoft.com/office/drawing/2014/main" id="{690AC0E7-2307-7D55-CF1B-E0130D333C4A}"/>
-                  </a:ext>
-                </a:extLst>
-              </p:cNvPr>
-              <p:cNvSpPr txBox="1">
-                <a:spLocks noRot="1" noChangeAspect="1" noMove="1" noResize="1" noEditPoints="1" noAdjustHandles="1" noChangeArrowheads="1" noChangeShapeType="1" noTextEdit="1"/>
-              </p:cNvSpPr>
-              <p:nvPr/>
-            </p:nvSpPr>
-            <p:spPr>
-              <a:xfrm>
-                <a:off x="9367231" y="763721"/>
-                <a:ext cx="1813615" cy="369332"/>
-              </a:xfrm>
-              <a:prstGeom prst="rect">
-                <a:avLst/>
-              </a:prstGeom>
-              <a:blipFill>
-                <a:blip r:embed="rId11"/>
-                <a:stretch>
-                  <a:fillRect l="-2357" t="-3279" b="-18033"/>
-                </a:stretch>
-              </a:blipFill>
-            </p:spPr>
-            <p:txBody>
-              <a:bodyPr/>
-              <a:lstStyle/>
-              <a:p>
-                <a:r>
-                  <a:rPr lang="en-US">
-                    <a:noFill/>
-                  </a:rPr>
-                  <a:t> </a:t>
-                </a:r>
-              </a:p>
-            </p:txBody>
-          </p:sp>
-        </mc:Fallback>
-      </mc:AlternateContent>
-      <p:sp>
-        <p:nvSpPr>
-          <p:cNvPr id="4" name="TextBox 55">
-            <a:extLst>
-              <a:ext uri="{FF2B5EF4-FFF2-40B4-BE49-F238E27FC236}">
-                <a16:creationId xmlns:a16="http://schemas.microsoft.com/office/drawing/2014/main" id="{B10D4AEA-C793-4AE4-4DB2-FF6C158063A1}"/>
-              </a:ext>
-            </a:extLst>
-          </p:cNvPr>
-          <p:cNvSpPr txBox="1"/>
-          <p:nvPr/>
-        </p:nvSpPr>
-        <p:spPr>
-          <a:xfrm>
-            <a:off x="3763273" y="2982356"/>
-            <a:ext cx="1404504" cy="1477328"/>
-          </a:xfrm>
-          <a:prstGeom prst="rect">
-            <a:avLst/>
-          </a:prstGeom>
-          <a:noFill/>
-        </p:spPr>
-        <p:txBody>
-          <a:bodyPr wrap="square">
-            <a:spAutoFit/>
-          </a:bodyPr>
-          <a:lstStyle/>
-          <a:p>
-            <a:r>
-              <a:rPr lang="es-ES" dirty="0"/>
-              <a:t>1.85</a:t>
-            </a:r>
-            <a:r>
-              <a:rPr lang="en-US" altLang="zh-CN" dirty="0"/>
-              <a:t>pi</a:t>
-            </a:r>
-            <a:endParaRPr lang="es-ES" dirty="0"/>
-          </a:p>
-          <a:p>
-            <a:r>
-              <a:rPr lang="es-ES" dirty="0"/>
-              <a:t>I_-1=0.1596</a:t>
-            </a:r>
-          </a:p>
-          <a:p>
-            <a:r>
-              <a:rPr lang="es-ES" dirty="0"/>
-              <a:t>I_0=0.1397</a:t>
-            </a:r>
-          </a:p>
-          <a:p>
-            <a:r>
-              <a:rPr lang="es-ES" dirty="0"/>
-              <a:t>I_1=0.2084</a:t>
-            </a:r>
-          </a:p>
-          <a:p>
-            <a:endParaRPr lang="es-ES" dirty="0"/>
-          </a:p>
-        </p:txBody>
-      </p:sp>
-      <p:sp>
-        <p:nvSpPr>
-          <p:cNvPr id="7" name="TextBox 24">
-            <a:extLst>
-              <a:ext uri="{FF2B5EF4-FFF2-40B4-BE49-F238E27FC236}">
-                <a16:creationId xmlns:a16="http://schemas.microsoft.com/office/drawing/2014/main" id="{C28B20B0-92A0-A82D-8E28-258485114474}"/>
-              </a:ext>
-            </a:extLst>
-          </p:cNvPr>
-          <p:cNvSpPr txBox="1"/>
-          <p:nvPr/>
-        </p:nvSpPr>
-        <p:spPr>
-          <a:xfrm>
-            <a:off x="5722815" y="1567877"/>
-            <a:ext cx="354330" cy="369332"/>
-          </a:xfrm>
-          <a:prstGeom prst="rect">
-            <a:avLst/>
-          </a:prstGeom>
-          <a:noFill/>
-        </p:spPr>
-        <p:txBody>
-          <a:bodyPr wrap="square">
-            <a:spAutoFit/>
-          </a:bodyPr>
-          <a:lstStyle/>
-          <a:p>
-            <a:r>
-              <a:rPr lang="en-GB" dirty="0"/>
-              <a:t>×</a:t>
-            </a:r>
-            <a:endParaRPr lang="es-ES" dirty="0"/>
-          </a:p>
-        </p:txBody>
-      </p:sp>
-    </p:spTree>
-    <p:extLst>
-      <p:ext uri="{BB962C8B-B14F-4D97-AF65-F5344CB8AC3E}">
-        <p14:creationId xmlns:p14="http://schemas.microsoft.com/office/powerpoint/2010/main" val="4059194414"/>
-      </p:ext>
-    </p:extLst>
-  </p:cSld>
-  <p:clrMapOvr>
-    <a:masterClrMapping/>
-  </p:clrMapOvr>
-</p:sld>
-</file>
-
-<file path=ppt/slides/slide6.xml><?xml version="1.0" encoding="utf-8"?>
-<p:sld xmlns:a="http://schemas.openxmlformats.org/drawingml/2006/main" xmlns:r="http://schemas.openxmlformats.org/officeDocument/2006/relationships" xmlns:p="http://schemas.openxmlformats.org/presentationml/2006/main">
-  <p:cSld>
-    <p:spTree>
-      <p:nvGrpSpPr>
-        <p:cNvPr id="1" name=""/>
-        <p:cNvGrpSpPr/>
-        <p:nvPr/>
-      </p:nvGrpSpPr>
-      <p:grpSpPr>
-        <a:xfrm>
-          <a:off x="0" y="0"/>
-          <a:ext cx="0" cy="0"/>
-          <a:chOff x="0" y="0"/>
-          <a:chExt cx="0" cy="0"/>
-        </a:xfrm>
-      </p:grpSpPr>
-      <p:pic>
-        <p:nvPicPr>
-          <p:cNvPr id="4" name="Picture 22">
-            <a:extLst>
-              <a:ext uri="{FF2B5EF4-FFF2-40B4-BE49-F238E27FC236}">
-                <a16:creationId xmlns:a16="http://schemas.microsoft.com/office/drawing/2014/main" id="{B2424460-A351-076B-0FAD-426610A58BAF}"/>
-              </a:ext>
-            </a:extLst>
-          </p:cNvPr>
-          <p:cNvPicPr>
-            <a:picLocks noChangeAspect="1"/>
-          </p:cNvPicPr>
-          <p:nvPr/>
-        </p:nvPicPr>
-        <p:blipFill>
-          <a:blip r:embed="rId2">
-            <a:extLst>
-              <a:ext uri="{28A0092B-C50C-407E-A947-70E740481C1C}">
-                <a14:useLocalDpi xmlns:a14="http://schemas.microsoft.com/office/drawing/2010/main" val="0"/>
-              </a:ext>
-            </a:extLst>
-          </a:blip>
-          <a:srcRect/>
-          <a:stretch/>
-        </p:blipFill>
-        <p:spPr>
-          <a:xfrm>
-            <a:off x="1626923" y="1278559"/>
-            <a:ext cx="1677173" cy="947967"/>
-          </a:xfrm>
-          <a:prstGeom prst="rect">
-            <a:avLst/>
-          </a:prstGeom>
-        </p:spPr>
-      </p:pic>
-      <mc:AlternateContent xmlns:mc="http://schemas.openxmlformats.org/markup-compatibility/2006">
-        <mc:Choice xmlns:a14="http://schemas.microsoft.com/office/drawing/2010/main" Requires="a14">
-          <p:sp>
-            <p:nvSpPr>
-              <p:cNvPr id="5" name="TextBox 71">
-                <a:extLst>
-                  <a:ext uri="{FF2B5EF4-FFF2-40B4-BE49-F238E27FC236}">
-                    <a16:creationId xmlns:a16="http://schemas.microsoft.com/office/drawing/2014/main" id="{0B86EB1A-3E36-9447-EC25-CD790756AA49}"/>
-                  </a:ext>
-                </a:extLst>
-              </p:cNvPr>
-              <p:cNvSpPr txBox="1"/>
-              <p:nvPr/>
-            </p:nvSpPr>
-            <p:spPr>
-              <a:xfrm>
-                <a:off x="1626923" y="729086"/>
-                <a:ext cx="1813615" cy="369332"/>
-              </a:xfrm>
-              <a:prstGeom prst="rect">
-                <a:avLst/>
-              </a:prstGeom>
-              <a:solidFill>
-                <a:schemeClr val="bg1"/>
-              </a:solidFill>
-            </p:spPr>
-            <p:txBody>
-              <a:bodyPr wrap="square">
-                <a:spAutoFit/>
-              </a:bodyPr>
-              <a:lstStyle/>
-              <a:p>
-                <a:pPr marL="285750" indent="-285750">
-                  <a:buFont typeface="Arial" panose="020B0604020202020204" pitchFamily="34" charset="0"/>
-                  <a:buChar char="•"/>
-                </a:pPr>
-                <a14:m>
-                  <m:oMath xmlns:m="http://schemas.openxmlformats.org/officeDocument/2006/math">
                     <m:r>
-                      <a:rPr lang="en-US" b="0" i="1" smtClean="0">
+                      <a:rPr lang="es-ES" b="0" i="1" smtClean="0">
                         <a:solidFill>
                           <a:schemeClr val="tx1"/>
                         </a:solidFill>
                         <a:latin typeface="Cambria Math" panose="02040503050406030204" pitchFamily="18" charset="0"/>
                       </a:rPr>
-                      <m:t>𝑤</m:t>
+                      <m:t>,1.85</m:t>
                     </m:r>
                     <m:r>
                       <a:rPr lang="es-ES" b="0" i="1" smtClean="0">
@@ -12473,41 +9298,9 @@
                           <a:schemeClr val="tx1"/>
                         </a:solidFill>
                         <a:latin typeface="Cambria Math" panose="02040503050406030204" pitchFamily="18" charset="0"/>
+                        <a:ea typeface="Cambria Math" panose="02040503050406030204" pitchFamily="18" charset="0"/>
                       </a:rPr>
-                      <m:t>=</m:t>
-                    </m:r>
-                  </m:oMath>
-                </a14:m>
-                <a:r>
-                  <a:rPr lang="en-GB" dirty="0">
-                    <a:solidFill>
-                      <a:schemeClr val="tx1"/>
-                    </a:solidFill>
-                  </a:rPr>
-                  <a:t> </a:t>
-                </a:r>
-                <a14:m>
-                  <m:oMath xmlns:m="http://schemas.openxmlformats.org/officeDocument/2006/math">
-                    <m:r>
-                      <a:rPr lang="en-US" i="1">
-                        <a:latin typeface="Cambria Math" panose="02040503050406030204" pitchFamily="18" charset="0"/>
-                      </a:rPr>
-                      <m:t>1</m:t>
-                    </m:r>
-                    <m:r>
-                      <a:rPr lang="en-US" b="0" i="1" smtClean="0">
-                        <a:latin typeface="Cambria Math" panose="02040503050406030204" pitchFamily="18" charset="0"/>
-                      </a:rPr>
-                      <m:t>50</m:t>
-                    </m:r>
-                    <m:r>
-                      <a:rPr lang="es-ES" b="0" i="1" smtClean="0">
-                        <a:solidFill>
-                          <a:schemeClr val="tx1"/>
-                        </a:solidFill>
-                        <a:latin typeface="Cambria Math" panose="02040503050406030204" pitchFamily="18" charset="0"/>
-                      </a:rPr>
-                      <m:t>𝑝𝑥</m:t>
+                      <m:t>𝜋</m:t>
                     </m:r>
                   </m:oMath>
                 </a14:m>
@@ -12526,10 +9319,10 @@
         <mc:Fallback>
           <p:sp>
             <p:nvSpPr>
-              <p:cNvPr id="5" name="TextBox 71">
+              <p:cNvPr id="40" name="TextBox 71">
                 <a:extLst>
                   <a:ext uri="{FF2B5EF4-FFF2-40B4-BE49-F238E27FC236}">
-                    <a16:creationId xmlns:a16="http://schemas.microsoft.com/office/drawing/2014/main" id="{0B86EB1A-3E36-9447-EC25-CD790756AA49}"/>
+                    <a16:creationId xmlns:a16="http://schemas.microsoft.com/office/drawing/2014/main" id="{690AC0E7-2307-7D55-CF1B-E0130D333C4A}"/>
                   </a:ext>
                 </a:extLst>
               </p:cNvPr>
@@ -12540,16 +9333,16 @@
             </p:nvSpPr>
             <p:spPr>
               <a:xfrm>
-                <a:off x="1626923" y="729086"/>
-                <a:ext cx="1813615" cy="369332"/>
+                <a:off x="9217153" y="763721"/>
+                <a:ext cx="2232150" cy="369332"/>
               </a:xfrm>
               <a:prstGeom prst="rect">
                 <a:avLst/>
               </a:prstGeom>
               <a:blipFill>
-                <a:blip r:embed="rId3"/>
+                <a:blip r:embed="rId11"/>
                 <a:stretch>
-                  <a:fillRect l="-2357" t="-5000" b="-20000"/>
+                  <a:fillRect l="-1639" t="-3279" b="-18033"/>
                 </a:stretch>
               </a:blipFill>
             </p:spPr>
@@ -12558,7 +9351,7 @@
               <a:lstStyle/>
               <a:p>
                 <a:r>
-                  <a:rPr lang="en-US">
+                  <a:rPr lang="es-ES">
                     <a:noFill/>
                   </a:rPr>
                   <a:t> </a:t>
@@ -12568,12 +9361,98 @@
           </p:sp>
         </mc:Fallback>
       </mc:AlternateContent>
+      <p:sp>
+        <p:nvSpPr>
+          <p:cNvPr id="4" name="TextBox 55">
+            <a:extLst>
+              <a:ext uri="{FF2B5EF4-FFF2-40B4-BE49-F238E27FC236}">
+                <a16:creationId xmlns:a16="http://schemas.microsoft.com/office/drawing/2014/main" id="{B10D4AEA-C793-4AE4-4DB2-FF6C158063A1}"/>
+              </a:ext>
+            </a:extLst>
+          </p:cNvPr>
+          <p:cNvSpPr txBox="1"/>
+          <p:nvPr/>
+        </p:nvSpPr>
+        <p:spPr>
+          <a:xfrm>
+            <a:off x="3763273" y="3640080"/>
+            <a:ext cx="1404504" cy="1200329"/>
+          </a:xfrm>
+          <a:prstGeom prst="rect">
+            <a:avLst/>
+          </a:prstGeom>
+          <a:noFill/>
+        </p:spPr>
+        <p:txBody>
+          <a:bodyPr wrap="square">
+            <a:spAutoFit/>
+          </a:bodyPr>
+          <a:lstStyle/>
+          <a:p>
+            <a:r>
+              <a:rPr lang="es-ES" dirty="0"/>
+              <a:t>I_-1=0.1596</a:t>
+            </a:r>
+          </a:p>
+          <a:p>
+            <a:r>
+              <a:rPr lang="es-ES" dirty="0"/>
+              <a:t>I_0=0.1397</a:t>
+            </a:r>
+          </a:p>
+          <a:p>
+            <a:r>
+              <a:rPr lang="es-ES" dirty="0"/>
+              <a:t>I_1=0.2084</a:t>
+            </a:r>
+          </a:p>
+          <a:p>
+            <a:endParaRPr lang="es-ES" dirty="0"/>
+          </a:p>
+        </p:txBody>
+      </p:sp>
+      <p:sp>
+        <p:nvSpPr>
+          <p:cNvPr id="7" name="TextBox 24">
+            <a:extLst>
+              <a:ext uri="{FF2B5EF4-FFF2-40B4-BE49-F238E27FC236}">
+                <a16:creationId xmlns:a16="http://schemas.microsoft.com/office/drawing/2014/main" id="{C28B20B0-92A0-A82D-8E28-258485114474}"/>
+              </a:ext>
+            </a:extLst>
+          </p:cNvPr>
+          <p:cNvSpPr txBox="1"/>
+          <p:nvPr/>
+        </p:nvSpPr>
+        <p:spPr>
+          <a:xfrm>
+            <a:off x="5722815" y="1567877"/>
+            <a:ext cx="354330" cy="369332"/>
+          </a:xfrm>
+          <a:prstGeom prst="rect">
+            <a:avLst/>
+          </a:prstGeom>
+          <a:noFill/>
+        </p:spPr>
+        <p:txBody>
+          <a:bodyPr wrap="square">
+            <a:spAutoFit/>
+          </a:bodyPr>
+          <a:lstStyle/>
+          <a:p>
+            <a:r>
+              <a:rPr lang="en-GB" dirty="0"/>
+              <a:t>×</a:t>
+            </a:r>
+            <a:endParaRPr lang="es-ES" dirty="0"/>
+          </a:p>
+        </p:txBody>
+      </p:sp>
       <p:pic>
         <p:nvPicPr>
-          <p:cNvPr id="6" name="图片 5" descr="背景图案&#10;&#10;描述已自动生成">
-            <a:extLst>
-              <a:ext uri="{FF2B5EF4-FFF2-40B4-BE49-F238E27FC236}">
-                <a16:creationId xmlns:a16="http://schemas.microsoft.com/office/drawing/2014/main" id="{37BE6941-7E21-B769-1683-EB00AA6978EF}"/>
+          <p:cNvPr id="3" name="Picture 2" descr="Red lights in the dark&#10;&#10;Description automatically generated">
+            <a:extLst>
+              <a:ext uri="{FF2B5EF4-FFF2-40B4-BE49-F238E27FC236}">
+                <a16:creationId xmlns:a16="http://schemas.microsoft.com/office/drawing/2014/main" id="{DD3BB113-AD4A-D4D4-991A-F15F0480249A}"/>
               </a:ext>
             </a:extLst>
           </p:cNvPr>
@@ -12583,7 +9462,7 @@
           <p:nvPr/>
         </p:nvPicPr>
         <p:blipFill>
-          <a:blip r:embed="rId4">
+          <a:blip r:embed="rId12">
             <a:extLst>
               <a:ext uri="{28A0092B-C50C-407E-A947-70E740481C1C}">
                 <a14:useLocalDpi xmlns:a14="http://schemas.microsoft.com/office/drawing/2010/main" val="0"/>
@@ -12596,56 +9475,20 @@
         </p:blipFill>
         <p:spPr>
           <a:xfrm>
-            <a:off x="4482100" y="1278560"/>
-            <a:ext cx="1685274" cy="947967"/>
+            <a:off x="7908247" y="3179485"/>
+            <a:ext cx="3174999" cy="2381250"/>
           </a:xfrm>
           <a:prstGeom prst="rect">
             <a:avLst/>
           </a:prstGeom>
         </p:spPr>
       </p:pic>
-      <p:pic>
-        <p:nvPicPr>
-          <p:cNvPr id="7" name="图片 6" descr="背景图案&#10;&#10;描述已自动生成">
-            <a:extLst>
-              <a:ext uri="{FF2B5EF4-FFF2-40B4-BE49-F238E27FC236}">
-                <a16:creationId xmlns:a16="http://schemas.microsoft.com/office/drawing/2014/main" id="{CC5F7DE6-7F46-BAEA-2750-8C8DA7D35AFB}"/>
-              </a:ext>
-            </a:extLst>
-          </p:cNvPr>
-          <p:cNvPicPr>
-            <a:picLocks noChangeAspect="1"/>
-          </p:cNvPicPr>
-          <p:nvPr/>
-        </p:nvPicPr>
-        <p:blipFill>
-          <a:blip r:embed="rId5">
-            <a:extLst>
-              <a:ext uri="{28A0092B-C50C-407E-A947-70E740481C1C}">
-                <a14:useLocalDpi xmlns:a14="http://schemas.microsoft.com/office/drawing/2010/main" val="0"/>
-              </a:ext>
-            </a:extLst>
-          </a:blip>
-          <a:stretch>
-            <a:fillRect/>
-          </a:stretch>
-        </p:blipFill>
-        <p:spPr>
-          <a:xfrm>
-            <a:off x="7548650" y="1278560"/>
-            <a:ext cx="1685274" cy="947967"/>
-          </a:xfrm>
-          <a:prstGeom prst="rect">
-            <a:avLst/>
-          </a:prstGeom>
-        </p:spPr>
-      </p:pic>
-      <p:sp>
-        <p:nvSpPr>
-          <p:cNvPr id="8" name="TextBox 24">
-            <a:extLst>
-              <a:ext uri="{FF2B5EF4-FFF2-40B4-BE49-F238E27FC236}">
-                <a16:creationId xmlns:a16="http://schemas.microsoft.com/office/drawing/2014/main" id="{4FBAC9C6-F48E-FDE7-CFE7-AE6D8248025C}"/>
+      <p:sp>
+        <p:nvSpPr>
+          <p:cNvPr id="8" name="TextBox 7">
+            <a:extLst>
+              <a:ext uri="{FF2B5EF4-FFF2-40B4-BE49-F238E27FC236}">
+                <a16:creationId xmlns:a16="http://schemas.microsoft.com/office/drawing/2014/main" id="{70FB6E54-DF78-A03D-082B-F10F920888EC}"/>
               </a:ext>
             </a:extLst>
           </p:cNvPr>
@@ -12654,8 +9497,8 @@
         </p:nvSpPr>
         <p:spPr>
           <a:xfrm>
-            <a:off x="6740128" y="1567877"/>
-            <a:ext cx="354330" cy="369332"/>
+            <a:off x="6647688" y="5579440"/>
+            <a:ext cx="5544312" cy="1200329"/>
           </a:xfrm>
           <a:prstGeom prst="rect">
             <a:avLst/>
@@ -12668,168 +9511,163 @@
           </a:bodyPr>
           <a:lstStyle/>
           <a:p>
-            <a:r>
-              <a:rPr lang="en-GB" dirty="0"/>
-              <a:t>×</a:t>
-            </a:r>
-            <a:endParaRPr lang="es-ES" dirty="0"/>
-          </a:p>
-        </p:txBody>
-      </p:sp>
-      <mc:AlternateContent xmlns:mc="http://schemas.openxmlformats.org/markup-compatibility/2006">
-        <mc:Choice xmlns:a14="http://schemas.microsoft.com/office/drawing/2010/main" Requires="a14">
-          <p:sp>
-            <p:nvSpPr>
-              <p:cNvPr id="9" name="TextBox 71">
-                <a:extLst>
-                  <a:ext uri="{FF2B5EF4-FFF2-40B4-BE49-F238E27FC236}">
-                    <a16:creationId xmlns:a16="http://schemas.microsoft.com/office/drawing/2014/main" id="{804C5732-36EF-1D77-043C-315D82B24B4C}"/>
-                  </a:ext>
-                </a:extLst>
-              </p:cNvPr>
-              <p:cNvSpPr txBox="1"/>
-              <p:nvPr/>
-            </p:nvSpPr>
-            <p:spPr>
-              <a:xfrm>
-                <a:off x="4405699" y="763721"/>
-                <a:ext cx="1813615" cy="369332"/>
-              </a:xfrm>
-              <a:prstGeom prst="rect">
-                <a:avLst/>
-              </a:prstGeom>
-              <a:solidFill>
-                <a:schemeClr val="bg1"/>
-              </a:solidFill>
-            </p:spPr>
-            <p:txBody>
-              <a:bodyPr wrap="square">
-                <a:spAutoFit/>
-              </a:bodyPr>
-              <a:lstStyle/>
-              <a:p>
-                <a:pPr marL="285750" indent="-285750">
-                  <a:buFont typeface="Arial" panose="020B0604020202020204" pitchFamily="34" charset="0"/>
-                  <a:buChar char="•"/>
-                </a:pPr>
-                <a14:m>
-                  <m:oMath xmlns:m="http://schemas.openxmlformats.org/officeDocument/2006/math">
-                    <m:r>
-                      <a:rPr lang="es-ES" i="1" smtClean="0">
-                        <a:solidFill>
-                          <a:schemeClr val="tx1"/>
-                        </a:solidFill>
-                        <a:latin typeface="Cambria Math" panose="02040503050406030204" pitchFamily="18" charset="0"/>
-                      </a:rPr>
-                      <m:t>𝑝</m:t>
-                    </m:r>
-                    <m:r>
-                      <a:rPr lang="es-ES" b="0" i="1" smtClean="0">
-                        <a:solidFill>
-                          <a:schemeClr val="tx1"/>
-                        </a:solidFill>
-                        <a:latin typeface="Cambria Math" panose="02040503050406030204" pitchFamily="18" charset="0"/>
-                      </a:rPr>
-                      <m:t>=</m:t>
-                    </m:r>
-                  </m:oMath>
-                </a14:m>
-                <a:r>
-                  <a:rPr lang="en-GB" dirty="0">
-                    <a:solidFill>
-                      <a:schemeClr val="tx1"/>
-                    </a:solidFill>
-                  </a:rPr>
-                  <a:t> </a:t>
-                </a:r>
-                <a14:m>
-                  <m:oMath xmlns:m="http://schemas.openxmlformats.org/officeDocument/2006/math">
-                    <m:r>
-                      <a:rPr lang="es-ES" i="1" dirty="0" smtClean="0">
-                        <a:latin typeface="Cambria Math" panose="02040503050406030204" pitchFamily="18" charset="0"/>
-                      </a:rPr>
-                      <m:t>7</m:t>
-                    </m:r>
-                    <m:r>
-                      <a:rPr lang="en-US" b="0" i="1" dirty="0" smtClean="0">
-                        <a:latin typeface="Cambria Math" panose="02040503050406030204" pitchFamily="18" charset="0"/>
-                      </a:rPr>
-                      <m:t>9</m:t>
-                    </m:r>
-                    <m:r>
-                      <a:rPr lang="es-ES" b="0" i="1" smtClean="0">
-                        <a:solidFill>
-                          <a:schemeClr val="tx1"/>
-                        </a:solidFill>
-                        <a:latin typeface="Cambria Math" panose="02040503050406030204" pitchFamily="18" charset="0"/>
-                      </a:rPr>
-                      <m:t>𝑝𝑥</m:t>
-                    </m:r>
-                  </m:oMath>
-                </a14:m>
-                <a:r>
-                  <a:rPr lang="es-ES" dirty="0">
-                    <a:solidFill>
-                      <a:schemeClr val="tx1"/>
-                    </a:solidFill>
-                  </a:rPr>
-                  <a:t> </a:t>
-                </a:r>
-              </a:p>
-            </p:txBody>
-          </p:sp>
-        </mc:Choice>
-        <mc:Fallback>
-          <p:sp>
-            <p:nvSpPr>
-              <p:cNvPr id="9" name="TextBox 71">
-                <a:extLst>
-                  <a:ext uri="{FF2B5EF4-FFF2-40B4-BE49-F238E27FC236}">
-                    <a16:creationId xmlns:a16="http://schemas.microsoft.com/office/drawing/2014/main" id="{804C5732-36EF-1D77-043C-315D82B24B4C}"/>
-                  </a:ext>
-                </a:extLst>
-              </p:cNvPr>
-              <p:cNvSpPr txBox="1">
-                <a:spLocks noRot="1" noChangeAspect="1" noMove="1" noResize="1" noEditPoints="1" noAdjustHandles="1" noChangeArrowheads="1" noChangeShapeType="1" noTextEdit="1"/>
-              </p:cNvSpPr>
-              <p:nvPr/>
-            </p:nvSpPr>
-            <p:spPr>
-              <a:xfrm>
-                <a:off x="4405699" y="763721"/>
-                <a:ext cx="1813615" cy="369332"/>
-              </a:xfrm>
-              <a:prstGeom prst="rect">
-                <a:avLst/>
-              </a:prstGeom>
-              <a:blipFill>
-                <a:blip r:embed="rId6"/>
-                <a:stretch>
-                  <a:fillRect l="-2357" t="-3279" b="-18033"/>
-                </a:stretch>
-              </a:blipFill>
-            </p:spPr>
-            <p:txBody>
-              <a:bodyPr/>
-              <a:lstStyle/>
-              <a:p>
-                <a:r>
-                  <a:rPr lang="en-US">
-                    <a:noFill/>
-                  </a:rPr>
-                  <a:t> </a:t>
-                </a:r>
-              </a:p>
-            </p:txBody>
-          </p:sp>
-        </mc:Fallback>
-      </mc:AlternateContent>
-      <p:sp>
-        <p:nvSpPr>
-          <p:cNvPr id="10" name="TextBox 24">
-            <a:extLst>
-              <a:ext uri="{FF2B5EF4-FFF2-40B4-BE49-F238E27FC236}">
-                <a16:creationId xmlns:a16="http://schemas.microsoft.com/office/drawing/2014/main" id="{7EC59B83-CD34-EE68-3483-F614F18F99F9}"/>
+            <a:pPr marL="285750" indent="-285750">
+              <a:buFont typeface="Arial" panose="020B0604020202020204" pitchFamily="34" charset="0"/>
+              <a:buChar char="•"/>
+            </a:pPr>
+            <a:r>
+              <a:rPr lang="es-ES" dirty="0"/>
+              <a:t>Triplicator, RGB= 92,0, 0.</a:t>
+            </a:r>
+          </a:p>
+          <a:p>
+            <a:pPr marL="285750" indent="-285750">
+              <a:buFont typeface="Arial" panose="020B0604020202020204" pitchFamily="34" charset="0"/>
+              <a:buChar char="•"/>
+            </a:pPr>
+            <a:r>
+              <a:rPr lang="es-ES" dirty="0" err="1"/>
+              <a:t>The</a:t>
+            </a:r>
+            <a:r>
+              <a:rPr lang="es-ES" dirty="0"/>
+              <a:t> 0th </a:t>
+            </a:r>
+            <a:r>
+              <a:rPr lang="es-ES" dirty="0" err="1"/>
+              <a:t>is</a:t>
+            </a:r>
+            <a:r>
+              <a:rPr lang="es-ES" dirty="0"/>
+              <a:t> </a:t>
+            </a:r>
+            <a:r>
+              <a:rPr lang="es-ES" dirty="0" err="1"/>
+              <a:t>darker</a:t>
+            </a:r>
+            <a:r>
+              <a:rPr lang="es-ES" dirty="0"/>
+              <a:t> tan </a:t>
+            </a:r>
+            <a:r>
+              <a:rPr lang="es-ES" dirty="0" err="1"/>
+              <a:t>the</a:t>
+            </a:r>
+            <a:r>
+              <a:rPr lang="es-ES" dirty="0"/>
+              <a:t> </a:t>
+            </a:r>
+            <a:r>
+              <a:rPr lang="es-ES" dirty="0" err="1"/>
+              <a:t>other</a:t>
+            </a:r>
+            <a:r>
+              <a:rPr lang="es-ES" dirty="0"/>
+              <a:t> </a:t>
+            </a:r>
+            <a:r>
+              <a:rPr lang="es-ES" dirty="0" err="1"/>
+              <a:t>two</a:t>
+            </a:r>
+            <a:r>
+              <a:rPr lang="es-ES" dirty="0"/>
+              <a:t> </a:t>
+            </a:r>
+            <a:r>
+              <a:rPr lang="es-ES" dirty="0" err="1"/>
+              <a:t>orders</a:t>
+            </a:r>
+            <a:r>
+              <a:rPr lang="es-ES" dirty="0"/>
+              <a:t>.</a:t>
+            </a:r>
+          </a:p>
+          <a:p>
+            <a:pPr marL="285750" indent="-285750">
+              <a:buFont typeface="Arial" panose="020B0604020202020204" pitchFamily="34" charset="0"/>
+              <a:buChar char="•"/>
+            </a:pPr>
+            <a:r>
+              <a:rPr lang="es-ES" dirty="0" err="1"/>
+              <a:t>But</a:t>
+            </a:r>
+            <a:r>
+              <a:rPr lang="es-ES" dirty="0"/>
+              <a:t> </a:t>
+            </a:r>
+            <a:r>
+              <a:rPr lang="es-ES" dirty="0" err="1"/>
+              <a:t>the</a:t>
+            </a:r>
+            <a:r>
+              <a:rPr lang="es-ES" dirty="0"/>
+              <a:t> 0th </a:t>
+            </a:r>
+            <a:r>
+              <a:rPr lang="es-ES" dirty="0" err="1"/>
+              <a:t>of</a:t>
+            </a:r>
+            <a:r>
+              <a:rPr lang="es-ES" dirty="0"/>
+              <a:t> </a:t>
+            </a:r>
+            <a:r>
+              <a:rPr lang="es-ES" dirty="0" err="1"/>
+              <a:t>blazed</a:t>
+            </a:r>
+            <a:r>
+              <a:rPr lang="es-ES" dirty="0"/>
+              <a:t> </a:t>
+            </a:r>
+            <a:r>
+              <a:rPr lang="es-ES" dirty="0" err="1"/>
+              <a:t>grating</a:t>
+            </a:r>
+            <a:r>
+              <a:rPr lang="es-ES" dirty="0"/>
+              <a:t> </a:t>
+            </a:r>
+            <a:r>
+              <a:rPr lang="es-ES" dirty="0" err="1"/>
+              <a:t>should</a:t>
+            </a:r>
+            <a:r>
+              <a:rPr lang="es-ES" dirty="0"/>
+              <a:t> </a:t>
+            </a:r>
+            <a:r>
+              <a:rPr lang="es-ES" dirty="0" err="1"/>
+              <a:t>not</a:t>
+            </a:r>
+            <a:r>
+              <a:rPr lang="es-ES" dirty="0"/>
+              <a:t> be </a:t>
+            </a:r>
+            <a:r>
+              <a:rPr lang="es-ES" dirty="0" err="1"/>
+              <a:t>that</a:t>
+            </a:r>
+            <a:r>
+              <a:rPr lang="es-ES" dirty="0"/>
+              <a:t> </a:t>
+            </a:r>
+            <a:r>
+              <a:rPr lang="es-ES" dirty="0" err="1"/>
+              <a:t>bright</a:t>
+            </a:r>
+            <a:r>
+              <a:rPr lang="es-ES" dirty="0"/>
+              <a:t>.</a:t>
+            </a:r>
+          </a:p>
+        </p:txBody>
+      </p:sp>
+      <p:sp>
+        <p:nvSpPr>
+          <p:cNvPr id="10" name="TextBox 55">
+            <a:extLst>
+              <a:ext uri="{FF2B5EF4-FFF2-40B4-BE49-F238E27FC236}">
+                <a16:creationId xmlns:a16="http://schemas.microsoft.com/office/drawing/2014/main" id="{B75821CC-B1B6-3561-97E8-FB664BA4A21A}"/>
               </a:ext>
             </a:extLst>
           </p:cNvPr>
@@ -12838,8 +9676,8 @@
         </p:nvSpPr>
         <p:spPr>
           <a:xfrm>
-            <a:off x="3928649" y="1567877"/>
-            <a:ext cx="354330" cy="369332"/>
+            <a:off x="9483200" y="2372034"/>
+            <a:ext cx="1697645" cy="646331"/>
           </a:xfrm>
           <a:prstGeom prst="rect">
             <a:avLst/>
@@ -12853,195 +9691,68 @@
           <a:lstStyle/>
           <a:p>
             <a:r>
-              <a:rPr lang="en-GB" dirty="0"/>
-              <a:t>×</a:t>
-            </a:r>
-            <a:endParaRPr lang="es-ES" dirty="0"/>
-          </a:p>
-        </p:txBody>
-      </p:sp>
-      <mc:AlternateContent xmlns:mc="http://schemas.openxmlformats.org/markup-compatibility/2006">
-        <mc:Choice xmlns:a14="http://schemas.microsoft.com/office/drawing/2010/main" Requires="a14">
-          <p:sp>
-            <p:nvSpPr>
-              <p:cNvPr id="11" name="TextBox 71">
-                <a:extLst>
-                  <a:ext uri="{FF2B5EF4-FFF2-40B4-BE49-F238E27FC236}">
-                    <a16:creationId xmlns:a16="http://schemas.microsoft.com/office/drawing/2014/main" id="{2021D64E-66C1-4C66-6A9D-D9B5B53308DD}"/>
-                  </a:ext>
-                </a:extLst>
-              </p:cNvPr>
-              <p:cNvSpPr txBox="1"/>
-              <p:nvPr/>
-            </p:nvSpPr>
-            <p:spPr>
-              <a:xfrm>
-                <a:off x="7579994" y="763721"/>
-                <a:ext cx="1813615" cy="369332"/>
-              </a:xfrm>
-              <a:prstGeom prst="rect">
-                <a:avLst/>
-              </a:prstGeom>
-              <a:solidFill>
-                <a:schemeClr val="bg1"/>
-              </a:solidFill>
-            </p:spPr>
-            <p:txBody>
-              <a:bodyPr wrap="square">
-                <a:spAutoFit/>
-              </a:bodyPr>
-              <a:lstStyle/>
-              <a:p>
-                <a:pPr marL="285750" indent="-285750">
-                  <a:buFont typeface="Arial" panose="020B0604020202020204" pitchFamily="34" charset="0"/>
-                  <a:buChar char="•"/>
-                </a:pPr>
-                <a14:m>
-                  <m:oMath xmlns:m="http://schemas.openxmlformats.org/officeDocument/2006/math">
-                    <m:r>
-                      <a:rPr lang="es-ES" i="1" smtClean="0">
-                        <a:solidFill>
-                          <a:schemeClr val="tx1"/>
-                        </a:solidFill>
-                        <a:latin typeface="Cambria Math" panose="02040503050406030204" pitchFamily="18" charset="0"/>
-                      </a:rPr>
-                      <m:t>𝑝</m:t>
-                    </m:r>
-                    <m:r>
-                      <a:rPr lang="es-ES" b="0" i="1" smtClean="0">
-                        <a:solidFill>
-                          <a:schemeClr val="tx1"/>
-                        </a:solidFill>
-                        <a:latin typeface="Cambria Math" panose="02040503050406030204" pitchFamily="18" charset="0"/>
-                      </a:rPr>
-                      <m:t>=</m:t>
-                    </m:r>
-                  </m:oMath>
-                </a14:m>
-                <a:r>
-                  <a:rPr lang="en-GB" dirty="0">
-                    <a:solidFill>
-                      <a:schemeClr val="tx1"/>
-                    </a:solidFill>
-                  </a:rPr>
-                  <a:t> </a:t>
-                </a:r>
-                <a14:m>
-                  <m:oMath xmlns:m="http://schemas.openxmlformats.org/officeDocument/2006/math">
-                    <m:r>
-                      <a:rPr lang="en-US" b="0" i="1" smtClean="0">
-                        <a:latin typeface="Cambria Math" panose="02040503050406030204" pitchFamily="18" charset="0"/>
-                      </a:rPr>
-                      <m:t>400</m:t>
-                    </m:r>
-                    <m:r>
-                      <a:rPr lang="es-ES" b="0" i="1" smtClean="0">
-                        <a:solidFill>
-                          <a:schemeClr val="tx1"/>
-                        </a:solidFill>
-                        <a:latin typeface="Cambria Math" panose="02040503050406030204" pitchFamily="18" charset="0"/>
-                      </a:rPr>
-                      <m:t>𝑝𝑥</m:t>
-                    </m:r>
-                  </m:oMath>
-                </a14:m>
-                <a:r>
-                  <a:rPr lang="es-ES" dirty="0">
-                    <a:solidFill>
-                      <a:schemeClr val="tx1"/>
-                    </a:solidFill>
-                  </a:rPr>
-                  <a:t> </a:t>
-                </a:r>
-              </a:p>
-            </p:txBody>
-          </p:sp>
-        </mc:Choice>
-        <mc:Fallback>
-          <p:sp>
-            <p:nvSpPr>
-              <p:cNvPr id="11" name="TextBox 71">
-                <a:extLst>
-                  <a:ext uri="{FF2B5EF4-FFF2-40B4-BE49-F238E27FC236}">
-                    <a16:creationId xmlns:a16="http://schemas.microsoft.com/office/drawing/2014/main" id="{2021D64E-66C1-4C66-6A9D-D9B5B53308DD}"/>
-                  </a:ext>
-                </a:extLst>
-              </p:cNvPr>
-              <p:cNvSpPr txBox="1">
-                <a:spLocks noRot="1" noChangeAspect="1" noMove="1" noResize="1" noEditPoints="1" noAdjustHandles="1" noChangeArrowheads="1" noChangeShapeType="1" noTextEdit="1"/>
-              </p:cNvSpPr>
-              <p:nvPr/>
-            </p:nvSpPr>
-            <p:spPr>
-              <a:xfrm>
-                <a:off x="7579994" y="763721"/>
-                <a:ext cx="1813615" cy="369332"/>
-              </a:xfrm>
-              <a:prstGeom prst="rect">
-                <a:avLst/>
-              </a:prstGeom>
-              <a:blipFill>
-                <a:blip r:embed="rId7"/>
-                <a:stretch>
-                  <a:fillRect l="-2013" t="-3279" b="-18033"/>
-                </a:stretch>
-              </a:blipFill>
-            </p:spPr>
-            <p:txBody>
-              <a:bodyPr/>
-              <a:lstStyle/>
-              <a:p>
-                <a:r>
-                  <a:rPr lang="en-US">
-                    <a:noFill/>
-                  </a:rPr>
-                  <a:t> </a:t>
-                </a:r>
-              </a:p>
-            </p:txBody>
-          </p:sp>
-        </mc:Fallback>
-      </mc:AlternateContent>
-      <p:pic>
-        <p:nvPicPr>
-          <p:cNvPr id="14" name="图片 13" descr="灯光下有许多人&#10;&#10;低可信度描述已自动生成">
-            <a:extLst>
-              <a:ext uri="{FF2B5EF4-FFF2-40B4-BE49-F238E27FC236}">
-                <a16:creationId xmlns:a16="http://schemas.microsoft.com/office/drawing/2014/main" id="{A804364D-30BD-E782-EA38-1B5CD406A0F2}"/>
-              </a:ext>
-            </a:extLst>
-          </p:cNvPr>
-          <p:cNvPicPr>
-            <a:picLocks noChangeAspect="1"/>
-          </p:cNvPicPr>
+              <a:rPr lang="es-ES" dirty="0"/>
+              <a:t>I_0= 7.05E-7 I_1= 0.513</a:t>
+            </a:r>
+          </a:p>
+        </p:txBody>
+      </p:sp>
+      <p:sp>
+        <p:nvSpPr>
+          <p:cNvPr id="12" name="Rectangle 11">
+            <a:extLst>
+              <a:ext uri="{FF2B5EF4-FFF2-40B4-BE49-F238E27FC236}">
+                <a16:creationId xmlns:a16="http://schemas.microsoft.com/office/drawing/2014/main" id="{8317D54E-CA47-C21E-000C-AC0CB541608E}"/>
+              </a:ext>
+            </a:extLst>
+          </p:cNvPr>
+          <p:cNvSpPr/>
           <p:nvPr/>
-        </p:nvPicPr>
-        <p:blipFill>
-          <a:blip r:embed="rId8">
-            <a:extLst>
-              <a:ext uri="{28A0092B-C50C-407E-A947-70E740481C1C}">
-                <a14:useLocalDpi xmlns:a14="http://schemas.microsoft.com/office/drawing/2010/main" val="0"/>
-              </a:ext>
-            </a:extLst>
-          </a:blip>
-          <a:stretch>
-            <a:fillRect/>
-          </a:stretch>
-        </p:blipFill>
-        <p:spPr>
-          <a:xfrm>
-            <a:off x="1626923" y="2954303"/>
-            <a:ext cx="1677172" cy="3354344"/>
+        </p:nvSpPr>
+        <p:spPr>
+          <a:xfrm>
+            <a:off x="6096000" y="637115"/>
+            <a:ext cx="5334448" cy="2381250"/>
           </a:xfrm>
           <a:prstGeom prst="rect">
             <a:avLst/>
           </a:prstGeom>
-        </p:spPr>
-      </p:pic>
+          <a:noFill/>
+          <a:ln>
+            <a:solidFill>
+              <a:srgbClr val="FF0000"/>
+            </a:solidFill>
+          </a:ln>
+        </p:spPr>
+        <p:style>
+          <a:lnRef idx="2">
+            <a:schemeClr val="accent1">
+              <a:shade val="15000"/>
+            </a:schemeClr>
+          </a:lnRef>
+          <a:fillRef idx="1">
+            <a:schemeClr val="accent1"/>
+          </a:fillRef>
+          <a:effectRef idx="0">
+            <a:schemeClr val="accent1"/>
+          </a:effectRef>
+          <a:fontRef idx="minor">
+            <a:schemeClr val="lt1"/>
+          </a:fontRef>
+        </p:style>
+        <p:txBody>
+          <a:bodyPr rtlCol="0" anchor="ctr"/>
+          <a:lstStyle/>
+          <a:p>
+            <a:pPr algn="ctr"/>
+            <a:endParaRPr lang="es-ES"/>
+          </a:p>
+        </p:txBody>
+      </p:sp>
     </p:spTree>
     <p:extLst>
       <p:ext uri="{BB962C8B-B14F-4D97-AF65-F5344CB8AC3E}">
-        <p14:creationId xmlns:p14="http://schemas.microsoft.com/office/powerpoint/2010/main" val="2133768985"/>
+        <p14:creationId xmlns:p14="http://schemas.microsoft.com/office/powerpoint/2010/main" val="4059194414"/>
       </p:ext>
     </p:extLst>
   </p:cSld>
@@ -13051,7 +9762,7 @@
 </p:sld>
 </file>
 
-<file path=ppt/slides/slide7.xml><?xml version="1.0" encoding="utf-8"?>
+<file path=ppt/slides/slide6.xml><?xml version="1.0" encoding="utf-8"?>
 <p:sld xmlns:a="http://schemas.openxmlformats.org/drawingml/2006/main" xmlns:r="http://schemas.openxmlformats.org/officeDocument/2006/relationships" xmlns:p="http://schemas.openxmlformats.org/presentationml/2006/main">
   <p:cSld>
     <p:spTree>
@@ -13227,7 +9938,7 @@
         </p:blipFill>
         <p:spPr>
           <a:xfrm>
-            <a:off x="1889736" y="2496751"/>
+            <a:off x="1889736" y="3298857"/>
             <a:ext cx="1905000" cy="2381250"/>
           </a:xfrm>
           <a:prstGeom prst="rect">
@@ -13622,7 +10333,7 @@
         </p:blipFill>
         <p:spPr>
           <a:xfrm>
-            <a:off x="5311528" y="2494733"/>
+            <a:off x="5311528" y="3296839"/>
             <a:ext cx="1905000" cy="2381250"/>
           </a:xfrm>
           <a:prstGeom prst="rect">
@@ -13666,8 +10377,8 @@
           </a:p>
         </p:txBody>
       </p:sp>
-      <mc:AlternateContent xmlns:mc="http://schemas.openxmlformats.org/markup-compatibility/2006" xmlns:a14="http://schemas.microsoft.com/office/drawing/2010/main">
-        <mc:Choice Requires="a14">
+      <mc:AlternateContent xmlns:mc="http://schemas.openxmlformats.org/markup-compatibility/2006">
+        <mc:Choice xmlns:a14="http://schemas.microsoft.com/office/drawing/2010/main" Requires="a14">
           <p:sp>
             <p:nvSpPr>
               <p:cNvPr id="27" name="TextBox 71">
@@ -13755,6 +10466,25 @@
                       </a:rPr>
                       <m:t>𝑝𝑥</m:t>
                     </m:r>
+                    <m:r>
+                      <a:rPr lang="es-ES" b="0" i="1" smtClean="0">
+                        <a:solidFill>
+                          <a:schemeClr val="tx1"/>
+                        </a:solidFill>
+                        <a:latin typeface="Cambria Math" panose="02040503050406030204" pitchFamily="18" charset="0"/>
+                      </a:rPr>
+                      <m:t>,2</m:t>
+                    </m:r>
+                    <m:r>
+                      <a:rPr lang="es-ES" b="0" i="1" smtClean="0">
+                        <a:solidFill>
+                          <a:schemeClr val="tx1"/>
+                        </a:solidFill>
+                        <a:latin typeface="Cambria Math" panose="02040503050406030204" pitchFamily="18" charset="0"/>
+                        <a:ea typeface="Cambria Math" panose="02040503050406030204" pitchFamily="18" charset="0"/>
+                      </a:rPr>
+                      <m:t>𝜋</m:t>
+                    </m:r>
                   </m:oMath>
                 </a14:m>
                 <a:r>
@@ -13769,7 +10499,7 @@
             </p:txBody>
           </p:sp>
         </mc:Choice>
-        <mc:Fallback xmlns="">
+        <mc:Fallback>
           <p:sp>
             <p:nvSpPr>
               <p:cNvPr id="27" name="TextBox 71">
@@ -13804,7 +10534,7 @@
               <a:lstStyle/>
               <a:p>
                 <a:r>
-                  <a:rPr lang="en-US">
+                  <a:rPr lang="es-ES">
                     <a:noFill/>
                   </a:rPr>
                   <a:t> </a:t>
@@ -13814,8 +10544,8 @@
           </p:sp>
         </mc:Fallback>
       </mc:AlternateContent>
-      <mc:AlternateContent xmlns:mc="http://schemas.openxmlformats.org/markup-compatibility/2006" xmlns:a14="http://schemas.microsoft.com/office/drawing/2010/main">
-        <mc:Choice Requires="a14">
+      <mc:AlternateContent xmlns:mc="http://schemas.openxmlformats.org/markup-compatibility/2006">
+        <mc:Choice xmlns:a14="http://schemas.microsoft.com/office/drawing/2010/main" Requires="a14">
           <p:sp>
             <p:nvSpPr>
               <p:cNvPr id="40" name="TextBox 71">
@@ -13830,8 +10560,8 @@
             </p:nvSpPr>
             <p:spPr>
               <a:xfrm>
-                <a:off x="9367231" y="763721"/>
-                <a:ext cx="1813615" cy="369332"/>
+                <a:off x="9208009" y="763721"/>
+                <a:ext cx="1972838" cy="369332"/>
               </a:xfrm>
               <a:prstGeom prst="rect">
                 <a:avLst/>
@@ -13903,364 +10633,14 @@
                       </a:rPr>
                       <m:t>𝑝𝑥</m:t>
                     </m:r>
-                  </m:oMath>
-                </a14:m>
-                <a:r>
-                  <a:rPr lang="es-ES" dirty="0">
-                    <a:solidFill>
-                      <a:schemeClr val="tx1"/>
-                    </a:solidFill>
-                  </a:rPr>
-                  <a:t> </a:t>
-                </a:r>
-              </a:p>
-            </p:txBody>
-          </p:sp>
-        </mc:Choice>
-        <mc:Fallback xmlns="">
-          <p:sp>
-            <p:nvSpPr>
-              <p:cNvPr id="40" name="TextBox 71">
-                <a:extLst>
-                  <a:ext uri="{FF2B5EF4-FFF2-40B4-BE49-F238E27FC236}">
-                    <a16:creationId xmlns:a16="http://schemas.microsoft.com/office/drawing/2014/main" id="{C13C40B3-778E-C5BA-9719-0684AEDBB827}"/>
-                  </a:ext>
-                </a:extLst>
-              </p:cNvPr>
-              <p:cNvSpPr txBox="1">
-                <a:spLocks noRot="1" noChangeAspect="1" noMove="1" noResize="1" noEditPoints="1" noAdjustHandles="1" noChangeArrowheads="1" noChangeShapeType="1" noTextEdit="1"/>
-              </p:cNvSpPr>
-              <p:nvPr/>
-            </p:nvSpPr>
-            <p:spPr>
-              <a:xfrm>
-                <a:off x="9367231" y="763721"/>
-                <a:ext cx="1813615" cy="369332"/>
-              </a:xfrm>
-              <a:prstGeom prst="rect">
-                <a:avLst/>
-              </a:prstGeom>
-              <a:blipFill>
-                <a:blip r:embed="rId11"/>
-                <a:stretch>
-                  <a:fillRect l="-2357" t="-3279" b="-18033"/>
-                </a:stretch>
-              </a:blipFill>
-            </p:spPr>
-            <p:txBody>
-              <a:bodyPr/>
-              <a:lstStyle/>
-              <a:p>
-                <a:r>
-                  <a:rPr lang="en-US">
-                    <a:noFill/>
-                  </a:rPr>
-                  <a:t> </a:t>
-                </a:r>
-              </a:p>
-            </p:txBody>
-          </p:sp>
-        </mc:Fallback>
-      </mc:AlternateContent>
-      <p:sp>
-        <p:nvSpPr>
-          <p:cNvPr id="4" name="TextBox 55">
-            <a:extLst>
-              <a:ext uri="{FF2B5EF4-FFF2-40B4-BE49-F238E27FC236}">
-                <a16:creationId xmlns:a16="http://schemas.microsoft.com/office/drawing/2014/main" id="{A53A20DA-BB15-83DF-D43E-A7083E4DA061}"/>
-              </a:ext>
-            </a:extLst>
-          </p:cNvPr>
-          <p:cNvSpPr txBox="1"/>
-          <p:nvPr/>
-        </p:nvSpPr>
-        <p:spPr>
-          <a:xfrm>
-            <a:off x="3907024" y="2771746"/>
-            <a:ext cx="1404504" cy="1477328"/>
-          </a:xfrm>
-          <a:prstGeom prst="rect">
-            <a:avLst/>
-          </a:prstGeom>
-          <a:noFill/>
-        </p:spPr>
-        <p:txBody>
-          <a:bodyPr wrap="square">
-            <a:spAutoFit/>
-          </a:bodyPr>
-          <a:lstStyle/>
-          <a:p>
-            <a:r>
-              <a:rPr lang="es-ES" altLang="zh-CN" dirty="0"/>
-              <a:t>2</a:t>
-            </a:r>
-            <a:r>
-              <a:rPr lang="en-US" altLang="zh-CN" dirty="0"/>
-              <a:t>pi</a:t>
-            </a:r>
-            <a:endParaRPr lang="es-ES" dirty="0"/>
-          </a:p>
-          <a:p>
-            <a:r>
-              <a:rPr lang="es-ES" dirty="0"/>
-              <a:t>I_-1=0.174</a:t>
-            </a:r>
-          </a:p>
-          <a:p>
-            <a:r>
-              <a:rPr lang="es-ES" dirty="0"/>
-              <a:t>I_0=0.130</a:t>
-            </a:r>
-          </a:p>
-          <a:p>
-            <a:r>
-              <a:rPr lang="es-ES" dirty="0"/>
-              <a:t>I_1=0.154</a:t>
-            </a:r>
-          </a:p>
-          <a:p>
-            <a:endParaRPr lang="es-ES" dirty="0"/>
-          </a:p>
-        </p:txBody>
-      </p:sp>
-      <p:sp>
-        <p:nvSpPr>
-          <p:cNvPr id="7" name="TextBox 24">
-            <a:extLst>
-              <a:ext uri="{FF2B5EF4-FFF2-40B4-BE49-F238E27FC236}">
-                <a16:creationId xmlns:a16="http://schemas.microsoft.com/office/drawing/2014/main" id="{372CE14A-CCB1-AB71-4584-FBAF6765A0B4}"/>
-              </a:ext>
-            </a:extLst>
-          </p:cNvPr>
-          <p:cNvSpPr txBox="1"/>
-          <p:nvPr/>
-        </p:nvSpPr>
-        <p:spPr>
-          <a:xfrm>
-            <a:off x="5722815" y="1567877"/>
-            <a:ext cx="354330" cy="369332"/>
-          </a:xfrm>
-          <a:prstGeom prst="rect">
-            <a:avLst/>
-          </a:prstGeom>
-          <a:noFill/>
-        </p:spPr>
-        <p:txBody>
-          <a:bodyPr wrap="square">
-            <a:spAutoFit/>
-          </a:bodyPr>
-          <a:lstStyle/>
-          <a:p>
-            <a:r>
-              <a:rPr lang="en-GB" dirty="0"/>
-              <a:t>×</a:t>
-            </a:r>
-            <a:endParaRPr lang="es-ES" dirty="0"/>
-          </a:p>
-        </p:txBody>
-      </p:sp>
-      <p:sp>
-        <p:nvSpPr>
-          <p:cNvPr id="10" name="TextBox 55">
-            <a:extLst>
-              <a:ext uri="{FF2B5EF4-FFF2-40B4-BE49-F238E27FC236}">
-                <a16:creationId xmlns:a16="http://schemas.microsoft.com/office/drawing/2014/main" id="{50242003-2B95-C9FE-6D25-3B98A97CB8A9}"/>
-              </a:ext>
-            </a:extLst>
-          </p:cNvPr>
-          <p:cNvSpPr txBox="1"/>
-          <p:nvPr/>
-        </p:nvSpPr>
-        <p:spPr>
-          <a:xfrm>
-            <a:off x="494179" y="2983919"/>
-            <a:ext cx="1404504" cy="1200329"/>
-          </a:xfrm>
-          <a:prstGeom prst="rect">
-            <a:avLst/>
-          </a:prstGeom>
-          <a:noFill/>
-        </p:spPr>
-        <p:txBody>
-          <a:bodyPr wrap="square">
-            <a:spAutoFit/>
-          </a:bodyPr>
-          <a:lstStyle/>
-          <a:p>
-            <a:r>
-              <a:rPr lang="es-ES" dirty="0"/>
-              <a:t>I_-1=0.289</a:t>
-            </a:r>
-          </a:p>
-          <a:p>
-            <a:r>
-              <a:rPr lang="es-ES" dirty="0"/>
-              <a:t>I_0=0.287</a:t>
-            </a:r>
-          </a:p>
-          <a:p>
-            <a:r>
-              <a:rPr lang="es-ES" dirty="0"/>
-              <a:t>I_1=0.289</a:t>
-            </a:r>
-          </a:p>
-          <a:p>
-            <a:endParaRPr lang="es-ES" dirty="0"/>
-          </a:p>
-        </p:txBody>
-      </p:sp>
-      <p:pic>
-        <p:nvPicPr>
-          <p:cNvPr id="3" name="Picture 22">
-            <a:extLst>
-              <a:ext uri="{FF2B5EF4-FFF2-40B4-BE49-F238E27FC236}">
-                <a16:creationId xmlns:a16="http://schemas.microsoft.com/office/drawing/2014/main" id="{62798867-CBD5-B081-61F1-0E25C2752AE5}"/>
-              </a:ext>
-            </a:extLst>
-          </p:cNvPr>
-          <p:cNvPicPr>
-            <a:picLocks noChangeAspect="1"/>
-          </p:cNvPicPr>
-          <p:nvPr/>
-        </p:nvPicPr>
-        <p:blipFill>
-          <a:blip r:embed="rId12">
-            <a:extLst>
-              <a:ext uri="{28A0092B-C50C-407E-A947-70E740481C1C}">
-                <a14:useLocalDpi xmlns:a14="http://schemas.microsoft.com/office/drawing/2010/main" val="0"/>
-              </a:ext>
-            </a:extLst>
-          </a:blip>
-          <a:srcRect/>
-          <a:stretch/>
-        </p:blipFill>
-        <p:spPr>
-          <a:xfrm>
-            <a:off x="3434931" y="1283584"/>
-            <a:ext cx="1685275" cy="947967"/>
-          </a:xfrm>
-          <a:prstGeom prst="rect">
-            <a:avLst/>
-          </a:prstGeom>
-        </p:spPr>
-      </p:pic>
-    </p:spTree>
-    <p:extLst>
-      <p:ext uri="{BB962C8B-B14F-4D97-AF65-F5344CB8AC3E}">
-        <p14:creationId xmlns:p14="http://schemas.microsoft.com/office/powerpoint/2010/main" val="2511002570"/>
-      </p:ext>
-    </p:extLst>
-  </p:cSld>
-  <p:clrMapOvr>
-    <a:masterClrMapping/>
-  </p:clrMapOvr>
-</p:sld>
-</file>
-
-<file path=ppt/slides/slide8.xml><?xml version="1.0" encoding="utf-8"?>
-<p:sld xmlns:a="http://schemas.openxmlformats.org/drawingml/2006/main" xmlns:r="http://schemas.openxmlformats.org/officeDocument/2006/relationships" xmlns:p="http://schemas.openxmlformats.org/presentationml/2006/main">
-  <p:cSld>
-    <p:spTree>
-      <p:nvGrpSpPr>
-        <p:cNvPr id="1" name="">
-          <a:extLst>
-            <a:ext uri="{FF2B5EF4-FFF2-40B4-BE49-F238E27FC236}">
-              <a16:creationId xmlns:a16="http://schemas.microsoft.com/office/drawing/2014/main" id="{7A869197-9667-AFAF-7604-4B3889573EE0}"/>
-            </a:ext>
-          </a:extLst>
-        </p:cNvPr>
-        <p:cNvGrpSpPr/>
-        <p:nvPr/>
-      </p:nvGrpSpPr>
-      <p:grpSpPr>
-        <a:xfrm>
-          <a:off x="0" y="0"/>
-          <a:ext cx="0" cy="0"/>
-          <a:chOff x="0" y="0"/>
-          <a:chExt cx="0" cy="0"/>
-        </a:xfrm>
-      </p:grpSpPr>
-      <p:pic>
-        <p:nvPicPr>
-          <p:cNvPr id="4" name="Picture 22">
-            <a:extLst>
-              <a:ext uri="{FF2B5EF4-FFF2-40B4-BE49-F238E27FC236}">
-                <a16:creationId xmlns:a16="http://schemas.microsoft.com/office/drawing/2014/main" id="{8ADD5621-0179-377F-ECBC-0C21917CE539}"/>
-              </a:ext>
-            </a:extLst>
-          </p:cNvPr>
-          <p:cNvPicPr>
-            <a:picLocks noChangeAspect="1"/>
-          </p:cNvPicPr>
-          <p:nvPr/>
-        </p:nvPicPr>
-        <p:blipFill>
-          <a:blip r:embed="rId2">
-            <a:extLst>
-              <a:ext uri="{28A0092B-C50C-407E-A947-70E740481C1C}">
-                <a14:useLocalDpi xmlns:a14="http://schemas.microsoft.com/office/drawing/2010/main" val="0"/>
-              </a:ext>
-            </a:extLst>
-          </a:blip>
-          <a:srcRect/>
-          <a:stretch/>
-        </p:blipFill>
-        <p:spPr>
-          <a:xfrm>
-            <a:off x="1626923" y="1278559"/>
-            <a:ext cx="1677173" cy="947967"/>
-          </a:xfrm>
-          <a:prstGeom prst="rect">
-            <a:avLst/>
-          </a:prstGeom>
-        </p:spPr>
-      </p:pic>
-      <mc:AlternateContent xmlns:mc="http://schemas.openxmlformats.org/markup-compatibility/2006">
-        <mc:Choice xmlns:a14="http://schemas.microsoft.com/office/drawing/2010/main" Requires="a14">
-          <p:sp>
-            <p:nvSpPr>
-              <p:cNvPr id="5" name="TextBox 71">
-                <a:extLst>
-                  <a:ext uri="{FF2B5EF4-FFF2-40B4-BE49-F238E27FC236}">
-                    <a16:creationId xmlns:a16="http://schemas.microsoft.com/office/drawing/2014/main" id="{60191DED-9675-8044-2CB5-7833E1C77B2E}"/>
-                  </a:ext>
-                </a:extLst>
-              </p:cNvPr>
-              <p:cNvSpPr txBox="1"/>
-              <p:nvPr/>
-            </p:nvSpPr>
-            <p:spPr>
-              <a:xfrm>
-                <a:off x="1626923" y="729086"/>
-                <a:ext cx="1813615" cy="369332"/>
-              </a:xfrm>
-              <a:prstGeom prst="rect">
-                <a:avLst/>
-              </a:prstGeom>
-              <a:solidFill>
-                <a:schemeClr val="bg1"/>
-              </a:solidFill>
-            </p:spPr>
-            <p:txBody>
-              <a:bodyPr wrap="square">
-                <a:spAutoFit/>
-              </a:bodyPr>
-              <a:lstStyle/>
-              <a:p>
-                <a:pPr marL="285750" indent="-285750">
-                  <a:buFont typeface="Arial" panose="020B0604020202020204" pitchFamily="34" charset="0"/>
-                  <a:buChar char="•"/>
-                </a:pPr>
-                <a14:m>
-                  <m:oMath xmlns:m="http://schemas.openxmlformats.org/officeDocument/2006/math">
                     <m:r>
-                      <a:rPr lang="en-US" b="0" i="1" smtClean="0">
+                      <a:rPr lang="es-ES" b="0" i="1" smtClean="0">
                         <a:solidFill>
                           <a:schemeClr val="tx1"/>
                         </a:solidFill>
                         <a:latin typeface="Cambria Math" panose="02040503050406030204" pitchFamily="18" charset="0"/>
                       </a:rPr>
-                      <m:t>𝑤</m:t>
+                      <m:t>,2</m:t>
                     </m:r>
                     <m:r>
                       <a:rPr lang="es-ES" b="0" i="1" smtClean="0">
@@ -14268,41 +10648,9 @@
                           <a:schemeClr val="tx1"/>
                         </a:solidFill>
                         <a:latin typeface="Cambria Math" panose="02040503050406030204" pitchFamily="18" charset="0"/>
+                        <a:ea typeface="Cambria Math" panose="02040503050406030204" pitchFamily="18" charset="0"/>
                       </a:rPr>
-                      <m:t>=</m:t>
-                    </m:r>
-                  </m:oMath>
-                </a14:m>
-                <a:r>
-                  <a:rPr lang="en-GB" dirty="0">
-                    <a:solidFill>
-                      <a:schemeClr val="tx1"/>
-                    </a:solidFill>
-                  </a:rPr>
-                  <a:t> </a:t>
-                </a:r>
-                <a14:m>
-                  <m:oMath xmlns:m="http://schemas.openxmlformats.org/officeDocument/2006/math">
-                    <m:r>
-                      <a:rPr lang="en-US" i="1">
-                        <a:latin typeface="Cambria Math" panose="02040503050406030204" pitchFamily="18" charset="0"/>
-                      </a:rPr>
-                      <m:t>1</m:t>
-                    </m:r>
-                    <m:r>
-                      <a:rPr lang="en-US" b="0" i="1" smtClean="0">
-                        <a:latin typeface="Cambria Math" panose="02040503050406030204" pitchFamily="18" charset="0"/>
-                      </a:rPr>
-                      <m:t>50</m:t>
-                    </m:r>
-                    <m:r>
-                      <a:rPr lang="es-ES" b="0" i="1" smtClean="0">
-                        <a:solidFill>
-                          <a:schemeClr val="tx1"/>
-                        </a:solidFill>
-                        <a:latin typeface="Cambria Math" panose="02040503050406030204" pitchFamily="18" charset="0"/>
-                      </a:rPr>
-                      <m:t>𝑝𝑥</m:t>
+                      <m:t>𝜋</m:t>
                     </m:r>
                   </m:oMath>
                 </a14:m>
@@ -14321,10 +10669,10 @@
         <mc:Fallback>
           <p:sp>
             <p:nvSpPr>
-              <p:cNvPr id="5" name="TextBox 71">
+              <p:cNvPr id="40" name="TextBox 71">
                 <a:extLst>
                   <a:ext uri="{FF2B5EF4-FFF2-40B4-BE49-F238E27FC236}">
-                    <a16:creationId xmlns:a16="http://schemas.microsoft.com/office/drawing/2014/main" id="{60191DED-9675-8044-2CB5-7833E1C77B2E}"/>
+                    <a16:creationId xmlns:a16="http://schemas.microsoft.com/office/drawing/2014/main" id="{C13C40B3-778E-C5BA-9719-0684AEDBB827}"/>
                   </a:ext>
                 </a:extLst>
               </p:cNvPr>
@@ -14335,16 +10683,16 @@
             </p:nvSpPr>
             <p:spPr>
               <a:xfrm>
-                <a:off x="1626923" y="729086"/>
-                <a:ext cx="1813615" cy="369332"/>
+                <a:off x="9208009" y="763721"/>
+                <a:ext cx="1972838" cy="369332"/>
               </a:xfrm>
               <a:prstGeom prst="rect">
                 <a:avLst/>
               </a:prstGeom>
               <a:blipFill>
-                <a:blip r:embed="rId3"/>
+                <a:blip r:embed="rId11"/>
                 <a:stretch>
-                  <a:fillRect l="-2357" t="-5000" b="-20000"/>
+                  <a:fillRect l="-2167" t="-3279" b="-18033"/>
                 </a:stretch>
               </a:blipFill>
             </p:spPr>
@@ -14353,7 +10701,7 @@
               <a:lstStyle/>
               <a:p>
                 <a:r>
-                  <a:rPr lang="en-US">
+                  <a:rPr lang="es-ES">
                     <a:noFill/>
                   </a:rPr>
                   <a:t> </a:t>
@@ -14365,10 +10713,10 @@
       </mc:AlternateContent>
       <p:sp>
         <p:nvSpPr>
-          <p:cNvPr id="8" name="TextBox 24">
-            <a:extLst>
-              <a:ext uri="{FF2B5EF4-FFF2-40B4-BE49-F238E27FC236}">
-                <a16:creationId xmlns:a16="http://schemas.microsoft.com/office/drawing/2014/main" id="{F28B4294-6AF3-EAE9-BCEF-8B786A482355}"/>
+          <p:cNvPr id="4" name="TextBox 55">
+            <a:extLst>
+              <a:ext uri="{FF2B5EF4-FFF2-40B4-BE49-F238E27FC236}">
+                <a16:creationId xmlns:a16="http://schemas.microsoft.com/office/drawing/2014/main" id="{A53A20DA-BB15-83DF-D43E-A7083E4DA061}"/>
               </a:ext>
             </a:extLst>
           </p:cNvPr>
@@ -14377,8 +10725,8 @@
         </p:nvSpPr>
         <p:spPr>
           <a:xfrm>
-            <a:off x="5444728" y="1567877"/>
-            <a:ext cx="354330" cy="369332"/>
+            <a:off x="3907024" y="3573852"/>
+            <a:ext cx="1404504" cy="1477328"/>
           </a:xfrm>
           <a:prstGeom prst="rect">
             <a:avLst/>
@@ -14391,20 +10739,37 @@
           </a:bodyPr>
           <a:lstStyle/>
           <a:p>
-            <a:r>
-              <a:rPr lang="en-GB" dirty="0"/>
-              <a:t>×</a:t>
-            </a:r>
             <a:endParaRPr lang="es-ES" dirty="0"/>
           </a:p>
-        </p:txBody>
-      </p:sp>
-      <p:sp>
-        <p:nvSpPr>
-          <p:cNvPr id="10" name="TextBox 24">
-            <a:extLst>
-              <a:ext uri="{FF2B5EF4-FFF2-40B4-BE49-F238E27FC236}">
-                <a16:creationId xmlns:a16="http://schemas.microsoft.com/office/drawing/2014/main" id="{FD5CEF1C-DEFA-DF37-EDC8-C0352BD7400C}"/>
+          <a:p>
+            <a:r>
+              <a:rPr lang="es-ES" dirty="0"/>
+              <a:t>I_-1=0.174</a:t>
+            </a:r>
+          </a:p>
+          <a:p>
+            <a:r>
+              <a:rPr lang="es-ES" dirty="0"/>
+              <a:t>I_0=0.130</a:t>
+            </a:r>
+          </a:p>
+          <a:p>
+            <a:r>
+              <a:rPr lang="es-ES" dirty="0"/>
+              <a:t>I_1=0.154</a:t>
+            </a:r>
+          </a:p>
+          <a:p>
+            <a:endParaRPr lang="es-ES" dirty="0"/>
+          </a:p>
+        </p:txBody>
+      </p:sp>
+      <p:sp>
+        <p:nvSpPr>
+          <p:cNvPr id="7" name="TextBox 24">
+            <a:extLst>
+              <a:ext uri="{FF2B5EF4-FFF2-40B4-BE49-F238E27FC236}">
+                <a16:creationId xmlns:a16="http://schemas.microsoft.com/office/drawing/2014/main" id="{372CE14A-CCB1-AB71-4584-FBAF6765A0B4}"/>
               </a:ext>
             </a:extLst>
           </p:cNvPr>
@@ -14413,7 +10778,7 @@
         </p:nvSpPr>
         <p:spPr>
           <a:xfrm>
-            <a:off x="3928649" y="1567877"/>
+            <a:off x="5722815" y="1567877"/>
             <a:ext cx="354330" cy="369332"/>
           </a:xfrm>
           <a:prstGeom prst="rect">
@@ -14435,12 +10800,62 @@
           </a:p>
         </p:txBody>
       </p:sp>
+      <p:sp>
+        <p:nvSpPr>
+          <p:cNvPr id="10" name="TextBox 55">
+            <a:extLst>
+              <a:ext uri="{FF2B5EF4-FFF2-40B4-BE49-F238E27FC236}">
+                <a16:creationId xmlns:a16="http://schemas.microsoft.com/office/drawing/2014/main" id="{50242003-2B95-C9FE-6D25-3B98A97CB8A9}"/>
+              </a:ext>
+            </a:extLst>
+          </p:cNvPr>
+          <p:cNvSpPr txBox="1"/>
+          <p:nvPr/>
+        </p:nvSpPr>
+        <p:spPr>
+          <a:xfrm>
+            <a:off x="494179" y="3786025"/>
+            <a:ext cx="1404504" cy="1200329"/>
+          </a:xfrm>
+          <a:prstGeom prst="rect">
+            <a:avLst/>
+          </a:prstGeom>
+          <a:noFill/>
+        </p:spPr>
+        <p:txBody>
+          <a:bodyPr wrap="square">
+            <a:spAutoFit/>
+          </a:bodyPr>
+          <a:lstStyle/>
+          <a:p>
+            <a:r>
+              <a:rPr lang="es-ES" dirty="0"/>
+              <a:t>I_-1=0.289</a:t>
+            </a:r>
+          </a:p>
+          <a:p>
+            <a:r>
+              <a:rPr lang="es-ES" dirty="0"/>
+              <a:t>I_0=0.287</a:t>
+            </a:r>
+          </a:p>
+          <a:p>
+            <a:r>
+              <a:rPr lang="es-ES" dirty="0"/>
+              <a:t>I_1=0.289</a:t>
+            </a:r>
+          </a:p>
+          <a:p>
+            <a:endParaRPr lang="es-ES" dirty="0"/>
+          </a:p>
+        </p:txBody>
+      </p:sp>
       <p:pic>
         <p:nvPicPr>
-          <p:cNvPr id="14" name="图片 13">
-            <a:extLst>
-              <a:ext uri="{FF2B5EF4-FFF2-40B4-BE49-F238E27FC236}">
-                <a16:creationId xmlns:a16="http://schemas.microsoft.com/office/drawing/2014/main" id="{3994D87D-2D88-B769-7E3C-DA24417126EF}"/>
+          <p:cNvPr id="3" name="Picture 22">
+            <a:extLst>
+              <a:ext uri="{FF2B5EF4-FFF2-40B4-BE49-F238E27FC236}">
+                <a16:creationId xmlns:a16="http://schemas.microsoft.com/office/drawing/2014/main" id="{62798867-CBD5-B081-61F1-0E25C2752AE5}"/>
               </a:ext>
             </a:extLst>
           </p:cNvPr>
@@ -14450,7 +10865,7 @@
           <p:nvPr/>
         </p:nvPicPr>
         <p:blipFill>
-          <a:blip r:embed="rId4">
+          <a:blip r:embed="rId12">
             <a:extLst>
               <a:ext uri="{28A0092B-C50C-407E-A947-70E740481C1C}">
                 <a14:useLocalDpi xmlns:a14="http://schemas.microsoft.com/office/drawing/2010/main" val="0"/>
@@ -14462,8 +10877,8 @@
         </p:blipFill>
         <p:spPr>
           <a:xfrm>
-            <a:off x="1626923" y="2954303"/>
-            <a:ext cx="1677172" cy="3354344"/>
+            <a:off x="3434931" y="1283584"/>
+            <a:ext cx="1685275" cy="947967"/>
           </a:xfrm>
           <a:prstGeom prst="rect">
             <a:avLst/>
@@ -14472,10 +10887,10 @@
       </p:pic>
       <p:pic>
         <p:nvPicPr>
-          <p:cNvPr id="2" name="图片 1">
-            <a:extLst>
-              <a:ext uri="{FF2B5EF4-FFF2-40B4-BE49-F238E27FC236}">
-                <a16:creationId xmlns:a16="http://schemas.microsoft.com/office/drawing/2014/main" id="{F8B9A722-5C10-E9BB-CEE6-DA22924AFBB2}"/>
+          <p:cNvPr id="5" name="Picture 4">
+            <a:extLst>
+              <a:ext uri="{FF2B5EF4-FFF2-40B4-BE49-F238E27FC236}">
+                <a16:creationId xmlns:a16="http://schemas.microsoft.com/office/drawing/2014/main" id="{B798E78C-AB34-67BF-D0E5-2C1DE16D72B3}"/>
               </a:ext>
             </a:extLst>
           </p:cNvPr>
@@ -14485,7 +10900,7 @@
           <p:nvPr/>
         </p:nvPicPr>
         <p:blipFill>
-          <a:blip r:embed="rId5">
+          <a:blip r:embed="rId13">
             <a:extLst>
               <a:ext uri="{28A0092B-C50C-407E-A947-70E740481C1C}">
                 <a14:useLocalDpi xmlns:a14="http://schemas.microsoft.com/office/drawing/2010/main" val="0"/>
@@ -14497,55 +10912,20 @@
         </p:blipFill>
         <p:spPr>
           <a:xfrm>
-            <a:off x="4984916" y="1278560"/>
-            <a:ext cx="1677173" cy="947967"/>
+            <a:off x="7997426" y="3296839"/>
+            <a:ext cx="3175001" cy="2381250"/>
           </a:xfrm>
           <a:prstGeom prst="rect">
             <a:avLst/>
           </a:prstGeom>
         </p:spPr>
       </p:pic>
-      <p:pic>
-        <p:nvPicPr>
-          <p:cNvPr id="3" name="图片 2">
-            <a:extLst>
-              <a:ext uri="{FF2B5EF4-FFF2-40B4-BE49-F238E27FC236}">
-                <a16:creationId xmlns:a16="http://schemas.microsoft.com/office/drawing/2014/main" id="{ADC49B75-32A0-B356-0E64-A39C73703E57}"/>
-              </a:ext>
-            </a:extLst>
-          </p:cNvPr>
-          <p:cNvPicPr>
-            <a:picLocks noChangeAspect="1"/>
-          </p:cNvPicPr>
-          <p:nvPr/>
-        </p:nvPicPr>
-        <p:blipFill>
-          <a:blip r:embed="rId6">
-            <a:extLst>
-              <a:ext uri="{28A0092B-C50C-407E-A947-70E740481C1C}">
-                <a14:useLocalDpi xmlns:a14="http://schemas.microsoft.com/office/drawing/2010/main" val="0"/>
-              </a:ext>
-            </a:extLst>
-          </a:blip>
-          <a:srcRect/>
-          <a:stretch/>
-        </p:blipFill>
-        <p:spPr>
-          <a:xfrm>
-            <a:off x="8051466" y="1278560"/>
-            <a:ext cx="1677173" cy="947967"/>
-          </a:xfrm>
-          <a:prstGeom prst="rect">
-            <a:avLst/>
-          </a:prstGeom>
-        </p:spPr>
-      </p:pic>
-      <p:sp>
-        <p:nvSpPr>
-          <p:cNvPr id="12" name="TextBox 24">
-            <a:extLst>
-              <a:ext uri="{FF2B5EF4-FFF2-40B4-BE49-F238E27FC236}">
-                <a16:creationId xmlns:a16="http://schemas.microsoft.com/office/drawing/2014/main" id="{36F5DEE7-E678-AFC6-36DC-C7585A6660D9}"/>
+      <p:sp>
+        <p:nvSpPr>
+          <p:cNvPr id="12" name="TextBox 11">
+            <a:extLst>
+              <a:ext uri="{FF2B5EF4-FFF2-40B4-BE49-F238E27FC236}">
+                <a16:creationId xmlns:a16="http://schemas.microsoft.com/office/drawing/2014/main" id="{8FEA65C2-BAA7-0FDF-E0D9-6DC10E9C9E91}"/>
               </a:ext>
             </a:extLst>
           </p:cNvPr>
@@ -14554,8 +10934,8 @@
         </p:nvSpPr>
         <p:spPr>
           <a:xfrm>
-            <a:off x="7238894" y="1567877"/>
-            <a:ext cx="354330" cy="369332"/>
+            <a:off x="8173222" y="5633288"/>
+            <a:ext cx="3233320" cy="369332"/>
           </a:xfrm>
           <a:prstGeom prst="rect">
             <a:avLst/>
@@ -14569,313 +10949,202 @@
           <a:lstStyle/>
           <a:p>
             <a:r>
-              <a:rPr lang="en-GB" dirty="0"/>
-              <a:t>×</a:t>
-            </a:r>
-            <a:endParaRPr lang="es-ES" dirty="0"/>
-          </a:p>
-        </p:txBody>
-      </p:sp>
-      <mc:AlternateContent xmlns:mc="http://schemas.openxmlformats.org/markup-compatibility/2006">
-        <mc:Choice xmlns:a14="http://schemas.microsoft.com/office/drawing/2010/main" Requires="a14">
-          <p:sp>
-            <p:nvSpPr>
-              <p:cNvPr id="13" name="TextBox 71">
-                <a:extLst>
-                  <a:ext uri="{FF2B5EF4-FFF2-40B4-BE49-F238E27FC236}">
-                    <a16:creationId xmlns:a16="http://schemas.microsoft.com/office/drawing/2014/main" id="{D2EFCD07-C3DD-A0A1-61BC-3E0D0CD2303E}"/>
-                  </a:ext>
-                </a:extLst>
-              </p:cNvPr>
-              <p:cNvSpPr txBox="1"/>
-              <p:nvPr/>
-            </p:nvSpPr>
-            <p:spPr>
-              <a:xfrm>
-                <a:off x="4904465" y="763721"/>
-                <a:ext cx="1813615" cy="369332"/>
-              </a:xfrm>
-              <a:prstGeom prst="rect">
-                <a:avLst/>
-              </a:prstGeom>
-              <a:solidFill>
-                <a:schemeClr val="bg1"/>
-              </a:solidFill>
-            </p:spPr>
-            <p:txBody>
-              <a:bodyPr wrap="square">
-                <a:spAutoFit/>
-              </a:bodyPr>
-              <a:lstStyle/>
-              <a:p>
-                <a:pPr marL="285750" indent="-285750">
-                  <a:buFont typeface="Arial" panose="020B0604020202020204" pitchFamily="34" charset="0"/>
-                  <a:buChar char="•"/>
-                </a:pPr>
-                <a14:m>
-                  <m:oMath xmlns:m="http://schemas.openxmlformats.org/officeDocument/2006/math">
-                    <m:r>
-                      <a:rPr lang="es-ES" i="1" smtClean="0">
-                        <a:solidFill>
-                          <a:schemeClr val="tx1"/>
-                        </a:solidFill>
-                        <a:latin typeface="Cambria Math" panose="02040503050406030204" pitchFamily="18" charset="0"/>
-                      </a:rPr>
-                      <m:t>𝑝</m:t>
-                    </m:r>
-                    <m:r>
-                      <a:rPr lang="es-ES" b="0" i="1" smtClean="0">
-                        <a:solidFill>
-                          <a:schemeClr val="tx1"/>
-                        </a:solidFill>
-                        <a:latin typeface="Cambria Math" panose="02040503050406030204" pitchFamily="18" charset="0"/>
-                      </a:rPr>
-                      <m:t>=</m:t>
-                    </m:r>
-                  </m:oMath>
-                </a14:m>
-                <a:r>
-                  <a:rPr lang="en-GB" dirty="0">
-                    <a:solidFill>
-                      <a:schemeClr val="tx1"/>
-                    </a:solidFill>
-                  </a:rPr>
-                  <a:t> </a:t>
-                </a:r>
-                <a14:m>
-                  <m:oMath xmlns:m="http://schemas.openxmlformats.org/officeDocument/2006/math">
-                    <m:r>
-                      <a:rPr lang="es-ES" i="1" dirty="0">
-                        <a:latin typeface="Cambria Math" panose="02040503050406030204" pitchFamily="18" charset="0"/>
-                      </a:rPr>
-                      <m:t>8</m:t>
-                    </m:r>
-                    <m:r>
-                      <a:rPr lang="en-US" b="0" i="1" dirty="0" smtClean="0">
-                        <a:latin typeface="Cambria Math" panose="02040503050406030204" pitchFamily="18" charset="0"/>
-                      </a:rPr>
-                      <m:t>1</m:t>
-                    </m:r>
-                    <m:r>
-                      <a:rPr lang="es-ES" b="0" i="1" smtClean="0">
-                        <a:solidFill>
-                          <a:schemeClr val="tx1"/>
-                        </a:solidFill>
-                        <a:latin typeface="Cambria Math" panose="02040503050406030204" pitchFamily="18" charset="0"/>
-                      </a:rPr>
-                      <m:t>𝑝𝑥</m:t>
-                    </m:r>
-                  </m:oMath>
-                </a14:m>
-                <a:r>
-                  <a:rPr lang="es-ES" dirty="0">
-                    <a:solidFill>
-                      <a:schemeClr val="tx1"/>
-                    </a:solidFill>
-                  </a:rPr>
-                  <a:t> </a:t>
-                </a:r>
-              </a:p>
-            </p:txBody>
-          </p:sp>
-        </mc:Choice>
-        <mc:Fallback>
-          <p:sp>
-            <p:nvSpPr>
-              <p:cNvPr id="13" name="TextBox 71">
-                <a:extLst>
-                  <a:ext uri="{FF2B5EF4-FFF2-40B4-BE49-F238E27FC236}">
-                    <a16:creationId xmlns:a16="http://schemas.microsoft.com/office/drawing/2014/main" id="{D2EFCD07-C3DD-A0A1-61BC-3E0D0CD2303E}"/>
-                  </a:ext>
-                </a:extLst>
-              </p:cNvPr>
-              <p:cNvSpPr txBox="1">
-                <a:spLocks noRot="1" noChangeAspect="1" noMove="1" noResize="1" noEditPoints="1" noAdjustHandles="1" noChangeArrowheads="1" noChangeShapeType="1" noTextEdit="1"/>
-              </p:cNvSpPr>
-              <p:nvPr/>
-            </p:nvSpPr>
-            <p:spPr>
-              <a:xfrm>
-                <a:off x="4904465" y="763721"/>
-                <a:ext cx="1813615" cy="369332"/>
-              </a:xfrm>
-              <a:prstGeom prst="rect">
-                <a:avLst/>
-              </a:prstGeom>
-              <a:blipFill>
-                <a:blip r:embed="rId7"/>
-                <a:stretch>
-                  <a:fillRect l="-2357" t="-3279" b="-18033"/>
-                </a:stretch>
-              </a:blipFill>
-            </p:spPr>
-            <p:txBody>
-              <a:bodyPr/>
-              <a:lstStyle/>
-              <a:p>
-                <a:r>
-                  <a:rPr lang="en-US">
-                    <a:noFill/>
-                  </a:rPr>
-                  <a:t> </a:t>
-                </a:r>
-              </a:p>
-            </p:txBody>
-          </p:sp>
-        </mc:Fallback>
-      </mc:AlternateContent>
-      <mc:AlternateContent xmlns:mc="http://schemas.openxmlformats.org/markup-compatibility/2006">
-        <mc:Choice xmlns:a14="http://schemas.microsoft.com/office/drawing/2010/main" Requires="a14">
-          <p:sp>
-            <p:nvSpPr>
-              <p:cNvPr id="15" name="TextBox 71">
-                <a:extLst>
-                  <a:ext uri="{FF2B5EF4-FFF2-40B4-BE49-F238E27FC236}">
-                    <a16:creationId xmlns:a16="http://schemas.microsoft.com/office/drawing/2014/main" id="{99F665CD-9745-5B70-6BA8-59E4AC8B72BE}"/>
-                  </a:ext>
-                </a:extLst>
-              </p:cNvPr>
-              <p:cNvSpPr txBox="1"/>
-              <p:nvPr/>
-            </p:nvSpPr>
-            <p:spPr>
-              <a:xfrm>
-                <a:off x="8071831" y="763721"/>
-                <a:ext cx="1813615" cy="369332"/>
-              </a:xfrm>
-              <a:prstGeom prst="rect">
-                <a:avLst/>
-              </a:prstGeom>
-              <a:solidFill>
-                <a:schemeClr val="bg1"/>
-              </a:solidFill>
-            </p:spPr>
-            <p:txBody>
-              <a:bodyPr wrap="square">
-                <a:spAutoFit/>
-              </a:bodyPr>
-              <a:lstStyle/>
-              <a:p>
-                <a:pPr marL="285750" indent="-285750">
-                  <a:buFont typeface="Arial" panose="020B0604020202020204" pitchFamily="34" charset="0"/>
-                  <a:buChar char="•"/>
-                </a:pPr>
-                <a14:m>
-                  <m:oMath xmlns:m="http://schemas.openxmlformats.org/officeDocument/2006/math">
-                    <m:r>
-                      <a:rPr lang="es-ES" i="1" smtClean="0">
-                        <a:solidFill>
-                          <a:schemeClr val="tx1"/>
-                        </a:solidFill>
-                        <a:latin typeface="Cambria Math" panose="02040503050406030204" pitchFamily="18" charset="0"/>
-                      </a:rPr>
-                      <m:t>𝑝</m:t>
-                    </m:r>
-                    <m:r>
-                      <a:rPr lang="es-ES" b="0" i="1" smtClean="0">
-                        <a:solidFill>
-                          <a:schemeClr val="tx1"/>
-                        </a:solidFill>
-                        <a:latin typeface="Cambria Math" panose="02040503050406030204" pitchFamily="18" charset="0"/>
-                      </a:rPr>
-                      <m:t>=</m:t>
-                    </m:r>
-                  </m:oMath>
-                </a14:m>
-                <a:r>
-                  <a:rPr lang="en-GB" dirty="0">
-                    <a:solidFill>
-                      <a:schemeClr val="tx1"/>
-                    </a:solidFill>
-                  </a:rPr>
-                  <a:t> </a:t>
-                </a:r>
-                <a14:m>
-                  <m:oMath xmlns:m="http://schemas.openxmlformats.org/officeDocument/2006/math">
-                    <m:r>
-                      <a:rPr lang="en-US" i="1">
-                        <a:latin typeface="Cambria Math" panose="02040503050406030204" pitchFamily="18" charset="0"/>
-                      </a:rPr>
-                      <m:t>6</m:t>
-                    </m:r>
-                    <m:r>
-                      <a:rPr lang="en-US" b="0" i="1" smtClean="0">
-                        <a:latin typeface="Cambria Math" panose="02040503050406030204" pitchFamily="18" charset="0"/>
-                      </a:rPr>
-                      <m:t>40</m:t>
-                    </m:r>
-                    <m:r>
-                      <a:rPr lang="es-ES" b="0" i="1" smtClean="0">
-                        <a:solidFill>
-                          <a:schemeClr val="tx1"/>
-                        </a:solidFill>
-                        <a:latin typeface="Cambria Math" panose="02040503050406030204" pitchFamily="18" charset="0"/>
-                      </a:rPr>
-                      <m:t>𝑝𝑥</m:t>
-                    </m:r>
-                  </m:oMath>
-                </a14:m>
-                <a:r>
-                  <a:rPr lang="es-ES" dirty="0">
-                    <a:solidFill>
-                      <a:schemeClr val="tx1"/>
-                    </a:solidFill>
-                  </a:rPr>
-                  <a:t> </a:t>
-                </a:r>
-              </a:p>
-            </p:txBody>
-          </p:sp>
-        </mc:Choice>
-        <mc:Fallback>
-          <p:sp>
-            <p:nvSpPr>
-              <p:cNvPr id="15" name="TextBox 71">
-                <a:extLst>
-                  <a:ext uri="{FF2B5EF4-FFF2-40B4-BE49-F238E27FC236}">
-                    <a16:creationId xmlns:a16="http://schemas.microsoft.com/office/drawing/2014/main" id="{99F665CD-9745-5B70-6BA8-59E4AC8B72BE}"/>
-                  </a:ext>
-                </a:extLst>
-              </p:cNvPr>
-              <p:cNvSpPr txBox="1">
-                <a:spLocks noRot="1" noChangeAspect="1" noMove="1" noResize="1" noEditPoints="1" noAdjustHandles="1" noChangeArrowheads="1" noChangeShapeType="1" noTextEdit="1"/>
-              </p:cNvSpPr>
-              <p:nvPr/>
-            </p:nvSpPr>
-            <p:spPr>
-              <a:xfrm>
-                <a:off x="8071831" y="763721"/>
-                <a:ext cx="1813615" cy="369332"/>
-              </a:xfrm>
-              <a:prstGeom prst="rect">
-                <a:avLst/>
-              </a:prstGeom>
-              <a:blipFill>
-                <a:blip r:embed="rId8"/>
-                <a:stretch>
-                  <a:fillRect l="-2013" t="-3279" b="-18033"/>
-                </a:stretch>
-              </a:blipFill>
-            </p:spPr>
-            <p:txBody>
-              <a:bodyPr/>
-              <a:lstStyle/>
-              <a:p>
-                <a:r>
-                  <a:rPr lang="en-US">
-                    <a:noFill/>
-                  </a:rPr>
-                  <a:t> </a:t>
-                </a:r>
-              </a:p>
-            </p:txBody>
-          </p:sp>
-        </mc:Fallback>
-      </mc:AlternateContent>
+              <a:rPr lang="es-ES" dirty="0"/>
+              <a:t>Triplicator, RGB= 0,140, 0</a:t>
+            </a:r>
+          </a:p>
+        </p:txBody>
+      </p:sp>
+      <p:sp>
+        <p:nvSpPr>
+          <p:cNvPr id="13" name="TextBox 55">
+            <a:extLst>
+              <a:ext uri="{FF2B5EF4-FFF2-40B4-BE49-F238E27FC236}">
+                <a16:creationId xmlns:a16="http://schemas.microsoft.com/office/drawing/2014/main" id="{8559D289-8878-B35D-0A21-7A7C346FFB31}"/>
+              </a:ext>
+            </a:extLst>
+          </p:cNvPr>
+          <p:cNvSpPr txBox="1"/>
+          <p:nvPr/>
+        </p:nvSpPr>
+        <p:spPr>
+          <a:xfrm>
+            <a:off x="9483200" y="2372034"/>
+            <a:ext cx="1697645" cy="646331"/>
+          </a:xfrm>
+          <a:prstGeom prst="rect">
+            <a:avLst/>
+          </a:prstGeom>
+          <a:noFill/>
+        </p:spPr>
+        <p:txBody>
+          <a:bodyPr wrap="square">
+            <a:spAutoFit/>
+          </a:bodyPr>
+          <a:lstStyle/>
+          <a:p>
+            <a:r>
+              <a:rPr lang="es-ES" dirty="0"/>
+              <a:t>I_0= 5.7E-7 I_1= 0.533</a:t>
+            </a:r>
+          </a:p>
+        </p:txBody>
+      </p:sp>
+      <p:sp>
+        <p:nvSpPr>
+          <p:cNvPr id="15" name="Rectangle 14">
+            <a:extLst>
+              <a:ext uri="{FF2B5EF4-FFF2-40B4-BE49-F238E27FC236}">
+                <a16:creationId xmlns:a16="http://schemas.microsoft.com/office/drawing/2014/main" id="{DA68FE34-DF81-5492-386F-647B56F2100C}"/>
+              </a:ext>
+            </a:extLst>
+          </p:cNvPr>
+          <p:cNvSpPr/>
+          <p:nvPr/>
+        </p:nvSpPr>
+        <p:spPr>
+          <a:xfrm>
+            <a:off x="6096000" y="637115"/>
+            <a:ext cx="5334448" cy="2381250"/>
+          </a:xfrm>
+          <a:prstGeom prst="rect">
+            <a:avLst/>
+          </a:prstGeom>
+          <a:noFill/>
+          <a:ln>
+            <a:solidFill>
+              <a:srgbClr val="FF0000"/>
+            </a:solidFill>
+          </a:ln>
+        </p:spPr>
+        <p:style>
+          <a:lnRef idx="2">
+            <a:schemeClr val="accent1">
+              <a:shade val="15000"/>
+            </a:schemeClr>
+          </a:lnRef>
+          <a:fillRef idx="1">
+            <a:schemeClr val="accent1"/>
+          </a:fillRef>
+          <a:effectRef idx="0">
+            <a:schemeClr val="accent1"/>
+          </a:effectRef>
+          <a:fontRef idx="minor">
+            <a:schemeClr val="lt1"/>
+          </a:fontRef>
+        </p:style>
+        <p:txBody>
+          <a:bodyPr rtlCol="0" anchor="ctr"/>
+          <a:lstStyle/>
+          <a:p>
+            <a:pPr algn="ctr"/>
+            <a:endParaRPr lang="es-ES"/>
+          </a:p>
+        </p:txBody>
+      </p:sp>
+      <p:sp>
+        <p:nvSpPr>
+          <p:cNvPr id="8" name="TextBox 7">
+            <a:extLst>
+              <a:ext uri="{FF2B5EF4-FFF2-40B4-BE49-F238E27FC236}">
+                <a16:creationId xmlns:a16="http://schemas.microsoft.com/office/drawing/2014/main" id="{91E6A783-1990-325C-513D-DD8DC9F25115}"/>
+              </a:ext>
+            </a:extLst>
+          </p:cNvPr>
+          <p:cNvSpPr txBox="1"/>
+          <p:nvPr/>
+        </p:nvSpPr>
+        <p:spPr>
+          <a:xfrm>
+            <a:off x="7724751" y="5933287"/>
+            <a:ext cx="4199026" cy="646331"/>
+          </a:xfrm>
+          <a:prstGeom prst="rect">
+            <a:avLst/>
+          </a:prstGeom>
+          <a:noFill/>
+        </p:spPr>
+        <p:txBody>
+          <a:bodyPr wrap="square" rtlCol="0">
+            <a:spAutoFit/>
+          </a:bodyPr>
+          <a:lstStyle/>
+          <a:p>
+            <a:pPr marL="285750" indent="-285750">
+              <a:buFont typeface="Arial" panose="020B0604020202020204" pitchFamily="34" charset="0"/>
+              <a:buChar char="•"/>
+            </a:pPr>
+            <a:r>
+              <a:rPr lang="es-ES" dirty="0" err="1"/>
+              <a:t>The</a:t>
+            </a:r>
+            <a:r>
+              <a:rPr lang="es-ES" dirty="0"/>
+              <a:t> 0th </a:t>
+            </a:r>
+            <a:r>
+              <a:rPr lang="es-ES" dirty="0" err="1"/>
+              <a:t>is</a:t>
+            </a:r>
+            <a:r>
+              <a:rPr lang="es-ES" dirty="0"/>
+              <a:t> </a:t>
+            </a:r>
+            <a:r>
+              <a:rPr lang="es-ES" dirty="0" err="1"/>
+              <a:t>darker</a:t>
+            </a:r>
+            <a:r>
+              <a:rPr lang="es-ES" dirty="0"/>
+              <a:t> as </a:t>
+            </a:r>
+            <a:r>
+              <a:rPr lang="es-ES" dirty="0" err="1"/>
+              <a:t>same</a:t>
+            </a:r>
+            <a:r>
+              <a:rPr lang="es-ES" dirty="0"/>
+              <a:t> as </a:t>
+            </a:r>
+            <a:r>
+              <a:rPr lang="es-ES" dirty="0" err="1"/>
+              <a:t>calculated</a:t>
+            </a:r>
+            <a:r>
+              <a:rPr lang="es-ES" dirty="0"/>
+              <a:t>, </a:t>
+            </a:r>
+            <a:r>
+              <a:rPr lang="es-ES" dirty="0" err="1"/>
+              <a:t>but</a:t>
+            </a:r>
+            <a:r>
+              <a:rPr lang="es-ES" dirty="0"/>
+              <a:t> </a:t>
+            </a:r>
+            <a:r>
+              <a:rPr lang="es-ES" dirty="0" err="1"/>
+              <a:t>too</a:t>
+            </a:r>
+            <a:r>
+              <a:rPr lang="es-ES" dirty="0"/>
+              <a:t> </a:t>
+            </a:r>
+            <a:r>
+              <a:rPr lang="es-ES" dirty="0" err="1"/>
+              <a:t>much</a:t>
+            </a:r>
+            <a:r>
+              <a:rPr lang="es-ES" dirty="0"/>
+              <a:t>.</a:t>
+            </a:r>
+          </a:p>
+        </p:txBody>
+      </p:sp>
     </p:spTree>
     <p:extLst>
       <p:ext uri="{BB962C8B-B14F-4D97-AF65-F5344CB8AC3E}">
-        <p14:creationId xmlns:p14="http://schemas.microsoft.com/office/powerpoint/2010/main" val="3955082724"/>
+        <p14:creationId xmlns:p14="http://schemas.microsoft.com/office/powerpoint/2010/main" val="2511002570"/>
       </p:ext>
     </p:extLst>
   </p:cSld>
@@ -14885,7 +11154,7 @@
 </p:sld>
 </file>
 
-<file path=ppt/slides/slide9.xml><?xml version="1.0" encoding="utf-8"?>
+<file path=ppt/slides/slide7.xml><?xml version="1.0" encoding="utf-8"?>
 <p:sld xmlns:a="http://schemas.openxmlformats.org/drawingml/2006/main" xmlns:r="http://schemas.openxmlformats.org/officeDocument/2006/relationships" xmlns:p="http://schemas.openxmlformats.org/presentationml/2006/main">
   <p:cSld>
     <p:spTree>
@@ -15028,7 +11297,19 @@
           <a:p>
             <a:r>
               <a:rPr lang="es-ES" sz="1800" b="1" dirty="0"/>
-              <a:t>4. Simulation results of binary and blazed phase gratings</a:t>
+              <a:t>4. Simulation results of binary and blazed </a:t>
+            </a:r>
+            <a:r>
+              <a:rPr lang="es-ES" sz="1800" b="1" dirty="0" err="1"/>
+              <a:t>phase</a:t>
+            </a:r>
+            <a:r>
+              <a:rPr lang="es-ES" sz="1800" b="1" dirty="0"/>
+              <a:t> </a:t>
+            </a:r>
+            <a:r>
+              <a:rPr lang="es-ES" sz="1800" b="1" dirty="0" err="1"/>
+              <a:t>gratings_EXAMPLE</a:t>
             </a:r>
             <a:endParaRPr lang="en-GB" sz="1800" b="1" dirty="0"/>
           </a:p>
@@ -15061,7 +11342,7 @@
         </p:blipFill>
         <p:spPr>
           <a:xfrm>
-            <a:off x="1786218" y="2496755"/>
+            <a:off x="3421089" y="3193166"/>
             <a:ext cx="1905000" cy="2381250"/>
           </a:xfrm>
           <a:prstGeom prst="rect">
@@ -15456,7 +11737,7 @@
         </p:blipFill>
         <p:spPr>
           <a:xfrm>
-            <a:off x="5104506" y="2494733"/>
+            <a:off x="6739377" y="3191144"/>
             <a:ext cx="1905000" cy="2381250"/>
           </a:xfrm>
           <a:prstGeom prst="rect">
@@ -15810,7 +12091,7 @@
         </p:nvSpPr>
         <p:spPr>
           <a:xfrm>
-            <a:off x="3667289" y="2733783"/>
+            <a:off x="5302160" y="3430194"/>
             <a:ext cx="1404504" cy="1477328"/>
           </a:xfrm>
           <a:prstGeom prst="rect">
@@ -15907,7 +12188,7 @@
         </p:nvSpPr>
         <p:spPr>
           <a:xfrm>
-            <a:off x="390661" y="2983923"/>
+            <a:off x="2025532" y="3680334"/>
             <a:ext cx="1404504" cy="1200329"/>
           </a:xfrm>
           <a:prstGeom prst="rect">
@@ -15978,10 +12259,1867 @@
           </a:prstGeom>
         </p:spPr>
       </p:pic>
+      <p:sp>
+        <p:nvSpPr>
+          <p:cNvPr id="8" name="TextBox 55">
+            <a:extLst>
+              <a:ext uri="{FF2B5EF4-FFF2-40B4-BE49-F238E27FC236}">
+                <a16:creationId xmlns:a16="http://schemas.microsoft.com/office/drawing/2014/main" id="{3D29677B-9464-C892-7248-59729829758E}"/>
+              </a:ext>
+            </a:extLst>
+          </p:cNvPr>
+          <p:cNvSpPr txBox="1"/>
+          <p:nvPr/>
+        </p:nvSpPr>
+        <p:spPr>
+          <a:xfrm>
+            <a:off x="9483200" y="2372034"/>
+            <a:ext cx="1697645" cy="646331"/>
+          </a:xfrm>
+          <a:prstGeom prst="rect">
+            <a:avLst/>
+          </a:prstGeom>
+          <a:noFill/>
+        </p:spPr>
+        <p:txBody>
+          <a:bodyPr wrap="square">
+            <a:spAutoFit/>
+          </a:bodyPr>
+          <a:lstStyle/>
+          <a:p>
+            <a:r>
+              <a:rPr lang="es-ES" dirty="0"/>
+              <a:t>I_0=0</a:t>
+            </a:r>
+          </a:p>
+          <a:p>
+            <a:r>
+              <a:rPr lang="es-ES" dirty="0"/>
+              <a:t>I_1= 0.9997</a:t>
+            </a:r>
+          </a:p>
+        </p:txBody>
+      </p:sp>
+      <p:sp>
+        <p:nvSpPr>
+          <p:cNvPr id="12" name="Rectangle 11">
+            <a:extLst>
+              <a:ext uri="{FF2B5EF4-FFF2-40B4-BE49-F238E27FC236}">
+                <a16:creationId xmlns:a16="http://schemas.microsoft.com/office/drawing/2014/main" id="{84CB45CD-ECE2-F990-ECB3-2DA2F7C02B3E}"/>
+              </a:ext>
+            </a:extLst>
+          </p:cNvPr>
+          <p:cNvSpPr/>
+          <p:nvPr/>
+        </p:nvSpPr>
+        <p:spPr>
+          <a:xfrm>
+            <a:off x="6096000" y="637115"/>
+            <a:ext cx="5334448" cy="2381250"/>
+          </a:xfrm>
+          <a:prstGeom prst="rect">
+            <a:avLst/>
+          </a:prstGeom>
+          <a:noFill/>
+          <a:ln>
+            <a:solidFill>
+              <a:srgbClr val="FF0000"/>
+            </a:solidFill>
+          </a:ln>
+        </p:spPr>
+        <p:style>
+          <a:lnRef idx="2">
+            <a:schemeClr val="accent1">
+              <a:shade val="15000"/>
+            </a:schemeClr>
+          </a:lnRef>
+          <a:fillRef idx="1">
+            <a:schemeClr val="accent1"/>
+          </a:fillRef>
+          <a:effectRef idx="0">
+            <a:schemeClr val="accent1"/>
+          </a:effectRef>
+          <a:fontRef idx="minor">
+            <a:schemeClr val="lt1"/>
+          </a:fontRef>
+        </p:style>
+        <p:txBody>
+          <a:bodyPr rtlCol="0" anchor="ctr"/>
+          <a:lstStyle/>
+          <a:p>
+            <a:pPr algn="ctr"/>
+            <a:endParaRPr lang="es-ES"/>
+          </a:p>
+        </p:txBody>
+      </p:sp>
     </p:spTree>
     <p:extLst>
       <p:ext uri="{BB962C8B-B14F-4D97-AF65-F5344CB8AC3E}">
         <p14:creationId xmlns:p14="http://schemas.microsoft.com/office/powerpoint/2010/main" val="2960484488"/>
+      </p:ext>
+    </p:extLst>
+  </p:cSld>
+  <p:clrMapOvr>
+    <a:masterClrMapping/>
+  </p:clrMapOvr>
+</p:sld>
+</file>
+
+<file path=ppt/slides/slide8.xml><?xml version="1.0" encoding="utf-8"?>
+<p:sld xmlns:a="http://schemas.openxmlformats.org/drawingml/2006/main" xmlns:r="http://schemas.openxmlformats.org/officeDocument/2006/relationships" xmlns:p="http://schemas.openxmlformats.org/presentationml/2006/main">
+  <p:cSld>
+    <p:spTree>
+      <p:nvGrpSpPr>
+        <p:cNvPr id="1" name="">
+          <a:extLst>
+            <a:ext uri="{FF2B5EF4-FFF2-40B4-BE49-F238E27FC236}">
+              <a16:creationId xmlns:a16="http://schemas.microsoft.com/office/drawing/2014/main" id="{2B91D736-57C5-17D2-4278-0CB6562F1AC4}"/>
+            </a:ext>
+          </a:extLst>
+        </p:cNvPr>
+        <p:cNvGrpSpPr/>
+        <p:nvPr/>
+      </p:nvGrpSpPr>
+      <p:grpSpPr>
+        <a:xfrm>
+          <a:off x="0" y="0"/>
+          <a:ext cx="0" cy="0"/>
+          <a:chOff x="0" y="0"/>
+          <a:chExt cx="0" cy="0"/>
+        </a:xfrm>
+      </p:grpSpPr>
+      <p:pic>
+        <p:nvPicPr>
+          <p:cNvPr id="19" name="Picture 18">
+            <a:extLst>
+              <a:ext uri="{FF2B5EF4-FFF2-40B4-BE49-F238E27FC236}">
+                <a16:creationId xmlns:a16="http://schemas.microsoft.com/office/drawing/2014/main" id="{5CFD0797-95DB-65B5-161C-90D34B8225EB}"/>
+              </a:ext>
+            </a:extLst>
+          </p:cNvPr>
+          <p:cNvPicPr>
+            <a:picLocks noChangeAspect="1"/>
+          </p:cNvPicPr>
+          <p:nvPr/>
+        </p:nvPicPr>
+        <p:blipFill>
+          <a:blip r:embed="rId2">
+            <a:extLst>
+              <a:ext uri="{28A0092B-C50C-407E-A947-70E740481C1C}">
+                <a14:useLocalDpi xmlns:a14="http://schemas.microsoft.com/office/drawing/2010/main" val="0"/>
+              </a:ext>
+            </a:extLst>
+          </a:blip>
+          <a:srcRect/>
+          <a:stretch/>
+        </p:blipFill>
+        <p:spPr>
+          <a:xfrm>
+            <a:off x="583834" y="1279323"/>
+            <a:ext cx="1685274" cy="946440"/>
+          </a:xfrm>
+          <a:prstGeom prst="rect">
+            <a:avLst/>
+          </a:prstGeom>
+        </p:spPr>
+      </p:pic>
+      <p:sp>
+        <p:nvSpPr>
+          <p:cNvPr id="25" name="TextBox 24">
+            <a:extLst>
+              <a:ext uri="{FF2B5EF4-FFF2-40B4-BE49-F238E27FC236}">
+                <a16:creationId xmlns:a16="http://schemas.microsoft.com/office/drawing/2014/main" id="{2D2BB66B-8966-FAB4-969F-CD47D38BD759}"/>
+              </a:ext>
+            </a:extLst>
+          </p:cNvPr>
+          <p:cNvSpPr txBox="1"/>
+          <p:nvPr/>
+        </p:nvSpPr>
+        <p:spPr>
+          <a:xfrm>
+            <a:off x="2681677" y="1567877"/>
+            <a:ext cx="354330" cy="369332"/>
+          </a:xfrm>
+          <a:prstGeom prst="rect">
+            <a:avLst/>
+          </a:prstGeom>
+          <a:noFill/>
+        </p:spPr>
+        <p:txBody>
+          <a:bodyPr wrap="square">
+            <a:spAutoFit/>
+          </a:bodyPr>
+          <a:lstStyle/>
+          <a:p>
+            <a:r>
+              <a:rPr lang="en-GB" dirty="0"/>
+              <a:t>×</a:t>
+            </a:r>
+            <a:endParaRPr lang="es-ES" dirty="0"/>
+          </a:p>
+        </p:txBody>
+      </p:sp>
+      <p:sp>
+        <p:nvSpPr>
+          <p:cNvPr id="2" name="Title 1">
+            <a:extLst>
+              <a:ext uri="{FF2B5EF4-FFF2-40B4-BE49-F238E27FC236}">
+                <a16:creationId xmlns:a16="http://schemas.microsoft.com/office/drawing/2014/main" id="{23F7B019-DE71-B7DF-8A51-E60EEED2FB5B}"/>
+              </a:ext>
+            </a:extLst>
+          </p:cNvPr>
+          <p:cNvSpPr txBox="1">
+            <a:spLocks/>
+          </p:cNvSpPr>
+          <p:nvPr/>
+        </p:nvSpPr>
+        <p:spPr>
+          <a:xfrm>
+            <a:off x="470412" y="0"/>
+            <a:ext cx="9505692" cy="786384"/>
+          </a:xfrm>
+          <a:prstGeom prst="rect">
+            <a:avLst/>
+          </a:prstGeom>
+        </p:spPr>
+        <p:txBody>
+          <a:bodyPr vert="horz" lIns="91440" tIns="45720" rIns="91440" bIns="45720" rtlCol="0" anchor="ctr">
+            <a:normAutofit/>
+          </a:bodyPr>
+          <a:lstStyle>
+            <a:lvl1pPr algn="l" defTabSz="914400" rtl="0" eaLnBrk="1" latinLnBrk="0" hangingPunct="1">
+              <a:lnSpc>
+                <a:spcPct val="90000"/>
+              </a:lnSpc>
+              <a:spcBef>
+                <a:spcPct val="0"/>
+              </a:spcBef>
+              <a:buNone/>
+              <a:defRPr sz="4400" kern="1200">
+                <a:solidFill>
+                  <a:schemeClr val="tx1"/>
+                </a:solidFill>
+                <a:latin typeface="+mj-lt"/>
+                <a:ea typeface="+mj-ea"/>
+                <a:cs typeface="+mj-cs"/>
+              </a:defRPr>
+            </a:lvl1pPr>
+          </a:lstStyle>
+          <a:p>
+            <a:r>
+              <a:rPr lang="es-ES" sz="1800" b="1" dirty="0"/>
+              <a:t>4. Simulation results of binary and blazed phase gratings</a:t>
+            </a:r>
+            <a:endParaRPr lang="en-GB" sz="1800" b="1" dirty="0"/>
+          </a:p>
+        </p:txBody>
+      </p:sp>
+      <p:pic>
+        <p:nvPicPr>
+          <p:cNvPr id="6" name="图片 5">
+            <a:extLst>
+              <a:ext uri="{FF2B5EF4-FFF2-40B4-BE49-F238E27FC236}">
+                <a16:creationId xmlns:a16="http://schemas.microsoft.com/office/drawing/2014/main" id="{087926E6-18B4-9A6C-80D9-CAD9E87B67D6}"/>
+              </a:ext>
+            </a:extLst>
+          </p:cNvPr>
+          <p:cNvPicPr>
+            <a:picLocks noChangeAspect="1"/>
+          </p:cNvPicPr>
+          <p:nvPr/>
+        </p:nvPicPr>
+        <p:blipFill>
+          <a:blip r:embed="rId3">
+            <a:extLst>
+              <a:ext uri="{28A0092B-C50C-407E-A947-70E740481C1C}">
+                <a14:useLocalDpi xmlns:a14="http://schemas.microsoft.com/office/drawing/2010/main" val="0"/>
+              </a:ext>
+            </a:extLst>
+          </a:blip>
+          <a:srcRect t="23958" b="23958"/>
+          <a:stretch/>
+        </p:blipFill>
+        <p:spPr>
+          <a:xfrm>
+            <a:off x="1873561" y="3236356"/>
+            <a:ext cx="1905000" cy="2381250"/>
+          </a:xfrm>
+          <a:prstGeom prst="rect">
+            <a:avLst/>
+          </a:prstGeom>
+        </p:spPr>
+      </p:pic>
+      <mc:AlternateContent xmlns:mc="http://schemas.openxmlformats.org/markup-compatibility/2006" xmlns:a14="http://schemas.microsoft.com/office/drawing/2010/main">
+        <mc:Choice Requires="a14">
+          <p:sp>
+            <p:nvSpPr>
+              <p:cNvPr id="9" name="TextBox 71">
+                <a:extLst>
+                  <a:ext uri="{FF2B5EF4-FFF2-40B4-BE49-F238E27FC236}">
+                    <a16:creationId xmlns:a16="http://schemas.microsoft.com/office/drawing/2014/main" id="{3D90C295-6735-62A6-4A9F-DCA569E7295B}"/>
+                  </a:ext>
+                </a:extLst>
+              </p:cNvPr>
+              <p:cNvSpPr txBox="1"/>
+              <p:nvPr/>
+            </p:nvSpPr>
+            <p:spPr>
+              <a:xfrm>
+                <a:off x="478004" y="763721"/>
+                <a:ext cx="1813615" cy="369332"/>
+              </a:xfrm>
+              <a:prstGeom prst="rect">
+                <a:avLst/>
+              </a:prstGeom>
+              <a:solidFill>
+                <a:schemeClr val="bg1"/>
+              </a:solidFill>
+            </p:spPr>
+            <p:txBody>
+              <a:bodyPr wrap="square">
+                <a:spAutoFit/>
+              </a:bodyPr>
+              <a:lstStyle/>
+              <a:p>
+                <a:pPr marL="285750" indent="-285750">
+                  <a:buFont typeface="Arial" panose="020B0604020202020204" pitchFamily="34" charset="0"/>
+                  <a:buChar char="•"/>
+                </a:pPr>
+                <a14:m>
+                  <m:oMath xmlns:m="http://schemas.openxmlformats.org/officeDocument/2006/math">
+                    <m:r>
+                      <a:rPr lang="es-ES" i="1" smtClean="0">
+                        <a:solidFill>
+                          <a:schemeClr val="tx1"/>
+                        </a:solidFill>
+                        <a:latin typeface="Cambria Math" panose="02040503050406030204" pitchFamily="18" charset="0"/>
+                      </a:rPr>
+                      <m:t>𝑝</m:t>
+                    </m:r>
+                    <m:r>
+                      <a:rPr lang="es-ES" b="0" i="1" smtClean="0">
+                        <a:solidFill>
+                          <a:schemeClr val="tx1"/>
+                        </a:solidFill>
+                        <a:latin typeface="Cambria Math" panose="02040503050406030204" pitchFamily="18" charset="0"/>
+                      </a:rPr>
+                      <m:t>=</m:t>
+                    </m:r>
+                  </m:oMath>
+                </a14:m>
+                <a:r>
+                  <a:rPr lang="en-GB" dirty="0">
+                    <a:solidFill>
+                      <a:schemeClr val="tx1"/>
+                    </a:solidFill>
+                  </a:rPr>
+                  <a:t> </a:t>
+                </a:r>
+                <a14:m>
+                  <m:oMath xmlns:m="http://schemas.openxmlformats.org/officeDocument/2006/math">
+                    <m:r>
+                      <a:rPr lang="es-ES" i="1">
+                        <a:latin typeface="Cambria Math" panose="02040503050406030204" pitchFamily="18" charset="0"/>
+                      </a:rPr>
+                      <m:t>9</m:t>
+                    </m:r>
+                    <m:r>
+                      <a:rPr lang="en-US" b="0" i="1" smtClean="0">
+                        <a:latin typeface="Cambria Math" panose="02040503050406030204" pitchFamily="18" charset="0"/>
+                      </a:rPr>
+                      <m:t>6</m:t>
+                    </m:r>
+                    <m:r>
+                      <a:rPr lang="es-ES" b="0" i="1" smtClean="0">
+                        <a:solidFill>
+                          <a:schemeClr val="tx1"/>
+                        </a:solidFill>
+                        <a:latin typeface="Cambria Math" panose="02040503050406030204" pitchFamily="18" charset="0"/>
+                      </a:rPr>
+                      <m:t>𝑝𝑥</m:t>
+                    </m:r>
+                  </m:oMath>
+                </a14:m>
+                <a:r>
+                  <a:rPr lang="es-ES" dirty="0">
+                    <a:solidFill>
+                      <a:schemeClr val="tx1"/>
+                    </a:solidFill>
+                  </a:rPr>
+                  <a:t> </a:t>
+                </a:r>
+              </a:p>
+            </p:txBody>
+          </p:sp>
+        </mc:Choice>
+        <mc:Fallback xmlns="">
+          <p:sp>
+            <p:nvSpPr>
+              <p:cNvPr id="9" name="TextBox 71">
+                <a:extLst>
+                  <a:ext uri="{FF2B5EF4-FFF2-40B4-BE49-F238E27FC236}">
+                    <a16:creationId xmlns:a16="http://schemas.microsoft.com/office/drawing/2014/main" id="{3D90C295-6735-62A6-4A9F-DCA569E7295B}"/>
+                  </a:ext>
+                </a:extLst>
+              </p:cNvPr>
+              <p:cNvSpPr txBox="1">
+                <a:spLocks noRot="1" noChangeAspect="1" noMove="1" noResize="1" noEditPoints="1" noAdjustHandles="1" noChangeArrowheads="1" noChangeShapeType="1" noTextEdit="1"/>
+              </p:cNvSpPr>
+              <p:nvPr/>
+            </p:nvSpPr>
+            <p:spPr>
+              <a:xfrm>
+                <a:off x="478004" y="763721"/>
+                <a:ext cx="1813615" cy="369332"/>
+              </a:xfrm>
+              <a:prstGeom prst="rect">
+                <a:avLst/>
+              </a:prstGeom>
+              <a:blipFill>
+                <a:blip r:embed="rId5"/>
+                <a:stretch>
+                  <a:fillRect l="-2013" t="-3279" b="-18033"/>
+                </a:stretch>
+              </a:blipFill>
+            </p:spPr>
+            <p:txBody>
+              <a:bodyPr/>
+              <a:lstStyle/>
+              <a:p>
+                <a:r>
+                  <a:rPr lang="en-US">
+                    <a:noFill/>
+                  </a:rPr>
+                  <a:t> </a:t>
+                </a:r>
+              </a:p>
+            </p:txBody>
+          </p:sp>
+        </mc:Fallback>
+      </mc:AlternateContent>
+      <mc:AlternateContent xmlns:mc="http://schemas.openxmlformats.org/markup-compatibility/2006" xmlns:a14="http://schemas.microsoft.com/office/drawing/2010/main">
+        <mc:Choice Requires="a14">
+          <p:sp>
+            <p:nvSpPr>
+              <p:cNvPr id="11" name="TextBox 71">
+                <a:extLst>
+                  <a:ext uri="{FF2B5EF4-FFF2-40B4-BE49-F238E27FC236}">
+                    <a16:creationId xmlns:a16="http://schemas.microsoft.com/office/drawing/2014/main" id="{F60EC742-20FD-E336-3EF4-5547CBD4E7CB}"/>
+                  </a:ext>
+                </a:extLst>
+              </p:cNvPr>
+              <p:cNvSpPr txBox="1"/>
+              <p:nvPr/>
+            </p:nvSpPr>
+            <p:spPr>
+              <a:xfrm>
+                <a:off x="3421089" y="763721"/>
+                <a:ext cx="1813615" cy="369332"/>
+              </a:xfrm>
+              <a:prstGeom prst="rect">
+                <a:avLst/>
+              </a:prstGeom>
+              <a:solidFill>
+                <a:schemeClr val="bg1"/>
+              </a:solidFill>
+            </p:spPr>
+            <p:txBody>
+              <a:bodyPr wrap="square">
+                <a:spAutoFit/>
+              </a:bodyPr>
+              <a:lstStyle/>
+              <a:p>
+                <a:pPr marL="285750" indent="-285750">
+                  <a:buFont typeface="Arial" panose="020B0604020202020204" pitchFamily="34" charset="0"/>
+                  <a:buChar char="•"/>
+                </a:pPr>
+                <a14:m>
+                  <m:oMath xmlns:m="http://schemas.openxmlformats.org/officeDocument/2006/math">
+                    <m:r>
+                      <a:rPr lang="en-US" b="0" i="1" smtClean="0">
+                        <a:solidFill>
+                          <a:schemeClr val="tx1"/>
+                        </a:solidFill>
+                        <a:latin typeface="Cambria Math" panose="02040503050406030204" pitchFamily="18" charset="0"/>
+                      </a:rPr>
+                      <m:t>𝑤</m:t>
+                    </m:r>
+                    <m:r>
+                      <a:rPr lang="es-ES" b="0" i="1" smtClean="0">
+                        <a:solidFill>
+                          <a:schemeClr val="tx1"/>
+                        </a:solidFill>
+                        <a:latin typeface="Cambria Math" panose="02040503050406030204" pitchFamily="18" charset="0"/>
+                      </a:rPr>
+                      <m:t>=</m:t>
+                    </m:r>
+                  </m:oMath>
+                </a14:m>
+                <a:r>
+                  <a:rPr lang="en-GB" dirty="0">
+                    <a:solidFill>
+                      <a:schemeClr val="tx1"/>
+                    </a:solidFill>
+                  </a:rPr>
+                  <a:t> </a:t>
+                </a:r>
+                <a14:m>
+                  <m:oMath xmlns:m="http://schemas.openxmlformats.org/officeDocument/2006/math">
+                    <m:r>
+                      <a:rPr lang="en-US" b="0" i="1" smtClean="0">
+                        <a:latin typeface="Cambria Math" panose="02040503050406030204" pitchFamily="18" charset="0"/>
+                      </a:rPr>
+                      <m:t>350</m:t>
+                    </m:r>
+                    <m:r>
+                      <a:rPr lang="es-ES" b="0" i="1" smtClean="0">
+                        <a:solidFill>
+                          <a:schemeClr val="tx1"/>
+                        </a:solidFill>
+                        <a:latin typeface="Cambria Math" panose="02040503050406030204" pitchFamily="18" charset="0"/>
+                      </a:rPr>
+                      <m:t>𝑝𝑥</m:t>
+                    </m:r>
+                  </m:oMath>
+                </a14:m>
+                <a:r>
+                  <a:rPr lang="es-ES" dirty="0">
+                    <a:solidFill>
+                      <a:schemeClr val="tx1"/>
+                    </a:solidFill>
+                  </a:rPr>
+                  <a:t> </a:t>
+                </a:r>
+              </a:p>
+            </p:txBody>
+          </p:sp>
+        </mc:Choice>
+        <mc:Fallback xmlns="">
+          <p:sp>
+            <p:nvSpPr>
+              <p:cNvPr id="11" name="TextBox 71">
+                <a:extLst>
+                  <a:ext uri="{FF2B5EF4-FFF2-40B4-BE49-F238E27FC236}">
+                    <a16:creationId xmlns:a16="http://schemas.microsoft.com/office/drawing/2014/main" id="{F60EC742-20FD-E336-3EF4-5547CBD4E7CB}"/>
+                  </a:ext>
+                </a:extLst>
+              </p:cNvPr>
+              <p:cNvSpPr txBox="1">
+                <a:spLocks noRot="1" noChangeAspect="1" noMove="1" noResize="1" noEditPoints="1" noAdjustHandles="1" noChangeArrowheads="1" noChangeShapeType="1" noTextEdit="1"/>
+              </p:cNvSpPr>
+              <p:nvPr/>
+            </p:nvSpPr>
+            <p:spPr>
+              <a:xfrm>
+                <a:off x="3421089" y="763721"/>
+                <a:ext cx="1813615" cy="369332"/>
+              </a:xfrm>
+              <a:prstGeom prst="rect">
+                <a:avLst/>
+              </a:prstGeom>
+              <a:blipFill>
+                <a:blip r:embed="rId6"/>
+                <a:stretch>
+                  <a:fillRect l="-2013" t="-3279" b="-18033"/>
+                </a:stretch>
+              </a:blipFill>
+            </p:spPr>
+            <p:txBody>
+              <a:bodyPr/>
+              <a:lstStyle/>
+              <a:p>
+                <a:r>
+                  <a:rPr lang="en-US">
+                    <a:noFill/>
+                  </a:rPr>
+                  <a:t> </a:t>
+                </a:r>
+              </a:p>
+            </p:txBody>
+          </p:sp>
+        </mc:Fallback>
+      </mc:AlternateContent>
+      <p:pic>
+        <p:nvPicPr>
+          <p:cNvPr id="14" name="图片 13">
+            <a:extLst>
+              <a:ext uri="{FF2B5EF4-FFF2-40B4-BE49-F238E27FC236}">
+                <a16:creationId xmlns:a16="http://schemas.microsoft.com/office/drawing/2014/main" id="{7A9638CD-F962-446F-A89E-4E6FE5961BD5}"/>
+              </a:ext>
+            </a:extLst>
+          </p:cNvPr>
+          <p:cNvPicPr>
+            <a:picLocks noChangeAspect="1"/>
+          </p:cNvPicPr>
+          <p:nvPr/>
+        </p:nvPicPr>
+        <p:blipFill>
+          <a:blip r:embed="rId7">
+            <a:extLst>
+              <a:ext uri="{28A0092B-C50C-407E-A947-70E740481C1C}">
+                <a14:useLocalDpi xmlns:a14="http://schemas.microsoft.com/office/drawing/2010/main" val="0"/>
+              </a:ext>
+            </a:extLst>
+          </a:blip>
+          <a:srcRect/>
+          <a:stretch/>
+        </p:blipFill>
+        <p:spPr>
+          <a:xfrm>
+            <a:off x="6280317" y="1278560"/>
+            <a:ext cx="1677171" cy="947966"/>
+          </a:xfrm>
+          <a:prstGeom prst="rect">
+            <a:avLst/>
+          </a:prstGeom>
+        </p:spPr>
+      </p:pic>
+      <p:pic>
+        <p:nvPicPr>
+          <p:cNvPr id="24" name="图片 23">
+            <a:extLst>
+              <a:ext uri="{FF2B5EF4-FFF2-40B4-BE49-F238E27FC236}">
+                <a16:creationId xmlns:a16="http://schemas.microsoft.com/office/drawing/2014/main" id="{66A030E8-4BB6-B53F-7CEA-8A618727C754}"/>
+              </a:ext>
+            </a:extLst>
+          </p:cNvPr>
+          <p:cNvPicPr>
+            <a:picLocks noChangeAspect="1"/>
+          </p:cNvPicPr>
+          <p:nvPr/>
+        </p:nvPicPr>
+        <p:blipFill>
+          <a:blip r:embed="rId8">
+            <a:extLst>
+              <a:ext uri="{28A0092B-C50C-407E-A947-70E740481C1C}">
+                <a14:useLocalDpi xmlns:a14="http://schemas.microsoft.com/office/drawing/2010/main" val="0"/>
+              </a:ext>
+            </a:extLst>
+          </a:blip>
+          <a:srcRect t="23958" b="23958"/>
+          <a:stretch/>
+        </p:blipFill>
+        <p:spPr>
+          <a:xfrm>
+            <a:off x="5398876" y="3222834"/>
+            <a:ext cx="1905000" cy="2381250"/>
+          </a:xfrm>
+          <a:prstGeom prst="rect">
+            <a:avLst/>
+          </a:prstGeom>
+        </p:spPr>
+      </p:pic>
+      <mc:AlternateContent xmlns:mc="http://schemas.openxmlformats.org/markup-compatibility/2006">
+        <mc:Choice xmlns:a14="http://schemas.microsoft.com/office/drawing/2010/main" Requires="a14">
+          <p:sp>
+            <p:nvSpPr>
+              <p:cNvPr id="27" name="TextBox 71">
+                <a:extLst>
+                  <a:ext uri="{FF2B5EF4-FFF2-40B4-BE49-F238E27FC236}">
+                    <a16:creationId xmlns:a16="http://schemas.microsoft.com/office/drawing/2014/main" id="{D7333957-296E-3D57-C2B5-E922266AC1B3}"/>
+                  </a:ext>
+                </a:extLst>
+              </p:cNvPr>
+              <p:cNvSpPr txBox="1"/>
+              <p:nvPr/>
+            </p:nvSpPr>
+            <p:spPr>
+              <a:xfrm>
+                <a:off x="6199865" y="763721"/>
+                <a:ext cx="1813615" cy="369332"/>
+              </a:xfrm>
+              <a:prstGeom prst="rect">
+                <a:avLst/>
+              </a:prstGeom>
+              <a:solidFill>
+                <a:schemeClr val="bg1"/>
+              </a:solidFill>
+            </p:spPr>
+            <p:txBody>
+              <a:bodyPr wrap="square">
+                <a:spAutoFit/>
+              </a:bodyPr>
+              <a:lstStyle/>
+              <a:p>
+                <a:pPr marL="285750" indent="-285750">
+                  <a:buFont typeface="Arial" panose="020B0604020202020204" pitchFamily="34" charset="0"/>
+                  <a:buChar char="•"/>
+                </a:pPr>
+                <a14:m>
+                  <m:oMath xmlns:m="http://schemas.openxmlformats.org/officeDocument/2006/math">
+                    <m:r>
+                      <a:rPr lang="es-ES" i="1" smtClean="0">
+                        <a:solidFill>
+                          <a:schemeClr val="tx1"/>
+                        </a:solidFill>
+                        <a:latin typeface="Cambria Math" panose="02040503050406030204" pitchFamily="18" charset="0"/>
+                      </a:rPr>
+                      <m:t>𝑝</m:t>
+                    </m:r>
+                    <m:r>
+                      <a:rPr lang="es-ES" b="0" i="1" smtClean="0">
+                        <a:solidFill>
+                          <a:schemeClr val="tx1"/>
+                        </a:solidFill>
+                        <a:latin typeface="Cambria Math" panose="02040503050406030204" pitchFamily="18" charset="0"/>
+                      </a:rPr>
+                      <m:t>=</m:t>
+                    </m:r>
+                  </m:oMath>
+                </a14:m>
+                <a:r>
+                  <a:rPr lang="en-GB" dirty="0">
+                    <a:solidFill>
+                      <a:schemeClr val="tx1"/>
+                    </a:solidFill>
+                  </a:rPr>
+                  <a:t> </a:t>
+                </a:r>
+                <a14:m>
+                  <m:oMath xmlns:m="http://schemas.openxmlformats.org/officeDocument/2006/math">
+                    <m:r>
+                      <a:rPr lang="es-ES" i="1" dirty="0">
+                        <a:latin typeface="Cambria Math" panose="02040503050406030204" pitchFamily="18" charset="0"/>
+                      </a:rPr>
+                      <m:t>9</m:t>
+                    </m:r>
+                    <m:r>
+                      <a:rPr lang="en-US" b="0" i="1" dirty="0" smtClean="0">
+                        <a:latin typeface="Cambria Math" panose="02040503050406030204" pitchFamily="18" charset="0"/>
+                      </a:rPr>
+                      <m:t>2</m:t>
+                    </m:r>
+                    <m:r>
+                      <a:rPr lang="es-ES" b="0" i="1" smtClean="0">
+                        <a:solidFill>
+                          <a:schemeClr val="tx1"/>
+                        </a:solidFill>
+                        <a:latin typeface="Cambria Math" panose="02040503050406030204" pitchFamily="18" charset="0"/>
+                      </a:rPr>
+                      <m:t>𝑝𝑥</m:t>
+                    </m:r>
+                    <m:r>
+                      <a:rPr lang="es-ES" b="0" i="1" smtClean="0">
+                        <a:solidFill>
+                          <a:schemeClr val="tx1"/>
+                        </a:solidFill>
+                        <a:latin typeface="Cambria Math" panose="02040503050406030204" pitchFamily="18" charset="0"/>
+                      </a:rPr>
+                      <m:t>, 2</m:t>
+                    </m:r>
+                    <m:r>
+                      <a:rPr lang="es-ES" b="0" i="1" smtClean="0">
+                        <a:solidFill>
+                          <a:schemeClr val="tx1"/>
+                        </a:solidFill>
+                        <a:latin typeface="Cambria Math" panose="02040503050406030204" pitchFamily="18" charset="0"/>
+                        <a:ea typeface="Cambria Math" panose="02040503050406030204" pitchFamily="18" charset="0"/>
+                      </a:rPr>
+                      <m:t>𝜋</m:t>
+                    </m:r>
+                  </m:oMath>
+                </a14:m>
+                <a:r>
+                  <a:rPr lang="es-ES" dirty="0">
+                    <a:solidFill>
+                      <a:schemeClr val="tx1"/>
+                    </a:solidFill>
+                  </a:rPr>
+                  <a:t> </a:t>
+                </a:r>
+              </a:p>
+            </p:txBody>
+          </p:sp>
+        </mc:Choice>
+        <mc:Fallback>
+          <p:sp>
+            <p:nvSpPr>
+              <p:cNvPr id="27" name="TextBox 71">
+                <a:extLst>
+                  <a:ext uri="{FF2B5EF4-FFF2-40B4-BE49-F238E27FC236}">
+                    <a16:creationId xmlns:a16="http://schemas.microsoft.com/office/drawing/2014/main" id="{D7333957-296E-3D57-C2B5-E922266AC1B3}"/>
+                  </a:ext>
+                </a:extLst>
+              </p:cNvPr>
+              <p:cNvSpPr txBox="1">
+                <a:spLocks noRot="1" noChangeAspect="1" noMove="1" noResize="1" noEditPoints="1" noAdjustHandles="1" noChangeArrowheads="1" noChangeShapeType="1" noTextEdit="1"/>
+              </p:cNvSpPr>
+              <p:nvPr/>
+            </p:nvSpPr>
+            <p:spPr>
+              <a:xfrm>
+                <a:off x="6199865" y="763721"/>
+                <a:ext cx="1813615" cy="369332"/>
+              </a:xfrm>
+              <a:prstGeom prst="rect">
+                <a:avLst/>
+              </a:prstGeom>
+              <a:blipFill>
+                <a:blip r:embed="rId9"/>
+                <a:stretch>
+                  <a:fillRect l="-2013" t="-3279" b="-18033"/>
+                </a:stretch>
+              </a:blipFill>
+            </p:spPr>
+            <p:txBody>
+              <a:bodyPr/>
+              <a:lstStyle/>
+              <a:p>
+                <a:r>
+                  <a:rPr lang="es-ES">
+                    <a:noFill/>
+                  </a:rPr>
+                  <a:t> </a:t>
+                </a:r>
+              </a:p>
+            </p:txBody>
+          </p:sp>
+        </mc:Fallback>
+      </mc:AlternateContent>
+      <p:sp>
+        <p:nvSpPr>
+          <p:cNvPr id="4" name="TextBox 55">
+            <a:extLst>
+              <a:ext uri="{FF2B5EF4-FFF2-40B4-BE49-F238E27FC236}">
+                <a16:creationId xmlns:a16="http://schemas.microsoft.com/office/drawing/2014/main" id="{A71584FA-9553-F5C5-DAF6-4A61253849C3}"/>
+              </a:ext>
+            </a:extLst>
+          </p:cNvPr>
+          <p:cNvSpPr txBox="1"/>
+          <p:nvPr/>
+        </p:nvSpPr>
+        <p:spPr>
+          <a:xfrm>
+            <a:off x="4098819" y="3569503"/>
+            <a:ext cx="1404504" cy="923330"/>
+          </a:xfrm>
+          <a:prstGeom prst="rect">
+            <a:avLst/>
+          </a:prstGeom>
+          <a:noFill/>
+        </p:spPr>
+        <p:txBody>
+          <a:bodyPr wrap="square">
+            <a:spAutoFit/>
+          </a:bodyPr>
+          <a:lstStyle/>
+          <a:p>
+            <a:r>
+              <a:rPr lang="es-ES" dirty="0"/>
+              <a:t>I_-1=0.224</a:t>
+            </a:r>
+          </a:p>
+          <a:p>
+            <a:r>
+              <a:rPr lang="es-ES" dirty="0"/>
+              <a:t>I_0=0.271</a:t>
+            </a:r>
+          </a:p>
+          <a:p>
+            <a:r>
+              <a:rPr lang="es-ES" dirty="0"/>
+              <a:t>I_1=0.224</a:t>
+            </a:r>
+          </a:p>
+        </p:txBody>
+      </p:sp>
+      <p:sp>
+        <p:nvSpPr>
+          <p:cNvPr id="7" name="TextBox 24">
+            <a:extLst>
+              <a:ext uri="{FF2B5EF4-FFF2-40B4-BE49-F238E27FC236}">
+                <a16:creationId xmlns:a16="http://schemas.microsoft.com/office/drawing/2014/main" id="{5A1A8397-6C7E-35DE-D69E-7B0EB995F594}"/>
+              </a:ext>
+            </a:extLst>
+          </p:cNvPr>
+          <p:cNvSpPr txBox="1"/>
+          <p:nvPr/>
+        </p:nvSpPr>
+        <p:spPr>
+          <a:xfrm>
+            <a:off x="5722815" y="1567877"/>
+            <a:ext cx="354330" cy="369332"/>
+          </a:xfrm>
+          <a:prstGeom prst="rect">
+            <a:avLst/>
+          </a:prstGeom>
+          <a:noFill/>
+        </p:spPr>
+        <p:txBody>
+          <a:bodyPr wrap="square">
+            <a:spAutoFit/>
+          </a:bodyPr>
+          <a:lstStyle/>
+          <a:p>
+            <a:r>
+              <a:rPr lang="en-GB" dirty="0"/>
+              <a:t>×</a:t>
+            </a:r>
+            <a:endParaRPr lang="es-ES" dirty="0"/>
+          </a:p>
+        </p:txBody>
+      </p:sp>
+      <p:sp>
+        <p:nvSpPr>
+          <p:cNvPr id="10" name="TextBox 55">
+            <a:extLst>
+              <a:ext uri="{FF2B5EF4-FFF2-40B4-BE49-F238E27FC236}">
+                <a16:creationId xmlns:a16="http://schemas.microsoft.com/office/drawing/2014/main" id="{05AD9235-308D-4A5A-624F-A2D76F9D7ED7}"/>
+              </a:ext>
+            </a:extLst>
+          </p:cNvPr>
+          <p:cNvSpPr txBox="1"/>
+          <p:nvPr/>
+        </p:nvSpPr>
+        <p:spPr>
+          <a:xfrm>
+            <a:off x="478004" y="3723524"/>
+            <a:ext cx="1404504" cy="1200329"/>
+          </a:xfrm>
+          <a:prstGeom prst="rect">
+            <a:avLst/>
+          </a:prstGeom>
+          <a:noFill/>
+        </p:spPr>
+        <p:txBody>
+          <a:bodyPr wrap="square">
+            <a:spAutoFit/>
+          </a:bodyPr>
+          <a:lstStyle/>
+          <a:p>
+            <a:r>
+              <a:rPr lang="es-ES" dirty="0"/>
+              <a:t>I_-1=0.237</a:t>
+            </a:r>
+          </a:p>
+          <a:p>
+            <a:r>
+              <a:rPr lang="es-ES" dirty="0"/>
+              <a:t>I_0=0.287</a:t>
+            </a:r>
+          </a:p>
+          <a:p>
+            <a:r>
+              <a:rPr lang="es-ES" dirty="0"/>
+              <a:t>I_1=0.237</a:t>
+            </a:r>
+          </a:p>
+          <a:p>
+            <a:endParaRPr lang="es-ES" dirty="0"/>
+          </a:p>
+        </p:txBody>
+      </p:sp>
+      <p:pic>
+        <p:nvPicPr>
+          <p:cNvPr id="3" name="Picture 22">
+            <a:extLst>
+              <a:ext uri="{FF2B5EF4-FFF2-40B4-BE49-F238E27FC236}">
+                <a16:creationId xmlns:a16="http://schemas.microsoft.com/office/drawing/2014/main" id="{9610BA3E-8D15-DDD9-5A5C-0CF44520499F}"/>
+              </a:ext>
+            </a:extLst>
+          </p:cNvPr>
+          <p:cNvPicPr>
+            <a:picLocks noChangeAspect="1"/>
+          </p:cNvPicPr>
+          <p:nvPr/>
+        </p:nvPicPr>
+        <p:blipFill>
+          <a:blip r:embed="rId10">
+            <a:extLst>
+              <a:ext uri="{28A0092B-C50C-407E-A947-70E740481C1C}">
+                <a14:useLocalDpi xmlns:a14="http://schemas.microsoft.com/office/drawing/2010/main" val="0"/>
+              </a:ext>
+            </a:extLst>
+          </a:blip>
+          <a:srcRect/>
+          <a:stretch/>
+        </p:blipFill>
+        <p:spPr>
+          <a:xfrm>
+            <a:off x="3434931" y="1283584"/>
+            <a:ext cx="1685275" cy="947967"/>
+          </a:xfrm>
+          <a:prstGeom prst="rect">
+            <a:avLst/>
+          </a:prstGeom>
+        </p:spPr>
+      </p:pic>
+      <p:pic>
+        <p:nvPicPr>
+          <p:cNvPr id="5" name="Picture 4">
+            <a:extLst>
+              <a:ext uri="{FF2B5EF4-FFF2-40B4-BE49-F238E27FC236}">
+                <a16:creationId xmlns:a16="http://schemas.microsoft.com/office/drawing/2014/main" id="{422B1E49-B9F5-8803-4EC6-414CF780CD7D}"/>
+              </a:ext>
+            </a:extLst>
+          </p:cNvPr>
+          <p:cNvPicPr>
+            <a:picLocks noChangeAspect="1"/>
+          </p:cNvPicPr>
+          <p:nvPr/>
+        </p:nvPicPr>
+        <p:blipFill>
+          <a:blip r:embed="rId11">
+            <a:extLst>
+              <a:ext uri="{28A0092B-C50C-407E-A947-70E740481C1C}">
+                <a14:useLocalDpi xmlns:a14="http://schemas.microsoft.com/office/drawing/2010/main" val="0"/>
+              </a:ext>
+            </a:extLst>
+          </a:blip>
+          <a:srcRect/>
+          <a:stretch/>
+        </p:blipFill>
+        <p:spPr>
+          <a:xfrm>
+            <a:off x="8003716" y="3222834"/>
+            <a:ext cx="3073169" cy="2308065"/>
+          </a:xfrm>
+          <a:prstGeom prst="rect">
+            <a:avLst/>
+          </a:prstGeom>
+        </p:spPr>
+      </p:pic>
+      <p:sp>
+        <p:nvSpPr>
+          <p:cNvPr id="12" name="TextBox 11">
+            <a:extLst>
+              <a:ext uri="{FF2B5EF4-FFF2-40B4-BE49-F238E27FC236}">
+                <a16:creationId xmlns:a16="http://schemas.microsoft.com/office/drawing/2014/main" id="{4BCF69F1-8519-FD55-5C5C-9A5CE4FE0E72}"/>
+              </a:ext>
+            </a:extLst>
+          </p:cNvPr>
+          <p:cNvSpPr txBox="1"/>
+          <p:nvPr/>
+        </p:nvSpPr>
+        <p:spPr>
+          <a:xfrm>
+            <a:off x="7904586" y="2692941"/>
+            <a:ext cx="3172299" cy="369332"/>
+          </a:xfrm>
+          <a:prstGeom prst="rect">
+            <a:avLst/>
+          </a:prstGeom>
+          <a:noFill/>
+        </p:spPr>
+        <p:txBody>
+          <a:bodyPr wrap="square">
+            <a:spAutoFit/>
+          </a:bodyPr>
+          <a:lstStyle/>
+          <a:p>
+            <a:pPr marL="285750" indent="-285750">
+              <a:buFont typeface="Arial" panose="020B0604020202020204" pitchFamily="34" charset="0"/>
+              <a:buChar char="•"/>
+            </a:pPr>
+            <a:r>
+              <a:rPr lang="es-ES" dirty="0"/>
+              <a:t>Triplicator, RGB= 0,0, 112.</a:t>
+            </a:r>
+          </a:p>
+        </p:txBody>
+      </p:sp>
+      <p:sp>
+        <p:nvSpPr>
+          <p:cNvPr id="13" name="TextBox 55">
+            <a:extLst>
+              <a:ext uri="{FF2B5EF4-FFF2-40B4-BE49-F238E27FC236}">
+                <a16:creationId xmlns:a16="http://schemas.microsoft.com/office/drawing/2014/main" id="{3840F570-7363-BC41-0233-680F0B80B594}"/>
+              </a:ext>
+            </a:extLst>
+          </p:cNvPr>
+          <p:cNvSpPr txBox="1"/>
+          <p:nvPr/>
+        </p:nvSpPr>
+        <p:spPr>
+          <a:xfrm>
+            <a:off x="8278459" y="1365038"/>
+            <a:ext cx="1697645" cy="646331"/>
+          </a:xfrm>
+          <a:prstGeom prst="rect">
+            <a:avLst/>
+          </a:prstGeom>
+          <a:noFill/>
+        </p:spPr>
+        <p:txBody>
+          <a:bodyPr wrap="square">
+            <a:spAutoFit/>
+          </a:bodyPr>
+          <a:lstStyle/>
+          <a:p>
+            <a:r>
+              <a:rPr lang="es-ES" dirty="0"/>
+              <a:t>I_0=0</a:t>
+            </a:r>
+          </a:p>
+          <a:p>
+            <a:r>
+              <a:rPr lang="es-ES" dirty="0"/>
+              <a:t>I_1= 0.945</a:t>
+            </a:r>
+          </a:p>
+        </p:txBody>
+      </p:sp>
+      <p:sp>
+        <p:nvSpPr>
+          <p:cNvPr id="15" name="Rectangle 14">
+            <a:extLst>
+              <a:ext uri="{FF2B5EF4-FFF2-40B4-BE49-F238E27FC236}">
+                <a16:creationId xmlns:a16="http://schemas.microsoft.com/office/drawing/2014/main" id="{D957297B-26B3-1AA4-144D-F639F4261036}"/>
+              </a:ext>
+            </a:extLst>
+          </p:cNvPr>
+          <p:cNvSpPr/>
+          <p:nvPr/>
+        </p:nvSpPr>
+        <p:spPr>
+          <a:xfrm>
+            <a:off x="6096000" y="637115"/>
+            <a:ext cx="3593432" cy="1734919"/>
+          </a:xfrm>
+          <a:prstGeom prst="rect">
+            <a:avLst/>
+          </a:prstGeom>
+          <a:noFill/>
+          <a:ln>
+            <a:solidFill>
+              <a:srgbClr val="FF0000"/>
+            </a:solidFill>
+          </a:ln>
+        </p:spPr>
+        <p:style>
+          <a:lnRef idx="2">
+            <a:schemeClr val="accent1">
+              <a:shade val="15000"/>
+            </a:schemeClr>
+          </a:lnRef>
+          <a:fillRef idx="1">
+            <a:schemeClr val="accent1"/>
+          </a:fillRef>
+          <a:effectRef idx="0">
+            <a:schemeClr val="accent1"/>
+          </a:effectRef>
+          <a:fontRef idx="minor">
+            <a:schemeClr val="lt1"/>
+          </a:fontRef>
+        </p:style>
+        <p:txBody>
+          <a:bodyPr rtlCol="0" anchor="ctr"/>
+          <a:lstStyle/>
+          <a:p>
+            <a:pPr algn="ctr"/>
+            <a:endParaRPr lang="es-ES"/>
+          </a:p>
+        </p:txBody>
+      </p:sp>
+      <p:sp>
+        <p:nvSpPr>
+          <p:cNvPr id="8" name="TextBox 7">
+            <a:extLst>
+              <a:ext uri="{FF2B5EF4-FFF2-40B4-BE49-F238E27FC236}">
+                <a16:creationId xmlns:a16="http://schemas.microsoft.com/office/drawing/2014/main" id="{32534252-7A49-7BA5-8512-916BD28EDDDB}"/>
+              </a:ext>
+            </a:extLst>
+          </p:cNvPr>
+          <p:cNvSpPr txBox="1"/>
+          <p:nvPr/>
+        </p:nvSpPr>
+        <p:spPr>
+          <a:xfrm>
+            <a:off x="8342467" y="5691460"/>
+            <a:ext cx="2146806" cy="369332"/>
+          </a:xfrm>
+          <a:prstGeom prst="rect">
+            <a:avLst/>
+          </a:prstGeom>
+          <a:noFill/>
+        </p:spPr>
+        <p:txBody>
+          <a:bodyPr wrap="none" rtlCol="0">
+            <a:spAutoFit/>
+          </a:bodyPr>
+          <a:lstStyle/>
+          <a:p>
+            <a:pPr marL="285750" indent="-285750">
+              <a:buFont typeface="Arial" panose="020B0604020202020204" pitchFamily="34" charset="0"/>
+              <a:buChar char="•"/>
+            </a:pPr>
+            <a:r>
+              <a:rPr lang="es-ES" dirty="0" err="1"/>
+              <a:t>The</a:t>
+            </a:r>
+            <a:r>
+              <a:rPr lang="es-ES" dirty="0"/>
+              <a:t> 0th </a:t>
+            </a:r>
+            <a:r>
+              <a:rPr lang="es-ES" dirty="0" err="1"/>
+              <a:t>is</a:t>
+            </a:r>
+            <a:r>
+              <a:rPr lang="es-ES" dirty="0"/>
+              <a:t> </a:t>
+            </a:r>
+            <a:r>
+              <a:rPr lang="es-ES" dirty="0" err="1"/>
+              <a:t>darker</a:t>
+            </a:r>
+            <a:r>
+              <a:rPr lang="es-ES" dirty="0"/>
+              <a:t>.</a:t>
+            </a:r>
+          </a:p>
+        </p:txBody>
+      </p:sp>
+    </p:spTree>
+    <p:extLst>
+      <p:ext uri="{BB962C8B-B14F-4D97-AF65-F5344CB8AC3E}">
+        <p14:creationId xmlns:p14="http://schemas.microsoft.com/office/powerpoint/2010/main" val="1548386182"/>
+      </p:ext>
+    </p:extLst>
+  </p:cSld>
+  <p:clrMapOvr>
+    <a:masterClrMapping/>
+  </p:clrMapOvr>
+</p:sld>
+</file>
+
+<file path=ppt/slides/slide9.xml><?xml version="1.0" encoding="utf-8"?>
+<p:sld xmlns:a="http://schemas.openxmlformats.org/drawingml/2006/main" xmlns:r="http://schemas.openxmlformats.org/officeDocument/2006/relationships" xmlns:p="http://schemas.openxmlformats.org/presentationml/2006/main">
+  <p:cSld>
+    <p:spTree>
+      <p:nvGrpSpPr>
+        <p:cNvPr id="1" name="">
+          <a:extLst>
+            <a:ext uri="{FF2B5EF4-FFF2-40B4-BE49-F238E27FC236}">
+              <a16:creationId xmlns:a16="http://schemas.microsoft.com/office/drawing/2014/main" id="{1CE3D076-7D6B-261A-A697-01C3034A80BE}"/>
+            </a:ext>
+          </a:extLst>
+        </p:cNvPr>
+        <p:cNvGrpSpPr/>
+        <p:nvPr/>
+      </p:nvGrpSpPr>
+      <p:grpSpPr>
+        <a:xfrm>
+          <a:off x="0" y="0"/>
+          <a:ext cx="0" cy="0"/>
+          <a:chOff x="0" y="0"/>
+          <a:chExt cx="0" cy="0"/>
+        </a:xfrm>
+      </p:grpSpPr>
+      <p:sp>
+        <p:nvSpPr>
+          <p:cNvPr id="2" name="Title 1">
+            <a:extLst>
+              <a:ext uri="{FF2B5EF4-FFF2-40B4-BE49-F238E27FC236}">
+                <a16:creationId xmlns:a16="http://schemas.microsoft.com/office/drawing/2014/main" id="{6D8AF859-C863-580C-35AE-5A0F81FCAF3A}"/>
+              </a:ext>
+            </a:extLst>
+          </p:cNvPr>
+          <p:cNvSpPr txBox="1">
+            <a:spLocks/>
+          </p:cNvSpPr>
+          <p:nvPr/>
+        </p:nvSpPr>
+        <p:spPr>
+          <a:xfrm>
+            <a:off x="470412" y="0"/>
+            <a:ext cx="9505692" cy="786384"/>
+          </a:xfrm>
+          <a:prstGeom prst="rect">
+            <a:avLst/>
+          </a:prstGeom>
+        </p:spPr>
+        <p:txBody>
+          <a:bodyPr vert="horz" lIns="91440" tIns="45720" rIns="91440" bIns="45720" rtlCol="0" anchor="ctr">
+            <a:normAutofit/>
+          </a:bodyPr>
+          <a:lstStyle>
+            <a:lvl1pPr algn="l" defTabSz="914400" rtl="0" eaLnBrk="1" latinLnBrk="0" hangingPunct="1">
+              <a:lnSpc>
+                <a:spcPct val="90000"/>
+              </a:lnSpc>
+              <a:spcBef>
+                <a:spcPct val="0"/>
+              </a:spcBef>
+              <a:buNone/>
+              <a:defRPr sz="4400" kern="1200">
+                <a:solidFill>
+                  <a:schemeClr val="tx1"/>
+                </a:solidFill>
+                <a:latin typeface="+mj-lt"/>
+                <a:ea typeface="+mj-ea"/>
+                <a:cs typeface="+mj-cs"/>
+              </a:defRPr>
+            </a:lvl1pPr>
+          </a:lstStyle>
+          <a:p>
+            <a:r>
+              <a:rPr lang="es-ES" sz="1800" b="1" dirty="0"/>
+              <a:t>5. Conclusión</a:t>
+            </a:r>
+          </a:p>
+        </p:txBody>
+      </p:sp>
+      <p:sp>
+        <p:nvSpPr>
+          <p:cNvPr id="8" name="TextBox 7">
+            <a:extLst>
+              <a:ext uri="{FF2B5EF4-FFF2-40B4-BE49-F238E27FC236}">
+                <a16:creationId xmlns:a16="http://schemas.microsoft.com/office/drawing/2014/main" id="{59582631-1B2E-37E9-C85F-D501FCBD3AC7}"/>
+              </a:ext>
+            </a:extLst>
+          </p:cNvPr>
+          <p:cNvSpPr txBox="1"/>
+          <p:nvPr/>
+        </p:nvSpPr>
+        <p:spPr>
+          <a:xfrm>
+            <a:off x="1014984" y="1572768"/>
+            <a:ext cx="10643616" cy="2031325"/>
+          </a:xfrm>
+          <a:prstGeom prst="rect">
+            <a:avLst/>
+          </a:prstGeom>
+          <a:noFill/>
+        </p:spPr>
+        <p:txBody>
+          <a:bodyPr wrap="square" rtlCol="0">
+            <a:spAutoFit/>
+          </a:bodyPr>
+          <a:lstStyle/>
+          <a:p>
+            <a:pPr marL="285750" indent="-285750">
+              <a:buFont typeface="Arial" panose="020B0604020202020204" pitchFamily="34" charset="0"/>
+              <a:buChar char="•"/>
+            </a:pPr>
+            <a:r>
+              <a:rPr lang="es-ES" dirty="0" err="1"/>
+              <a:t>The</a:t>
+            </a:r>
+            <a:r>
+              <a:rPr lang="es-ES" dirty="0"/>
+              <a:t> </a:t>
+            </a:r>
+            <a:r>
+              <a:rPr lang="es-ES" dirty="0" err="1"/>
+              <a:t>diffraction</a:t>
+            </a:r>
+            <a:r>
+              <a:rPr lang="es-ES" dirty="0"/>
+              <a:t> </a:t>
+            </a:r>
+            <a:r>
+              <a:rPr lang="es-ES" dirty="0" err="1"/>
+              <a:t>efficiency</a:t>
+            </a:r>
+            <a:r>
+              <a:rPr lang="es-ES" dirty="0"/>
+              <a:t> </a:t>
+            </a:r>
+            <a:r>
+              <a:rPr lang="es-ES" dirty="0" err="1"/>
+              <a:t>of</a:t>
+            </a:r>
+            <a:r>
+              <a:rPr lang="es-ES" dirty="0"/>
+              <a:t> triplicator and </a:t>
+            </a:r>
+            <a:r>
+              <a:rPr lang="es-ES" dirty="0" err="1"/>
+              <a:t>the</a:t>
+            </a:r>
+            <a:r>
+              <a:rPr lang="es-ES" dirty="0"/>
+              <a:t> </a:t>
+            </a:r>
+            <a:r>
+              <a:rPr lang="es-ES" dirty="0" err="1"/>
+              <a:t>intensity</a:t>
+            </a:r>
+            <a:r>
+              <a:rPr lang="es-ES" dirty="0"/>
+              <a:t> </a:t>
+            </a:r>
+            <a:r>
+              <a:rPr lang="es-ES" dirty="0" err="1"/>
+              <a:t>of</a:t>
+            </a:r>
+            <a:r>
+              <a:rPr lang="es-ES" dirty="0"/>
+              <a:t> </a:t>
+            </a:r>
+            <a:r>
+              <a:rPr lang="es-ES" dirty="0" err="1"/>
+              <a:t>each</a:t>
+            </a:r>
+            <a:r>
+              <a:rPr lang="es-ES" dirty="0"/>
+              <a:t> are </a:t>
+            </a:r>
+            <a:r>
+              <a:rPr lang="es-ES" dirty="0" err="1"/>
+              <a:t>affected</a:t>
+            </a:r>
+            <a:r>
+              <a:rPr lang="es-ES" dirty="0"/>
+              <a:t> </a:t>
+            </a:r>
+            <a:r>
+              <a:rPr lang="es-ES" dirty="0" err="1"/>
+              <a:t>by</a:t>
+            </a:r>
+            <a:r>
+              <a:rPr lang="es-ES" dirty="0"/>
+              <a:t> </a:t>
+            </a:r>
+            <a:r>
+              <a:rPr lang="es-ES" dirty="0" err="1"/>
+              <a:t>several</a:t>
+            </a:r>
+            <a:r>
+              <a:rPr lang="es-ES" dirty="0"/>
+              <a:t> </a:t>
+            </a:r>
+            <a:r>
+              <a:rPr lang="es-ES" dirty="0" err="1"/>
+              <a:t>factors</a:t>
+            </a:r>
+            <a:r>
+              <a:rPr lang="es-ES" dirty="0"/>
+              <a:t>:</a:t>
+            </a:r>
+          </a:p>
+          <a:p>
+            <a:pPr marL="342900" indent="-342900">
+              <a:buFont typeface="+mj-lt"/>
+              <a:buAutoNum type="arabicPeriod"/>
+            </a:pPr>
+            <a:r>
+              <a:rPr lang="es-ES" dirty="0" err="1"/>
+              <a:t>Period</a:t>
+            </a:r>
+            <a:r>
+              <a:rPr lang="es-ES" dirty="0"/>
+              <a:t> </a:t>
+            </a:r>
+            <a:r>
+              <a:rPr lang="es-ES" dirty="0" err="1"/>
+              <a:t>of</a:t>
+            </a:r>
+            <a:r>
+              <a:rPr lang="es-ES" dirty="0"/>
+              <a:t> </a:t>
+            </a:r>
+            <a:r>
+              <a:rPr lang="es-ES" dirty="0" err="1"/>
+              <a:t>the</a:t>
+            </a:r>
+            <a:r>
+              <a:rPr lang="es-ES" dirty="0"/>
+              <a:t> </a:t>
+            </a:r>
+            <a:r>
+              <a:rPr lang="es-ES" dirty="0" err="1"/>
+              <a:t>binary</a:t>
+            </a:r>
+            <a:r>
+              <a:rPr lang="es-ES" dirty="0"/>
+              <a:t> </a:t>
+            </a:r>
+            <a:r>
+              <a:rPr lang="es-ES" dirty="0" err="1"/>
+              <a:t>phase</a:t>
+            </a:r>
+            <a:r>
+              <a:rPr lang="es-ES" dirty="0"/>
+              <a:t> </a:t>
+            </a:r>
+            <a:r>
+              <a:rPr lang="es-ES" dirty="0" err="1"/>
+              <a:t>grating</a:t>
+            </a:r>
+            <a:r>
+              <a:rPr lang="es-ES" dirty="0"/>
+              <a:t>. </a:t>
+            </a:r>
+            <a:r>
+              <a:rPr lang="es-ES" dirty="0" err="1"/>
+              <a:t>If</a:t>
+            </a:r>
+            <a:r>
+              <a:rPr lang="es-ES" dirty="0"/>
+              <a:t> </a:t>
+            </a:r>
+            <a:r>
+              <a:rPr lang="es-ES" dirty="0" err="1"/>
+              <a:t>the</a:t>
+            </a:r>
+            <a:r>
+              <a:rPr lang="es-ES" dirty="0"/>
+              <a:t> </a:t>
+            </a:r>
+            <a:r>
+              <a:rPr lang="es-ES" dirty="0" err="1"/>
+              <a:t>period</a:t>
+            </a:r>
+            <a:r>
+              <a:rPr lang="es-ES" dirty="0"/>
+              <a:t> </a:t>
+            </a:r>
+            <a:r>
+              <a:rPr lang="es-ES" dirty="0" err="1"/>
+              <a:t>is</a:t>
+            </a:r>
+            <a:r>
+              <a:rPr lang="es-ES" dirty="0"/>
+              <a:t> </a:t>
+            </a:r>
+            <a:r>
+              <a:rPr lang="es-ES" dirty="0" err="1"/>
+              <a:t>not</a:t>
+            </a:r>
+            <a:r>
+              <a:rPr lang="es-ES" dirty="0"/>
+              <a:t> </a:t>
+            </a:r>
+            <a:r>
+              <a:rPr lang="es-ES" dirty="0" err="1"/>
+              <a:t>the</a:t>
+            </a:r>
+            <a:r>
+              <a:rPr lang="es-ES" dirty="0"/>
+              <a:t> divisor </a:t>
+            </a:r>
+            <a:r>
+              <a:rPr lang="es-ES" dirty="0" err="1"/>
+              <a:t>of</a:t>
+            </a:r>
+            <a:r>
+              <a:rPr lang="es-ES" dirty="0"/>
+              <a:t> </a:t>
+            </a:r>
+            <a:r>
+              <a:rPr lang="es-ES" dirty="0" err="1"/>
+              <a:t>the</a:t>
+            </a:r>
+            <a:r>
+              <a:rPr lang="es-ES" dirty="0"/>
+              <a:t> </a:t>
+            </a:r>
+            <a:r>
+              <a:rPr lang="es-ES" dirty="0" err="1"/>
+              <a:t>height</a:t>
+            </a:r>
+            <a:r>
+              <a:rPr lang="es-ES" dirty="0"/>
+              <a:t>, at </a:t>
+            </a:r>
+            <a:r>
+              <a:rPr lang="es-ES" dirty="0" err="1"/>
+              <a:t>phase</a:t>
+            </a:r>
+            <a:r>
+              <a:rPr lang="es-ES" dirty="0"/>
+              <a:t> =0.64pi, </a:t>
+            </a:r>
+            <a:r>
+              <a:rPr lang="es-ES" dirty="0" err="1"/>
+              <a:t>we</a:t>
+            </a:r>
+            <a:r>
+              <a:rPr lang="es-ES" dirty="0"/>
+              <a:t> </a:t>
+            </a:r>
+          </a:p>
+          <a:p>
+            <a:r>
+              <a:rPr lang="es-ES" dirty="0" err="1"/>
+              <a:t>might</a:t>
+            </a:r>
+            <a:r>
+              <a:rPr lang="es-ES" dirty="0"/>
+              <a:t> </a:t>
+            </a:r>
+            <a:r>
+              <a:rPr lang="es-ES" dirty="0" err="1"/>
+              <a:t>not</a:t>
+            </a:r>
+            <a:r>
+              <a:rPr lang="es-ES" dirty="0"/>
+              <a:t> </a:t>
+            </a:r>
+            <a:r>
+              <a:rPr lang="es-ES" dirty="0" err="1"/>
+              <a:t>have</a:t>
+            </a:r>
+            <a:r>
+              <a:rPr lang="es-ES" dirty="0"/>
+              <a:t> triplicator </a:t>
+            </a:r>
+            <a:r>
+              <a:rPr lang="es-ES" dirty="0" err="1"/>
+              <a:t>exactly</a:t>
+            </a:r>
+            <a:r>
+              <a:rPr lang="es-ES" dirty="0"/>
+              <a:t>.</a:t>
+            </a:r>
+          </a:p>
+          <a:p>
+            <a:pPr marL="342900" indent="-342900">
+              <a:buFont typeface="+mj-lt"/>
+              <a:buAutoNum type="arabicPeriod" startAt="2"/>
+            </a:pPr>
+            <a:r>
+              <a:rPr lang="es-ES" dirty="0" err="1"/>
+              <a:t>Period</a:t>
+            </a:r>
+            <a:r>
+              <a:rPr lang="es-ES" dirty="0"/>
+              <a:t> </a:t>
+            </a:r>
+            <a:r>
+              <a:rPr lang="es-ES" dirty="0" err="1"/>
+              <a:t>of</a:t>
+            </a:r>
+            <a:r>
+              <a:rPr lang="es-ES" dirty="0"/>
+              <a:t> </a:t>
+            </a:r>
+            <a:r>
+              <a:rPr lang="es-ES" dirty="0" err="1"/>
+              <a:t>the</a:t>
+            </a:r>
+            <a:r>
+              <a:rPr lang="es-ES" dirty="0"/>
+              <a:t> </a:t>
+            </a:r>
+            <a:r>
+              <a:rPr lang="es-ES" dirty="0" err="1"/>
+              <a:t>blazed</a:t>
+            </a:r>
+            <a:r>
+              <a:rPr lang="es-ES" dirty="0"/>
+              <a:t> </a:t>
+            </a:r>
+            <a:r>
+              <a:rPr lang="es-ES" dirty="0" err="1"/>
+              <a:t>phase</a:t>
+            </a:r>
+            <a:r>
+              <a:rPr lang="es-ES" dirty="0"/>
+              <a:t> </a:t>
+            </a:r>
+            <a:r>
+              <a:rPr lang="es-ES" dirty="0" err="1"/>
+              <a:t>gratings</a:t>
+            </a:r>
+            <a:r>
+              <a:rPr lang="es-ES" dirty="0"/>
+              <a:t>. </a:t>
+            </a:r>
+            <a:r>
+              <a:rPr lang="es-ES" dirty="0" err="1"/>
+              <a:t>If</a:t>
+            </a:r>
+            <a:r>
+              <a:rPr lang="es-ES" dirty="0"/>
+              <a:t> </a:t>
+            </a:r>
+            <a:r>
+              <a:rPr lang="es-ES" dirty="0" err="1"/>
+              <a:t>the</a:t>
+            </a:r>
+            <a:r>
+              <a:rPr lang="es-ES" dirty="0"/>
+              <a:t> </a:t>
+            </a:r>
+            <a:r>
+              <a:rPr lang="es-ES" dirty="0" err="1"/>
+              <a:t>period</a:t>
+            </a:r>
+            <a:r>
+              <a:rPr lang="es-ES" dirty="0"/>
+              <a:t> </a:t>
+            </a:r>
+            <a:r>
+              <a:rPr lang="es-ES" dirty="0" err="1"/>
+              <a:t>is</a:t>
+            </a:r>
+            <a:r>
+              <a:rPr lang="es-ES" dirty="0"/>
+              <a:t> </a:t>
+            </a:r>
+            <a:r>
+              <a:rPr lang="es-ES" dirty="0" err="1"/>
+              <a:t>not</a:t>
+            </a:r>
+            <a:r>
+              <a:rPr lang="es-ES" dirty="0"/>
+              <a:t> </a:t>
+            </a:r>
+            <a:r>
+              <a:rPr lang="es-ES" dirty="0" err="1"/>
+              <a:t>the</a:t>
+            </a:r>
+            <a:r>
+              <a:rPr lang="es-ES" dirty="0"/>
+              <a:t> divisor </a:t>
+            </a:r>
+            <a:r>
+              <a:rPr lang="es-ES" dirty="0" err="1"/>
+              <a:t>of</a:t>
+            </a:r>
+            <a:r>
+              <a:rPr lang="es-ES" dirty="0"/>
+              <a:t> </a:t>
+            </a:r>
+            <a:r>
+              <a:rPr lang="es-ES" dirty="0" err="1"/>
+              <a:t>the</a:t>
+            </a:r>
+            <a:r>
+              <a:rPr lang="es-ES" dirty="0"/>
+              <a:t> </a:t>
+            </a:r>
+            <a:r>
+              <a:rPr lang="es-ES" dirty="0" err="1"/>
+              <a:t>height</a:t>
+            </a:r>
+            <a:r>
+              <a:rPr lang="es-ES" dirty="0"/>
+              <a:t>/</a:t>
+            </a:r>
+            <a:r>
+              <a:rPr lang="es-ES" dirty="0" err="1"/>
+              <a:t>width</a:t>
+            </a:r>
+            <a:r>
+              <a:rPr lang="es-ES" dirty="0"/>
+              <a:t>, </a:t>
+            </a:r>
+            <a:r>
+              <a:rPr lang="es-ES" dirty="0" err="1"/>
+              <a:t>the</a:t>
+            </a:r>
+            <a:r>
+              <a:rPr lang="es-ES" dirty="0"/>
+              <a:t> conversión</a:t>
+            </a:r>
+          </a:p>
+          <a:p>
+            <a:r>
+              <a:rPr lang="es-ES" dirty="0" err="1"/>
+              <a:t>efficiency</a:t>
+            </a:r>
+            <a:r>
+              <a:rPr lang="es-ES" dirty="0"/>
+              <a:t>, </a:t>
+            </a:r>
+            <a:r>
+              <a:rPr lang="es-ES" dirty="0" err="1"/>
+              <a:t>from</a:t>
+            </a:r>
+            <a:r>
+              <a:rPr lang="es-ES" dirty="0"/>
+              <a:t> 0th </a:t>
+            </a:r>
+            <a:r>
+              <a:rPr lang="es-ES" dirty="0" err="1"/>
+              <a:t>to</a:t>
+            </a:r>
+            <a:r>
+              <a:rPr lang="es-ES" dirty="0"/>
+              <a:t> 1st, Will </a:t>
+            </a:r>
+            <a:r>
+              <a:rPr lang="es-ES" dirty="0" err="1"/>
+              <a:t>not</a:t>
+            </a:r>
+            <a:r>
+              <a:rPr lang="es-ES" dirty="0"/>
+              <a:t> be </a:t>
+            </a:r>
+            <a:r>
+              <a:rPr lang="es-ES" dirty="0" err="1"/>
+              <a:t>close</a:t>
+            </a:r>
+            <a:r>
+              <a:rPr lang="es-ES" dirty="0"/>
+              <a:t> </a:t>
+            </a:r>
+            <a:r>
+              <a:rPr lang="es-ES" dirty="0" err="1"/>
+              <a:t>to</a:t>
+            </a:r>
+            <a:r>
+              <a:rPr lang="es-ES" dirty="0"/>
+              <a:t> 1. </a:t>
+            </a:r>
+          </a:p>
+          <a:p>
+            <a:pPr marL="342900" indent="-342900">
+              <a:buFont typeface="+mj-lt"/>
+              <a:buAutoNum type="arabicPeriod" startAt="3"/>
+            </a:pPr>
+            <a:r>
+              <a:rPr lang="es-ES" dirty="0"/>
+              <a:t>In </a:t>
+            </a:r>
+            <a:r>
+              <a:rPr lang="es-ES" dirty="0" err="1"/>
+              <a:t>experiment</a:t>
+            </a:r>
+            <a:r>
+              <a:rPr lang="es-ES" dirty="0"/>
+              <a:t>, </a:t>
+            </a:r>
+            <a:r>
+              <a:rPr lang="es-ES" dirty="0" err="1"/>
+              <a:t>the</a:t>
+            </a:r>
+            <a:r>
+              <a:rPr lang="es-ES" dirty="0"/>
+              <a:t> </a:t>
+            </a:r>
+            <a:r>
+              <a:rPr lang="es-ES" dirty="0" err="1"/>
+              <a:t>polarizer</a:t>
+            </a:r>
+            <a:r>
+              <a:rPr lang="es-ES" dirty="0"/>
+              <a:t> at </a:t>
+            </a:r>
+            <a:r>
+              <a:rPr lang="es-ES" dirty="0" err="1"/>
+              <a:t>reflection</a:t>
+            </a:r>
+            <a:r>
+              <a:rPr lang="es-ES" dirty="0"/>
+              <a:t> </a:t>
+            </a:r>
+            <a:r>
+              <a:rPr lang="es-ES" dirty="0" err="1"/>
+              <a:t>direction</a:t>
+            </a:r>
+            <a:r>
+              <a:rPr lang="es-ES" dirty="0"/>
+              <a:t>.</a:t>
+            </a:r>
+          </a:p>
+          <a:p>
+            <a:pPr marL="285750" indent="-285750">
+              <a:buFont typeface="Arial" panose="020B0604020202020204" pitchFamily="34" charset="0"/>
+              <a:buChar char="•"/>
+            </a:pPr>
+            <a:endParaRPr lang="es-ES" dirty="0"/>
+          </a:p>
+        </p:txBody>
+      </p:sp>
+    </p:spTree>
+    <p:extLst>
+      <p:ext uri="{BB962C8B-B14F-4D97-AF65-F5344CB8AC3E}">
+        <p14:creationId xmlns:p14="http://schemas.microsoft.com/office/powerpoint/2010/main" val="743344543"/>
       </p:ext>
     </p:extLst>
   </p:cSld>
